--- a/Figures/Figure_4 stuff.pptx
+++ b/Figures/Figure_4 stuff.pptx
@@ -7,7 +7,8 @@
   <p:sldIdLst>
     <p:sldId id="256" r:id="rId2"/>
     <p:sldId id="257" r:id="rId3"/>
-    <p:sldId id="258" r:id="rId4"/>
+    <p:sldId id="259" r:id="rId4"/>
+    <p:sldId id="258" r:id="rId5"/>
   </p:sldIdLst>
   <p:sldSz cx="12192000" cy="6858000"/>
   <p:notesSz cx="6858000" cy="9144000"/>
@@ -106,6 +107,11 @@
       </a:defRPr>
     </a:lvl9pPr>
   </p:defaultTextStyle>
+  <p:extLst>
+    <p:ext uri="{EFAFB233-063F-42B5-8137-9DF3F51BA10A}">
+      <p15:sldGuideLst xmlns:p15="http://schemas.microsoft.com/office/powerpoint/2012/main"/>
+    </p:ext>
+  </p:extLst>
 </p:presentation>
 </file>
 
@@ -256,7 +262,7 @@
           <a:p>
             <a:fld id="{DA0DD2D3-C15B-4332-819D-E2F7B9035237}" type="datetimeFigureOut">
               <a:rPr lang="en-US" smtClean="0"/>
-              <a:t>7/30/2021</a:t>
+              <a:t>10/12/2021</a:t>
             </a:fld>
             <a:endParaRPr lang="en-US"/>
           </a:p>
@@ -454,7 +460,7 @@
           <a:p>
             <a:fld id="{DA0DD2D3-C15B-4332-819D-E2F7B9035237}" type="datetimeFigureOut">
               <a:rPr lang="en-US" smtClean="0"/>
-              <a:t>7/30/2021</a:t>
+              <a:t>10/12/2021</a:t>
             </a:fld>
             <a:endParaRPr lang="en-US"/>
           </a:p>
@@ -662,7 +668,7 @@
           <a:p>
             <a:fld id="{DA0DD2D3-C15B-4332-819D-E2F7B9035237}" type="datetimeFigureOut">
               <a:rPr lang="en-US" smtClean="0"/>
-              <a:t>7/30/2021</a:t>
+              <a:t>10/12/2021</a:t>
             </a:fld>
             <a:endParaRPr lang="en-US"/>
           </a:p>
@@ -860,7 +866,7 @@
           <a:p>
             <a:fld id="{DA0DD2D3-C15B-4332-819D-E2F7B9035237}" type="datetimeFigureOut">
               <a:rPr lang="en-US" smtClean="0"/>
-              <a:t>7/30/2021</a:t>
+              <a:t>10/12/2021</a:t>
             </a:fld>
             <a:endParaRPr lang="en-US"/>
           </a:p>
@@ -1135,7 +1141,7 @@
           <a:p>
             <a:fld id="{DA0DD2D3-C15B-4332-819D-E2F7B9035237}" type="datetimeFigureOut">
               <a:rPr lang="en-US" smtClean="0"/>
-              <a:t>7/30/2021</a:t>
+              <a:t>10/12/2021</a:t>
             </a:fld>
             <a:endParaRPr lang="en-US"/>
           </a:p>
@@ -1400,7 +1406,7 @@
           <a:p>
             <a:fld id="{DA0DD2D3-C15B-4332-819D-E2F7B9035237}" type="datetimeFigureOut">
               <a:rPr lang="en-US" smtClean="0"/>
-              <a:t>7/30/2021</a:t>
+              <a:t>10/12/2021</a:t>
             </a:fld>
             <a:endParaRPr lang="en-US"/>
           </a:p>
@@ -1812,7 +1818,7 @@
           <a:p>
             <a:fld id="{DA0DD2D3-C15B-4332-819D-E2F7B9035237}" type="datetimeFigureOut">
               <a:rPr lang="en-US" smtClean="0"/>
-              <a:t>7/30/2021</a:t>
+              <a:t>10/12/2021</a:t>
             </a:fld>
             <a:endParaRPr lang="en-US"/>
           </a:p>
@@ -1953,7 +1959,7 @@
           <a:p>
             <a:fld id="{DA0DD2D3-C15B-4332-819D-E2F7B9035237}" type="datetimeFigureOut">
               <a:rPr lang="en-US" smtClean="0"/>
-              <a:t>7/30/2021</a:t>
+              <a:t>10/12/2021</a:t>
             </a:fld>
             <a:endParaRPr lang="en-US"/>
           </a:p>
@@ -2066,7 +2072,7 @@
           <a:p>
             <a:fld id="{DA0DD2D3-C15B-4332-819D-E2F7B9035237}" type="datetimeFigureOut">
               <a:rPr lang="en-US" smtClean="0"/>
-              <a:t>7/30/2021</a:t>
+              <a:t>10/12/2021</a:t>
             </a:fld>
             <a:endParaRPr lang="en-US"/>
           </a:p>
@@ -2377,7 +2383,7 @@
           <a:p>
             <a:fld id="{DA0DD2D3-C15B-4332-819D-E2F7B9035237}" type="datetimeFigureOut">
               <a:rPr lang="en-US" smtClean="0"/>
-              <a:t>7/30/2021</a:t>
+              <a:t>10/12/2021</a:t>
             </a:fld>
             <a:endParaRPr lang="en-US"/>
           </a:p>
@@ -2665,7 +2671,7 @@
           <a:p>
             <a:fld id="{DA0DD2D3-C15B-4332-819D-E2F7B9035237}" type="datetimeFigureOut">
               <a:rPr lang="en-US" smtClean="0"/>
-              <a:t>7/30/2021</a:t>
+              <a:t>10/12/2021</a:t>
             </a:fld>
             <a:endParaRPr lang="en-US"/>
           </a:p>
@@ -2906,7 +2912,7 @@
           <a:p>
             <a:fld id="{DA0DD2D3-C15B-4332-819D-E2F7B9035237}" type="datetimeFigureOut">
               <a:rPr lang="en-US" smtClean="0"/>
-              <a:t>7/30/2021</a:t>
+              <a:t>10/12/2021</a:t>
             </a:fld>
             <a:endParaRPr lang="en-US"/>
           </a:p>
@@ -6219,7 +6225,7 @@
         </p:nvSpPr>
         <p:spPr>
           <a:xfrm>
-            <a:off x="3115374" y="3840192"/>
+            <a:off x="7577541" y="3512891"/>
             <a:ext cx="2677703" cy="2766070"/>
           </a:xfrm>
           <a:prstGeom prst="rect">
@@ -6747,7 +6753,7 @@
         </p:nvSpPr>
         <p:spPr>
           <a:xfrm>
-            <a:off x="3106275" y="4261867"/>
+            <a:off x="6714907" y="4848968"/>
             <a:ext cx="1699912" cy="253916"/>
           </a:xfrm>
           <a:prstGeom prst="rect">
@@ -6799,1231 +6805,6 @@
           <a:chExt cx="0" cy="0"/>
         </a:xfrm>
       </p:grpSpPr>
-      <p:grpSp>
-        <p:nvGrpSpPr>
-          <p:cNvPr id="5" name="Group 4">
-            <a:extLst>
-              <a:ext uri="{FF2B5EF4-FFF2-40B4-BE49-F238E27FC236}">
-                <a16:creationId xmlns:a16="http://schemas.microsoft.com/office/drawing/2014/main" id="{BC825E55-C179-4EF7-96C5-3551D3EA4947}"/>
-              </a:ext>
-            </a:extLst>
-          </p:cNvPr>
-          <p:cNvGrpSpPr/>
-          <p:nvPr/>
-        </p:nvGrpSpPr>
-        <p:grpSpPr>
-          <a:xfrm>
-            <a:off x="3231345" y="2632366"/>
-            <a:ext cx="3501440" cy="2542347"/>
-            <a:chOff x="7879875" y="3977716"/>
-            <a:chExt cx="3152887" cy="2032471"/>
-          </a:xfrm>
-        </p:grpSpPr>
-        <p:sp>
-          <p:nvSpPr>
-            <p:cNvPr id="6" name="Freeform: Shape 5">
-              <a:extLst>
-                <a:ext uri="{FF2B5EF4-FFF2-40B4-BE49-F238E27FC236}">
-                  <a16:creationId xmlns:a16="http://schemas.microsoft.com/office/drawing/2014/main" id="{E69CC4C5-80CB-4790-AA60-2A195ACC3D60}"/>
-                </a:ext>
-              </a:extLst>
-            </p:cNvPr>
-            <p:cNvSpPr/>
-            <p:nvPr/>
-          </p:nvSpPr>
-          <p:spPr>
-            <a:xfrm>
-              <a:off x="8561594" y="4146860"/>
-              <a:ext cx="2319801" cy="1080204"/>
-            </a:xfrm>
-            <a:custGeom>
-              <a:avLst/>
-              <a:gdLst>
-                <a:gd name="connsiteX0" fmla="*/ 0 w 1400785"/>
-                <a:gd name="connsiteY0" fmla="*/ 982850 h 1005435"/>
-                <a:gd name="connsiteX1" fmla="*/ 238125 w 1400785"/>
-                <a:gd name="connsiteY1" fmla="*/ 468500 h 1005435"/>
-                <a:gd name="connsiteX2" fmla="*/ 466725 w 1400785"/>
-                <a:gd name="connsiteY2" fmla="*/ 58925 h 1005435"/>
-                <a:gd name="connsiteX3" fmla="*/ 733425 w 1400785"/>
-                <a:gd name="connsiteY3" fmla="*/ 1775 h 1005435"/>
-                <a:gd name="connsiteX4" fmla="*/ 952500 w 1400785"/>
-                <a:gd name="connsiteY4" fmla="*/ 49400 h 1005435"/>
-                <a:gd name="connsiteX5" fmla="*/ 1152525 w 1400785"/>
-                <a:gd name="connsiteY5" fmla="*/ 344675 h 1005435"/>
-                <a:gd name="connsiteX6" fmla="*/ 1362075 w 1400785"/>
-                <a:gd name="connsiteY6" fmla="*/ 906650 h 1005435"/>
-                <a:gd name="connsiteX7" fmla="*/ 1400175 w 1400785"/>
-                <a:gd name="connsiteY7" fmla="*/ 1001900 h 1005435"/>
-              </a:gdLst>
-              <a:ahLst/>
-              <a:cxnLst>
-                <a:cxn ang="0">
-                  <a:pos x="connsiteX0" y="connsiteY0"/>
-                </a:cxn>
-                <a:cxn ang="0">
-                  <a:pos x="connsiteX1" y="connsiteY1"/>
-                </a:cxn>
-                <a:cxn ang="0">
-                  <a:pos x="connsiteX2" y="connsiteY2"/>
-                </a:cxn>
-                <a:cxn ang="0">
-                  <a:pos x="connsiteX3" y="connsiteY3"/>
-                </a:cxn>
-                <a:cxn ang="0">
-                  <a:pos x="connsiteX4" y="connsiteY4"/>
-                </a:cxn>
-                <a:cxn ang="0">
-                  <a:pos x="connsiteX5" y="connsiteY5"/>
-                </a:cxn>
-                <a:cxn ang="0">
-                  <a:pos x="connsiteX6" y="connsiteY6"/>
-                </a:cxn>
-                <a:cxn ang="0">
-                  <a:pos x="connsiteX7" y="connsiteY7"/>
-                </a:cxn>
-              </a:cxnLst>
-              <a:rect l="l" t="t" r="r" b="b"/>
-              <a:pathLst>
-                <a:path w="1400785" h="1005435">
-                  <a:moveTo>
-                    <a:pt x="0" y="982850"/>
-                  </a:moveTo>
-                  <a:cubicBezTo>
-                    <a:pt x="80169" y="802668"/>
-                    <a:pt x="160338" y="622487"/>
-                    <a:pt x="238125" y="468500"/>
-                  </a:cubicBezTo>
-                  <a:cubicBezTo>
-                    <a:pt x="315912" y="314513"/>
-                    <a:pt x="384175" y="136712"/>
-                    <a:pt x="466725" y="58925"/>
-                  </a:cubicBezTo>
-                  <a:cubicBezTo>
-                    <a:pt x="549275" y="-18863"/>
-                    <a:pt x="652463" y="3362"/>
-                    <a:pt x="733425" y="1775"/>
-                  </a:cubicBezTo>
-                  <a:cubicBezTo>
-                    <a:pt x="814387" y="188"/>
-                    <a:pt x="882650" y="-7750"/>
-                    <a:pt x="952500" y="49400"/>
-                  </a:cubicBezTo>
-                  <a:cubicBezTo>
-                    <a:pt x="1022350" y="106550"/>
-                    <a:pt x="1084263" y="201800"/>
-                    <a:pt x="1152525" y="344675"/>
-                  </a:cubicBezTo>
-                  <a:cubicBezTo>
-                    <a:pt x="1220787" y="487550"/>
-                    <a:pt x="1320800" y="797112"/>
-                    <a:pt x="1362075" y="906650"/>
-                  </a:cubicBezTo>
-                  <a:cubicBezTo>
-                    <a:pt x="1403350" y="1016188"/>
-                    <a:pt x="1401762" y="1009044"/>
-                    <a:pt x="1400175" y="1001900"/>
-                  </a:cubicBezTo>
-                </a:path>
-              </a:pathLst>
-            </a:custGeom>
-            <a:noFill/>
-            <a:ln w="28575">
-              <a:solidFill>
-                <a:schemeClr val="tx1"/>
-              </a:solidFill>
-            </a:ln>
-          </p:spPr>
-          <p:style>
-            <a:lnRef idx="2">
-              <a:schemeClr val="accent1">
-                <a:shade val="50000"/>
-              </a:schemeClr>
-            </a:lnRef>
-            <a:fillRef idx="1">
-              <a:schemeClr val="accent1"/>
-            </a:fillRef>
-            <a:effectRef idx="0">
-              <a:schemeClr val="accent1"/>
-            </a:effectRef>
-            <a:fontRef idx="minor">
-              <a:schemeClr val="lt1"/>
-            </a:fontRef>
-          </p:style>
-          <p:txBody>
-            <a:bodyPr rtlCol="0" anchor="ctr"/>
-            <a:lstStyle/>
-            <a:p>
-              <a:pPr algn="ctr"/>
-              <a:endParaRPr lang="en-US" dirty="0"/>
-            </a:p>
-          </p:txBody>
-        </p:sp>
-        <p:grpSp>
-          <p:nvGrpSpPr>
-            <p:cNvPr id="7" name="Group 6">
-              <a:extLst>
-                <a:ext uri="{FF2B5EF4-FFF2-40B4-BE49-F238E27FC236}">
-                  <a16:creationId xmlns:a16="http://schemas.microsoft.com/office/drawing/2014/main" id="{0E50D9DD-4DD7-4432-B37D-09D210E0DBE0}"/>
-                </a:ext>
-              </a:extLst>
-            </p:cNvPr>
-            <p:cNvGrpSpPr/>
-            <p:nvPr/>
-          </p:nvGrpSpPr>
-          <p:grpSpPr>
-            <a:xfrm>
-              <a:off x="7879875" y="3977716"/>
-              <a:ext cx="3152887" cy="2032471"/>
-              <a:chOff x="6181044" y="925263"/>
-              <a:chExt cx="3152887" cy="2032471"/>
-            </a:xfrm>
-          </p:grpSpPr>
-          <p:grpSp>
-            <p:nvGrpSpPr>
-              <p:cNvPr id="8" name="Group 7">
-                <a:extLst>
-                  <a:ext uri="{FF2B5EF4-FFF2-40B4-BE49-F238E27FC236}">
-                    <a16:creationId xmlns:a16="http://schemas.microsoft.com/office/drawing/2014/main" id="{16015CBE-A00A-42A8-AA46-56B27AFDA840}"/>
-                  </a:ext>
-                </a:extLst>
-              </p:cNvPr>
-              <p:cNvGrpSpPr/>
-              <p:nvPr/>
-            </p:nvGrpSpPr>
-            <p:grpSpPr>
-              <a:xfrm>
-                <a:off x="6181044" y="925263"/>
-                <a:ext cx="3152887" cy="1705013"/>
-                <a:chOff x="6242334" y="1008265"/>
-                <a:chExt cx="1858031" cy="1163434"/>
-              </a:xfrm>
-            </p:grpSpPr>
-            <p:cxnSp>
-              <p:nvCxnSpPr>
-                <p:cNvPr id="10" name="Straight Arrow Connector 9">
-                  <a:extLst>
-                    <a:ext uri="{FF2B5EF4-FFF2-40B4-BE49-F238E27FC236}">
-                      <a16:creationId xmlns:a16="http://schemas.microsoft.com/office/drawing/2014/main" id="{704F3908-C7DE-4F89-9EDC-458AC0F1D35D}"/>
-                    </a:ext>
-                  </a:extLst>
-                </p:cNvPr>
-                <p:cNvCxnSpPr>
-                  <a:cxnSpLocks/>
-                </p:cNvCxnSpPr>
-                <p:nvPr/>
-              </p:nvCxnSpPr>
-              <p:spPr>
-                <a:xfrm>
-                  <a:off x="6564796" y="2162551"/>
-                  <a:ext cx="1535569" cy="0"/>
-                </a:xfrm>
-                <a:prstGeom prst="straightConnector1">
-                  <a:avLst/>
-                </a:prstGeom>
-                <a:ln w="28575">
-                  <a:solidFill>
-                    <a:schemeClr val="tx1"/>
-                  </a:solidFill>
-                  <a:headEnd type="none" w="med" len="med"/>
-                  <a:tailEnd type="none" w="med" len="med"/>
-                </a:ln>
-              </p:spPr>
-              <p:style>
-                <a:lnRef idx="1">
-                  <a:schemeClr val="accent1"/>
-                </a:lnRef>
-                <a:fillRef idx="0">
-                  <a:schemeClr val="accent1"/>
-                </a:fillRef>
-                <a:effectRef idx="0">
-                  <a:schemeClr val="accent1"/>
-                </a:effectRef>
-                <a:fontRef idx="minor">
-                  <a:schemeClr val="tx1"/>
-                </a:fontRef>
-              </p:style>
-            </p:cxnSp>
-            <p:cxnSp>
-              <p:nvCxnSpPr>
-                <p:cNvPr id="11" name="Straight Arrow Connector 10">
-                  <a:extLst>
-                    <a:ext uri="{FF2B5EF4-FFF2-40B4-BE49-F238E27FC236}">
-                      <a16:creationId xmlns:a16="http://schemas.microsoft.com/office/drawing/2014/main" id="{289DC8CD-D16E-4A14-8FC6-E550E736B594}"/>
-                    </a:ext>
-                  </a:extLst>
-                </p:cNvPr>
-                <p:cNvCxnSpPr>
-                  <a:cxnSpLocks/>
-                </p:cNvCxnSpPr>
-                <p:nvPr/>
-              </p:nvCxnSpPr>
-              <p:spPr>
-                <a:xfrm flipH="1" flipV="1">
-                  <a:off x="6537608" y="1155797"/>
-                  <a:ext cx="23033" cy="1015902"/>
-                </a:xfrm>
-                <a:prstGeom prst="straightConnector1">
-                  <a:avLst/>
-                </a:prstGeom>
-                <a:ln w="28575">
-                  <a:solidFill>
-                    <a:schemeClr val="tx1"/>
-                  </a:solidFill>
-                  <a:headEnd type="none" w="med" len="med"/>
-                  <a:tailEnd type="none" w="med" len="med"/>
-                </a:ln>
-              </p:spPr>
-              <p:style>
-                <a:lnRef idx="1">
-                  <a:schemeClr val="accent1"/>
-                </a:lnRef>
-                <a:fillRef idx="0">
-                  <a:schemeClr val="accent1"/>
-                </a:fillRef>
-                <a:effectRef idx="0">
-                  <a:schemeClr val="accent1"/>
-                </a:effectRef>
-                <a:fontRef idx="minor">
-                  <a:schemeClr val="tx1"/>
-                </a:fontRef>
-              </p:style>
-            </p:cxnSp>
-            <p:sp>
-              <p:nvSpPr>
-                <p:cNvPr id="12" name="TextBox 11">
-                  <a:extLst>
-                    <a:ext uri="{FF2B5EF4-FFF2-40B4-BE49-F238E27FC236}">
-                      <a16:creationId xmlns:a16="http://schemas.microsoft.com/office/drawing/2014/main" id="{B8C4DEE6-17D1-4BA3-B797-9759947EB1AD}"/>
-                    </a:ext>
-                  </a:extLst>
-                </p:cNvPr>
-                <p:cNvSpPr txBox="1"/>
-                <p:nvPr/>
-              </p:nvSpPr>
-              <p:spPr>
-                <a:xfrm rot="16200000">
-                  <a:off x="5994349" y="1256250"/>
-                  <a:ext cx="772969" cy="276999"/>
-                </a:xfrm>
-                <a:prstGeom prst="rect">
-                  <a:avLst/>
-                </a:prstGeom>
-                <a:noFill/>
-                <a:ln>
-                  <a:noFill/>
-                  <a:headEnd type="none" w="med" len="med"/>
-                  <a:tailEnd type="none" w="med" len="med"/>
-                </a:ln>
-              </p:spPr>
-              <p:txBody>
-                <a:bodyPr wrap="none" rtlCol="0">
-                  <a:spAutoFit/>
-                </a:bodyPr>
-                <a:lstStyle/>
-                <a:p>
-                  <a:r>
-                    <a:rPr lang="en-US" sz="1200" dirty="0">
-                      <a:latin typeface="Arial" panose="020B0604020202020204" pitchFamily="34" charset="0"/>
-                      <a:cs typeface="Arial" panose="020B0604020202020204" pitchFamily="34" charset="0"/>
-                    </a:rPr>
-                    <a:t>Diversity</a:t>
-                  </a:r>
-                </a:p>
-              </p:txBody>
-            </p:sp>
-          </p:grpSp>
-          <p:sp>
-            <p:nvSpPr>
-              <p:cNvPr id="9" name="TextBox 8">
-                <a:extLst>
-                  <a:ext uri="{FF2B5EF4-FFF2-40B4-BE49-F238E27FC236}">
-                    <a16:creationId xmlns:a16="http://schemas.microsoft.com/office/drawing/2014/main" id="{8D118249-4DBC-4879-8D9D-49A855879C4C}"/>
-                  </a:ext>
-                </a:extLst>
-              </p:cNvPr>
-              <p:cNvSpPr txBox="1"/>
-              <p:nvPr/>
-            </p:nvSpPr>
-            <p:spPr>
-              <a:xfrm>
-                <a:off x="7283898" y="2680735"/>
-                <a:ext cx="1598515" cy="276999"/>
-              </a:xfrm>
-              <a:prstGeom prst="rect">
-                <a:avLst/>
-              </a:prstGeom>
-              <a:noFill/>
-              <a:ln>
-                <a:noFill/>
-                <a:headEnd type="none" w="med" len="med"/>
-                <a:tailEnd type="none" w="med" len="med"/>
-              </a:ln>
-            </p:spPr>
-            <p:txBody>
-              <a:bodyPr wrap="none" rtlCol="0">
-                <a:spAutoFit/>
-              </a:bodyPr>
-              <a:lstStyle/>
-              <a:p>
-                <a:r>
-                  <a:rPr lang="en-US" sz="1200" dirty="0">
-                    <a:latin typeface="Arial" panose="020B0604020202020204" pitchFamily="34" charset="0"/>
-                    <a:cs typeface="Arial" panose="020B0604020202020204" pitchFamily="34" charset="0"/>
-                  </a:rPr>
-                  <a:t>Modification gradient</a:t>
-                </a:r>
-              </a:p>
-            </p:txBody>
-          </p:sp>
-        </p:grpSp>
-      </p:grpSp>
-      <p:sp>
-        <p:nvSpPr>
-          <p:cNvPr id="13" name="Oval 12">
-            <a:extLst>
-              <a:ext uri="{FF2B5EF4-FFF2-40B4-BE49-F238E27FC236}">
-                <a16:creationId xmlns:a16="http://schemas.microsoft.com/office/drawing/2014/main" id="{8966A51E-658D-458C-8BF8-0178E9E29FFA}"/>
-              </a:ext>
-            </a:extLst>
-          </p:cNvPr>
-          <p:cNvSpPr/>
-          <p:nvPr/>
-        </p:nvSpPr>
-        <p:spPr>
-          <a:xfrm>
-            <a:off x="3831191" y="3278841"/>
-            <a:ext cx="930663" cy="1339052"/>
-          </a:xfrm>
-          <a:prstGeom prst="ellipse">
-            <a:avLst/>
-          </a:prstGeom>
-          <a:noFill/>
-          <a:ln w="38100">
-            <a:solidFill>
-              <a:srgbClr val="00B050"/>
-            </a:solidFill>
-          </a:ln>
-        </p:spPr>
-        <p:style>
-          <a:lnRef idx="2">
-            <a:schemeClr val="accent1">
-              <a:shade val="50000"/>
-            </a:schemeClr>
-          </a:lnRef>
-          <a:fillRef idx="1">
-            <a:schemeClr val="accent1"/>
-          </a:fillRef>
-          <a:effectRef idx="0">
-            <a:schemeClr val="accent1"/>
-          </a:effectRef>
-          <a:fontRef idx="minor">
-            <a:schemeClr val="lt1"/>
-          </a:fontRef>
-        </p:style>
-        <p:txBody>
-          <a:bodyPr rtlCol="0" anchor="ctr"/>
-          <a:lstStyle/>
-          <a:p>
-            <a:pPr algn="ctr"/>
-            <a:endParaRPr lang="en-US"/>
-          </a:p>
-        </p:txBody>
-      </p:sp>
-      <p:grpSp>
-        <p:nvGrpSpPr>
-          <p:cNvPr id="20" name="Group 19">
-            <a:extLst>
-              <a:ext uri="{FF2B5EF4-FFF2-40B4-BE49-F238E27FC236}">
-                <a16:creationId xmlns:a16="http://schemas.microsoft.com/office/drawing/2014/main" id="{E3D84A19-B085-4975-9E02-CC32590D7B91}"/>
-              </a:ext>
-            </a:extLst>
-          </p:cNvPr>
-          <p:cNvGrpSpPr/>
-          <p:nvPr/>
-        </p:nvGrpSpPr>
-        <p:grpSpPr>
-          <a:xfrm>
-            <a:off x="1741742" y="2067053"/>
-            <a:ext cx="4354258" cy="708253"/>
-            <a:chOff x="1788160" y="2194560"/>
-            <a:chExt cx="4354258" cy="708253"/>
-          </a:xfrm>
-        </p:grpSpPr>
-        <p:grpSp>
-          <p:nvGrpSpPr>
-            <p:cNvPr id="18" name="Group 17">
-              <a:extLst>
-                <a:ext uri="{FF2B5EF4-FFF2-40B4-BE49-F238E27FC236}">
-                  <a16:creationId xmlns:a16="http://schemas.microsoft.com/office/drawing/2014/main" id="{FBB2A410-9542-48B5-A045-408E6A01FCD2}"/>
-                </a:ext>
-              </a:extLst>
-            </p:cNvPr>
-            <p:cNvGrpSpPr/>
-            <p:nvPr/>
-          </p:nvGrpSpPr>
-          <p:grpSpPr>
-            <a:xfrm>
-              <a:off x="1906307" y="2394017"/>
-              <a:ext cx="4236111" cy="415498"/>
-              <a:chOff x="1906307" y="2394017"/>
-              <a:chExt cx="4236111" cy="415498"/>
-            </a:xfrm>
-          </p:grpSpPr>
-          <p:sp>
-            <p:nvSpPr>
-              <p:cNvPr id="15" name="TextBox 14">
-                <a:extLst>
-                  <a:ext uri="{FF2B5EF4-FFF2-40B4-BE49-F238E27FC236}">
-                    <a16:creationId xmlns:a16="http://schemas.microsoft.com/office/drawing/2014/main" id="{2601E2FE-57D8-43BC-A617-4BA0D4E3461E}"/>
-                  </a:ext>
-                </a:extLst>
-              </p:cNvPr>
-              <p:cNvSpPr txBox="1"/>
-              <p:nvPr/>
-            </p:nvSpPr>
-            <p:spPr>
-              <a:xfrm>
-                <a:off x="1906307" y="2394017"/>
-                <a:ext cx="2650073" cy="415498"/>
-              </a:xfrm>
-              <a:prstGeom prst="rect">
-                <a:avLst/>
-              </a:prstGeom>
-              <a:noFill/>
-            </p:spPr>
-            <p:txBody>
-              <a:bodyPr wrap="square" rtlCol="0">
-                <a:spAutoFit/>
-              </a:bodyPr>
-              <a:lstStyle/>
-              <a:p>
-                <a:r>
-                  <a:rPr lang="en-AU" sz="1050" dirty="0"/>
-                  <a:t>Homogenous </a:t>
-                </a:r>
-              </a:p>
-              <a:p>
-                <a:r>
-                  <a:rPr lang="en-AU" sz="1050" dirty="0"/>
-                  <a:t>Natural  environments</a:t>
-                </a:r>
-                <a:endParaRPr lang="en-US" sz="1050" dirty="0"/>
-              </a:p>
-            </p:txBody>
-          </p:sp>
-          <p:sp>
-            <p:nvSpPr>
-              <p:cNvPr id="16" name="Arrow: Right 15">
-                <a:extLst>
-                  <a:ext uri="{FF2B5EF4-FFF2-40B4-BE49-F238E27FC236}">
-                    <a16:creationId xmlns:a16="http://schemas.microsoft.com/office/drawing/2014/main" id="{297E2A02-3935-4631-86C4-6402021A00E0}"/>
-                  </a:ext>
-                </a:extLst>
-              </p:cNvPr>
-              <p:cNvSpPr/>
-              <p:nvPr/>
-            </p:nvSpPr>
-            <p:spPr>
-              <a:xfrm>
-                <a:off x="2947760" y="2547943"/>
-                <a:ext cx="368703" cy="107645"/>
-              </a:xfrm>
-              <a:prstGeom prst="rightArrow">
-                <a:avLst/>
-              </a:prstGeom>
-              <a:solidFill>
-                <a:schemeClr val="tx1"/>
-              </a:solidFill>
-              <a:ln>
-                <a:solidFill>
-                  <a:schemeClr val="tx1"/>
-                </a:solidFill>
-              </a:ln>
-            </p:spPr>
-            <p:style>
-              <a:lnRef idx="2">
-                <a:schemeClr val="accent1">
-                  <a:shade val="50000"/>
-                </a:schemeClr>
-              </a:lnRef>
-              <a:fillRef idx="1">
-                <a:schemeClr val="accent1"/>
-              </a:fillRef>
-              <a:effectRef idx="0">
-                <a:schemeClr val="accent1"/>
-              </a:effectRef>
-              <a:fontRef idx="minor">
-                <a:schemeClr val="lt1"/>
-              </a:fontRef>
-            </p:style>
-            <p:txBody>
-              <a:bodyPr rtlCol="0" anchor="ctr"/>
-              <a:lstStyle/>
-              <a:p>
-                <a:pPr algn="ctr"/>
-                <a:endParaRPr lang="en-US"/>
-              </a:p>
-            </p:txBody>
-          </p:sp>
-          <p:sp>
-            <p:nvSpPr>
-              <p:cNvPr id="17" name="TextBox 16">
-                <a:extLst>
-                  <a:ext uri="{FF2B5EF4-FFF2-40B4-BE49-F238E27FC236}">
-                    <a16:creationId xmlns:a16="http://schemas.microsoft.com/office/drawing/2014/main" id="{73E6C325-C31E-476F-A6D0-71116884D218}"/>
-                  </a:ext>
-                </a:extLst>
-              </p:cNvPr>
-              <p:cNvSpPr txBox="1"/>
-              <p:nvPr/>
-            </p:nvSpPr>
-            <p:spPr>
-              <a:xfrm>
-                <a:off x="3492345" y="2463197"/>
-                <a:ext cx="2650073" cy="253916"/>
-              </a:xfrm>
-              <a:prstGeom prst="rect">
-                <a:avLst/>
-              </a:prstGeom>
-              <a:noFill/>
-            </p:spPr>
-            <p:txBody>
-              <a:bodyPr wrap="square" rtlCol="0">
-                <a:spAutoFit/>
-              </a:bodyPr>
-              <a:lstStyle/>
-              <a:p>
-                <a:r>
-                  <a:rPr lang="en-AU" sz="1050" dirty="0"/>
-                  <a:t>Specialists only</a:t>
-                </a:r>
-                <a:endParaRPr lang="en-US" sz="1050" dirty="0"/>
-              </a:p>
-            </p:txBody>
-          </p:sp>
-        </p:grpSp>
-        <p:sp>
-          <p:nvSpPr>
-            <p:cNvPr id="19" name="Rectangle 18">
-              <a:extLst>
-                <a:ext uri="{FF2B5EF4-FFF2-40B4-BE49-F238E27FC236}">
-                  <a16:creationId xmlns:a16="http://schemas.microsoft.com/office/drawing/2014/main" id="{637B2259-F0EB-4404-8517-5EC6697C168B}"/>
-                </a:ext>
-              </a:extLst>
-            </p:cNvPr>
-            <p:cNvSpPr/>
-            <p:nvPr/>
-          </p:nvSpPr>
-          <p:spPr>
-            <a:xfrm>
-              <a:off x="1788160" y="2194560"/>
-              <a:ext cx="2811555" cy="708253"/>
-            </a:xfrm>
-            <a:prstGeom prst="rect">
-              <a:avLst/>
-            </a:prstGeom>
-            <a:noFill/>
-            <a:ln w="38100">
-              <a:solidFill>
-                <a:srgbClr val="00B050"/>
-              </a:solidFill>
-            </a:ln>
-          </p:spPr>
-          <p:style>
-            <a:lnRef idx="2">
-              <a:schemeClr val="accent1">
-                <a:shade val="50000"/>
-              </a:schemeClr>
-            </a:lnRef>
-            <a:fillRef idx="1">
-              <a:schemeClr val="accent1"/>
-            </a:fillRef>
-            <a:effectRef idx="0">
-              <a:schemeClr val="accent1"/>
-            </a:effectRef>
-            <a:fontRef idx="minor">
-              <a:schemeClr val="lt1"/>
-            </a:fontRef>
-          </p:style>
-          <p:txBody>
-            <a:bodyPr rtlCol="0" anchor="ctr"/>
-            <a:lstStyle/>
-            <a:p>
-              <a:pPr algn="ctr"/>
-              <a:endParaRPr lang="en-US"/>
-            </a:p>
-          </p:txBody>
-        </p:sp>
-      </p:grpSp>
-      <p:sp>
-        <p:nvSpPr>
-          <p:cNvPr id="21" name="Oval 20">
-            <a:extLst>
-              <a:ext uri="{FF2B5EF4-FFF2-40B4-BE49-F238E27FC236}">
-                <a16:creationId xmlns:a16="http://schemas.microsoft.com/office/drawing/2014/main" id="{B9E632A7-ED30-4969-AA2C-A2428F65D353}"/>
-              </a:ext>
-            </a:extLst>
-          </p:cNvPr>
-          <p:cNvSpPr/>
-          <p:nvPr/>
-        </p:nvSpPr>
-        <p:spPr>
-          <a:xfrm rot="5400000">
-            <a:off x="4859316" y="2216242"/>
-            <a:ext cx="930663" cy="1339052"/>
-          </a:xfrm>
-          <a:prstGeom prst="ellipse">
-            <a:avLst/>
-          </a:prstGeom>
-          <a:noFill/>
-          <a:ln w="38100">
-            <a:solidFill>
-              <a:srgbClr val="00B0F0"/>
-            </a:solidFill>
-          </a:ln>
-        </p:spPr>
-        <p:style>
-          <a:lnRef idx="2">
-            <a:schemeClr val="accent1">
-              <a:shade val="50000"/>
-            </a:schemeClr>
-          </a:lnRef>
-          <a:fillRef idx="1">
-            <a:schemeClr val="accent1"/>
-          </a:fillRef>
-          <a:effectRef idx="0">
-            <a:schemeClr val="accent1"/>
-          </a:effectRef>
-          <a:fontRef idx="minor">
-            <a:schemeClr val="lt1"/>
-          </a:fontRef>
-        </p:style>
-        <p:txBody>
-          <a:bodyPr rtlCol="0" anchor="ctr"/>
-          <a:lstStyle/>
-          <a:p>
-            <a:pPr algn="ctr"/>
-            <a:endParaRPr lang="en-US"/>
-          </a:p>
-        </p:txBody>
-      </p:sp>
-      <p:grpSp>
-        <p:nvGrpSpPr>
-          <p:cNvPr id="22" name="Group 21">
-            <a:extLst>
-              <a:ext uri="{FF2B5EF4-FFF2-40B4-BE49-F238E27FC236}">
-                <a16:creationId xmlns:a16="http://schemas.microsoft.com/office/drawing/2014/main" id="{B71CE4BB-03B2-45DD-9C9F-90F3CEAB8154}"/>
-              </a:ext>
-            </a:extLst>
-          </p:cNvPr>
-          <p:cNvGrpSpPr/>
-          <p:nvPr/>
-        </p:nvGrpSpPr>
-        <p:grpSpPr>
-          <a:xfrm>
-            <a:off x="4054223" y="1112228"/>
-            <a:ext cx="4254738" cy="708253"/>
-            <a:chOff x="1788160" y="2194560"/>
-            <a:chExt cx="4254738" cy="708253"/>
-          </a:xfrm>
-        </p:grpSpPr>
-        <p:grpSp>
-          <p:nvGrpSpPr>
-            <p:cNvPr id="23" name="Group 22">
-              <a:extLst>
-                <a:ext uri="{FF2B5EF4-FFF2-40B4-BE49-F238E27FC236}">
-                  <a16:creationId xmlns:a16="http://schemas.microsoft.com/office/drawing/2014/main" id="{082A41EB-8834-4C9A-BF65-E06580EE040D}"/>
-                </a:ext>
-              </a:extLst>
-            </p:cNvPr>
-            <p:cNvGrpSpPr/>
-            <p:nvPr/>
-          </p:nvGrpSpPr>
-          <p:grpSpPr>
-            <a:xfrm>
-              <a:off x="1906307" y="2373797"/>
-              <a:ext cx="4136591" cy="435718"/>
-              <a:chOff x="1906307" y="2373797"/>
-              <a:chExt cx="4136591" cy="435718"/>
-            </a:xfrm>
-          </p:grpSpPr>
-          <p:sp>
-            <p:nvSpPr>
-              <p:cNvPr id="25" name="TextBox 24">
-                <a:extLst>
-                  <a:ext uri="{FF2B5EF4-FFF2-40B4-BE49-F238E27FC236}">
-                    <a16:creationId xmlns:a16="http://schemas.microsoft.com/office/drawing/2014/main" id="{54F35547-4EB5-42FD-BC01-C3C55629F86A}"/>
-                  </a:ext>
-                </a:extLst>
-              </p:cNvPr>
-              <p:cNvSpPr txBox="1"/>
-              <p:nvPr/>
-            </p:nvSpPr>
-            <p:spPr>
-              <a:xfrm>
-                <a:off x="1906307" y="2394017"/>
-                <a:ext cx="2650073" cy="415498"/>
-              </a:xfrm>
-              <a:prstGeom prst="rect">
-                <a:avLst/>
-              </a:prstGeom>
-              <a:noFill/>
-            </p:spPr>
-            <p:txBody>
-              <a:bodyPr wrap="square" rtlCol="0">
-                <a:spAutoFit/>
-              </a:bodyPr>
-              <a:lstStyle/>
-              <a:p>
-                <a:r>
-                  <a:rPr lang="en-AU" sz="1050" dirty="0"/>
-                  <a:t>Heterogenous </a:t>
-                </a:r>
-              </a:p>
-              <a:p>
-                <a:r>
-                  <a:rPr lang="en-AU" sz="1050" dirty="0"/>
-                  <a:t>environments</a:t>
-                </a:r>
-                <a:endParaRPr lang="en-US" sz="1050" dirty="0"/>
-              </a:p>
-            </p:txBody>
-          </p:sp>
-          <p:sp>
-            <p:nvSpPr>
-              <p:cNvPr id="26" name="Arrow: Right 25">
-                <a:extLst>
-                  <a:ext uri="{FF2B5EF4-FFF2-40B4-BE49-F238E27FC236}">
-                    <a16:creationId xmlns:a16="http://schemas.microsoft.com/office/drawing/2014/main" id="{982AE73B-9261-4CD4-BD79-BB068306DE92}"/>
-                  </a:ext>
-                </a:extLst>
-              </p:cNvPr>
-              <p:cNvSpPr/>
-              <p:nvPr/>
-            </p:nvSpPr>
-            <p:spPr>
-              <a:xfrm>
-                <a:off x="2947760" y="2547943"/>
-                <a:ext cx="368703" cy="107645"/>
-              </a:xfrm>
-              <a:prstGeom prst="rightArrow">
-                <a:avLst/>
-              </a:prstGeom>
-              <a:solidFill>
-                <a:schemeClr val="tx1"/>
-              </a:solidFill>
-              <a:ln>
-                <a:solidFill>
-                  <a:schemeClr val="tx1"/>
-                </a:solidFill>
-              </a:ln>
-            </p:spPr>
-            <p:style>
-              <a:lnRef idx="2">
-                <a:schemeClr val="accent1">
-                  <a:shade val="50000"/>
-                </a:schemeClr>
-              </a:lnRef>
-              <a:fillRef idx="1">
-                <a:schemeClr val="accent1"/>
-              </a:fillRef>
-              <a:effectRef idx="0">
-                <a:schemeClr val="accent1"/>
-              </a:effectRef>
-              <a:fontRef idx="minor">
-                <a:schemeClr val="lt1"/>
-              </a:fontRef>
-            </p:style>
-            <p:txBody>
-              <a:bodyPr rtlCol="0" anchor="ctr"/>
-              <a:lstStyle/>
-              <a:p>
-                <a:pPr algn="ctr"/>
-                <a:endParaRPr lang="en-US"/>
-              </a:p>
-            </p:txBody>
-          </p:sp>
-          <p:sp>
-            <p:nvSpPr>
-              <p:cNvPr id="27" name="TextBox 26">
-                <a:extLst>
-                  <a:ext uri="{FF2B5EF4-FFF2-40B4-BE49-F238E27FC236}">
-                    <a16:creationId xmlns:a16="http://schemas.microsoft.com/office/drawing/2014/main" id="{F9CA94A9-1440-4AC2-BEAA-2E0B574020CA}"/>
-                  </a:ext>
-                </a:extLst>
-              </p:cNvPr>
-              <p:cNvSpPr txBox="1"/>
-              <p:nvPr/>
-            </p:nvSpPr>
-            <p:spPr>
-              <a:xfrm>
-                <a:off x="3392825" y="2373797"/>
-                <a:ext cx="2650073" cy="415498"/>
-              </a:xfrm>
-              <a:prstGeom prst="rect">
-                <a:avLst/>
-              </a:prstGeom>
-              <a:noFill/>
-            </p:spPr>
-            <p:txBody>
-              <a:bodyPr wrap="square" rtlCol="0">
-                <a:spAutoFit/>
-              </a:bodyPr>
-              <a:lstStyle/>
-              <a:p>
-                <a:r>
-                  <a:rPr lang="en-AU" sz="1050" dirty="0"/>
-                  <a:t>Specialists and</a:t>
-                </a:r>
-              </a:p>
-              <a:p>
-                <a:r>
-                  <a:rPr lang="en-AU" sz="1050" dirty="0"/>
-                  <a:t> generalists</a:t>
-                </a:r>
-                <a:endParaRPr lang="en-US" sz="1050" dirty="0"/>
-              </a:p>
-            </p:txBody>
-          </p:sp>
-        </p:grpSp>
-        <p:sp>
-          <p:nvSpPr>
-            <p:cNvPr id="24" name="Rectangle 23">
-              <a:extLst>
-                <a:ext uri="{FF2B5EF4-FFF2-40B4-BE49-F238E27FC236}">
-                  <a16:creationId xmlns:a16="http://schemas.microsoft.com/office/drawing/2014/main" id="{A3672FB6-AE9E-4A67-9CA3-65A9B005121E}"/>
-                </a:ext>
-              </a:extLst>
-            </p:cNvPr>
-            <p:cNvSpPr/>
-            <p:nvPr/>
-          </p:nvSpPr>
-          <p:spPr>
-            <a:xfrm>
-              <a:off x="1788160" y="2194560"/>
-              <a:ext cx="2811555" cy="708253"/>
-            </a:xfrm>
-            <a:prstGeom prst="rect">
-              <a:avLst/>
-            </a:prstGeom>
-            <a:noFill/>
-            <a:ln w="38100">
-              <a:solidFill>
-                <a:srgbClr val="00B0F0"/>
-              </a:solidFill>
-            </a:ln>
-          </p:spPr>
-          <p:style>
-            <a:lnRef idx="2">
-              <a:schemeClr val="accent1">
-                <a:shade val="50000"/>
-              </a:schemeClr>
-            </a:lnRef>
-            <a:fillRef idx="1">
-              <a:schemeClr val="accent1"/>
-            </a:fillRef>
-            <a:effectRef idx="0">
-              <a:schemeClr val="accent1"/>
-            </a:effectRef>
-            <a:fontRef idx="minor">
-              <a:schemeClr val="lt1"/>
-            </a:fontRef>
-          </p:style>
-          <p:txBody>
-            <a:bodyPr rtlCol="0" anchor="ctr"/>
-            <a:lstStyle/>
-            <a:p>
-              <a:pPr algn="ctr"/>
-              <a:endParaRPr lang="en-US"/>
-            </a:p>
-          </p:txBody>
-        </p:sp>
-      </p:grpSp>
-      <p:sp>
-        <p:nvSpPr>
-          <p:cNvPr id="28" name="Oval 27">
-            <a:extLst>
-              <a:ext uri="{FF2B5EF4-FFF2-40B4-BE49-F238E27FC236}">
-                <a16:creationId xmlns:a16="http://schemas.microsoft.com/office/drawing/2014/main" id="{FDF42DD9-E856-4B97-A1D7-DDB9A659FABC}"/>
-              </a:ext>
-            </a:extLst>
-          </p:cNvPr>
-          <p:cNvSpPr/>
-          <p:nvPr/>
-        </p:nvSpPr>
-        <p:spPr>
-          <a:xfrm>
-            <a:off x="6078983" y="3013130"/>
-            <a:ext cx="930663" cy="1339052"/>
-          </a:xfrm>
-          <a:prstGeom prst="ellipse">
-            <a:avLst/>
-          </a:prstGeom>
-          <a:noFill/>
-          <a:ln w="38100">
-            <a:solidFill>
-              <a:srgbClr val="FF0000"/>
-            </a:solidFill>
-          </a:ln>
-        </p:spPr>
-        <p:style>
-          <a:lnRef idx="2">
-            <a:schemeClr val="accent1">
-              <a:shade val="50000"/>
-            </a:schemeClr>
-          </a:lnRef>
-          <a:fillRef idx="1">
-            <a:schemeClr val="accent1"/>
-          </a:fillRef>
-          <a:effectRef idx="0">
-            <a:schemeClr val="accent1"/>
-          </a:effectRef>
-          <a:fontRef idx="minor">
-            <a:schemeClr val="lt1"/>
-          </a:fontRef>
-        </p:style>
-        <p:txBody>
-          <a:bodyPr rtlCol="0" anchor="ctr"/>
-          <a:lstStyle/>
-          <a:p>
-            <a:pPr algn="ctr"/>
-            <a:endParaRPr lang="en-US"/>
-          </a:p>
-        </p:txBody>
-      </p:sp>
-      <p:grpSp>
-        <p:nvGrpSpPr>
-          <p:cNvPr id="29" name="Group 28">
-            <a:extLst>
-              <a:ext uri="{FF2B5EF4-FFF2-40B4-BE49-F238E27FC236}">
-                <a16:creationId xmlns:a16="http://schemas.microsoft.com/office/drawing/2014/main" id="{D08F4F79-0EB7-4BDC-8C68-1473B6D1384D}"/>
-              </a:ext>
-            </a:extLst>
-          </p:cNvPr>
-          <p:cNvGrpSpPr/>
-          <p:nvPr/>
-        </p:nvGrpSpPr>
-        <p:grpSpPr>
-          <a:xfrm>
-            <a:off x="6564684" y="2087692"/>
-            <a:ext cx="4254738" cy="708253"/>
-            <a:chOff x="1788160" y="2194560"/>
-            <a:chExt cx="4254738" cy="708253"/>
-          </a:xfrm>
-        </p:grpSpPr>
-        <p:grpSp>
-          <p:nvGrpSpPr>
-            <p:cNvPr id="30" name="Group 29">
-              <a:extLst>
-                <a:ext uri="{FF2B5EF4-FFF2-40B4-BE49-F238E27FC236}">
-                  <a16:creationId xmlns:a16="http://schemas.microsoft.com/office/drawing/2014/main" id="{CC9333FC-ACFA-4D0A-96D4-68CFE89F4EAA}"/>
-                </a:ext>
-              </a:extLst>
-            </p:cNvPr>
-            <p:cNvGrpSpPr/>
-            <p:nvPr/>
-          </p:nvGrpSpPr>
-          <p:grpSpPr>
-            <a:xfrm>
-              <a:off x="1906307" y="2373797"/>
-              <a:ext cx="4136591" cy="435718"/>
-              <a:chOff x="1906307" y="2373797"/>
-              <a:chExt cx="4136591" cy="435718"/>
-            </a:xfrm>
-          </p:grpSpPr>
-          <p:sp>
-            <p:nvSpPr>
-              <p:cNvPr id="32" name="TextBox 31">
-                <a:extLst>
-                  <a:ext uri="{FF2B5EF4-FFF2-40B4-BE49-F238E27FC236}">
-                    <a16:creationId xmlns:a16="http://schemas.microsoft.com/office/drawing/2014/main" id="{649F27E5-E360-40F6-A8EA-3B9EC1C2A123}"/>
-                  </a:ext>
-                </a:extLst>
-              </p:cNvPr>
-              <p:cNvSpPr txBox="1"/>
-              <p:nvPr/>
-            </p:nvSpPr>
-            <p:spPr>
-              <a:xfrm>
-                <a:off x="1906307" y="2394017"/>
-                <a:ext cx="2650073" cy="415498"/>
-              </a:xfrm>
-              <a:prstGeom prst="rect">
-                <a:avLst/>
-              </a:prstGeom>
-              <a:noFill/>
-            </p:spPr>
-            <p:txBody>
-              <a:bodyPr wrap="square" rtlCol="0">
-                <a:spAutoFit/>
-              </a:bodyPr>
-              <a:lstStyle/>
-              <a:p>
-                <a:r>
-                  <a:rPr lang="en-AU" sz="1050" dirty="0"/>
-                  <a:t>Homogenous urban </a:t>
-                </a:r>
-              </a:p>
-              <a:p>
-                <a:r>
-                  <a:rPr lang="en-AU" sz="1050" dirty="0"/>
-                  <a:t>environments</a:t>
-                </a:r>
-                <a:endParaRPr lang="en-US" sz="1050" dirty="0"/>
-              </a:p>
-            </p:txBody>
-          </p:sp>
-          <p:sp>
-            <p:nvSpPr>
-              <p:cNvPr id="33" name="Arrow: Right 32">
-                <a:extLst>
-                  <a:ext uri="{FF2B5EF4-FFF2-40B4-BE49-F238E27FC236}">
-                    <a16:creationId xmlns:a16="http://schemas.microsoft.com/office/drawing/2014/main" id="{02988CE3-0F45-4252-B093-658342AB0511}"/>
-                  </a:ext>
-                </a:extLst>
-              </p:cNvPr>
-              <p:cNvSpPr/>
-              <p:nvPr/>
-            </p:nvSpPr>
-            <p:spPr>
-              <a:xfrm>
-                <a:off x="2947760" y="2547943"/>
-                <a:ext cx="368703" cy="107645"/>
-              </a:xfrm>
-              <a:prstGeom prst="rightArrow">
-                <a:avLst/>
-              </a:prstGeom>
-              <a:solidFill>
-                <a:schemeClr val="tx1"/>
-              </a:solidFill>
-              <a:ln>
-                <a:solidFill>
-                  <a:schemeClr val="tx1"/>
-                </a:solidFill>
-              </a:ln>
-            </p:spPr>
-            <p:style>
-              <a:lnRef idx="2">
-                <a:schemeClr val="accent1">
-                  <a:shade val="50000"/>
-                </a:schemeClr>
-              </a:lnRef>
-              <a:fillRef idx="1">
-                <a:schemeClr val="accent1"/>
-              </a:fillRef>
-              <a:effectRef idx="0">
-                <a:schemeClr val="accent1"/>
-              </a:effectRef>
-              <a:fontRef idx="minor">
-                <a:schemeClr val="lt1"/>
-              </a:fontRef>
-            </p:style>
-            <p:txBody>
-              <a:bodyPr rtlCol="0" anchor="ctr"/>
-              <a:lstStyle/>
-              <a:p>
-                <a:pPr algn="ctr"/>
-                <a:endParaRPr lang="en-US"/>
-              </a:p>
-            </p:txBody>
-          </p:sp>
-          <p:sp>
-            <p:nvSpPr>
-              <p:cNvPr id="34" name="TextBox 33">
-                <a:extLst>
-                  <a:ext uri="{FF2B5EF4-FFF2-40B4-BE49-F238E27FC236}">
-                    <a16:creationId xmlns:a16="http://schemas.microsoft.com/office/drawing/2014/main" id="{562F9E43-1831-4CAB-8E5A-38723F6DFE03}"/>
-                  </a:ext>
-                </a:extLst>
-              </p:cNvPr>
-              <p:cNvSpPr txBox="1"/>
-              <p:nvPr/>
-            </p:nvSpPr>
-            <p:spPr>
-              <a:xfrm>
-                <a:off x="3392825" y="2373797"/>
-                <a:ext cx="2650073" cy="415498"/>
-              </a:xfrm>
-              <a:prstGeom prst="rect">
-                <a:avLst/>
-              </a:prstGeom>
-              <a:noFill/>
-            </p:spPr>
-            <p:txBody>
-              <a:bodyPr wrap="square" rtlCol="0">
-                <a:spAutoFit/>
-              </a:bodyPr>
-              <a:lstStyle/>
-              <a:p>
-                <a:r>
-                  <a:rPr lang="en-AU" sz="1050" dirty="0"/>
-                  <a:t>Extreme </a:t>
-                </a:r>
-              </a:p>
-              <a:p>
-                <a:r>
-                  <a:rPr lang="en-AU" sz="1050" dirty="0"/>
-                  <a:t>generalists only</a:t>
-                </a:r>
-                <a:endParaRPr lang="en-US" sz="1050" dirty="0"/>
-              </a:p>
-            </p:txBody>
-          </p:sp>
-        </p:grpSp>
-        <p:sp>
-          <p:nvSpPr>
-            <p:cNvPr id="31" name="Rectangle 30">
-              <a:extLst>
-                <a:ext uri="{FF2B5EF4-FFF2-40B4-BE49-F238E27FC236}">
-                  <a16:creationId xmlns:a16="http://schemas.microsoft.com/office/drawing/2014/main" id="{60E85762-E20C-4C1B-BC56-B8B046E5D75E}"/>
-                </a:ext>
-              </a:extLst>
-            </p:cNvPr>
-            <p:cNvSpPr/>
-            <p:nvPr/>
-          </p:nvSpPr>
-          <p:spPr>
-            <a:xfrm>
-              <a:off x="1788160" y="2194560"/>
-              <a:ext cx="2811555" cy="708253"/>
-            </a:xfrm>
-            <a:prstGeom prst="rect">
-              <a:avLst/>
-            </a:prstGeom>
-            <a:noFill/>
-            <a:ln w="38100">
-              <a:solidFill>
-                <a:srgbClr val="00B0F0"/>
-              </a:solidFill>
-            </a:ln>
-          </p:spPr>
-          <p:style>
-            <a:lnRef idx="2">
-              <a:schemeClr val="accent1">
-                <a:shade val="50000"/>
-              </a:schemeClr>
-            </a:lnRef>
-            <a:fillRef idx="1">
-              <a:schemeClr val="accent1"/>
-            </a:fillRef>
-            <a:effectRef idx="0">
-              <a:schemeClr val="accent1"/>
-            </a:effectRef>
-            <a:fontRef idx="minor">
-              <a:schemeClr val="lt1"/>
-            </a:fontRef>
-          </p:style>
-          <p:txBody>
-            <a:bodyPr rtlCol="0" anchor="ctr"/>
-            <a:lstStyle/>
-            <a:p>
-              <a:pPr algn="ctr"/>
-              <a:endParaRPr lang="en-US"/>
-            </a:p>
-          </p:txBody>
-        </p:sp>
-      </p:grpSp>
       <p:grpSp>
         <p:nvGrpSpPr>
           <p:cNvPr id="84" name="Group 83">
@@ -9175,6 +7956,1417 @@
           </p:txBody>
         </p:sp>
       </p:grpSp>
+      <p:grpSp>
+        <p:nvGrpSpPr>
+          <p:cNvPr id="5" name="Group 4">
+            <a:extLst>
+              <a:ext uri="{FF2B5EF4-FFF2-40B4-BE49-F238E27FC236}">
+                <a16:creationId xmlns:a16="http://schemas.microsoft.com/office/drawing/2014/main" id="{BC825E55-C179-4EF7-96C5-3551D3EA4947}"/>
+              </a:ext>
+            </a:extLst>
+          </p:cNvPr>
+          <p:cNvGrpSpPr/>
+          <p:nvPr/>
+        </p:nvGrpSpPr>
+        <p:grpSpPr>
+          <a:xfrm>
+            <a:off x="3231345" y="2632366"/>
+            <a:ext cx="3501440" cy="2542347"/>
+            <a:chOff x="7879875" y="3977716"/>
+            <a:chExt cx="3152887" cy="2032471"/>
+          </a:xfrm>
+        </p:grpSpPr>
+        <p:sp>
+          <p:nvSpPr>
+            <p:cNvPr id="6" name="Freeform: Shape 5">
+              <a:extLst>
+                <a:ext uri="{FF2B5EF4-FFF2-40B4-BE49-F238E27FC236}">
+                  <a16:creationId xmlns:a16="http://schemas.microsoft.com/office/drawing/2014/main" id="{E69CC4C5-80CB-4790-AA60-2A195ACC3D60}"/>
+                </a:ext>
+              </a:extLst>
+            </p:cNvPr>
+            <p:cNvSpPr/>
+            <p:nvPr/>
+          </p:nvSpPr>
+          <p:spPr>
+            <a:xfrm>
+              <a:off x="8620839" y="4320109"/>
+              <a:ext cx="2319801" cy="802268"/>
+            </a:xfrm>
+            <a:custGeom>
+              <a:avLst/>
+              <a:gdLst>
+                <a:gd name="connsiteX0" fmla="*/ 0 w 1400785"/>
+                <a:gd name="connsiteY0" fmla="*/ 982850 h 1005435"/>
+                <a:gd name="connsiteX1" fmla="*/ 238125 w 1400785"/>
+                <a:gd name="connsiteY1" fmla="*/ 468500 h 1005435"/>
+                <a:gd name="connsiteX2" fmla="*/ 466725 w 1400785"/>
+                <a:gd name="connsiteY2" fmla="*/ 58925 h 1005435"/>
+                <a:gd name="connsiteX3" fmla="*/ 733425 w 1400785"/>
+                <a:gd name="connsiteY3" fmla="*/ 1775 h 1005435"/>
+                <a:gd name="connsiteX4" fmla="*/ 952500 w 1400785"/>
+                <a:gd name="connsiteY4" fmla="*/ 49400 h 1005435"/>
+                <a:gd name="connsiteX5" fmla="*/ 1152525 w 1400785"/>
+                <a:gd name="connsiteY5" fmla="*/ 344675 h 1005435"/>
+                <a:gd name="connsiteX6" fmla="*/ 1362075 w 1400785"/>
+                <a:gd name="connsiteY6" fmla="*/ 906650 h 1005435"/>
+                <a:gd name="connsiteX7" fmla="*/ 1400175 w 1400785"/>
+                <a:gd name="connsiteY7" fmla="*/ 1001900 h 1005435"/>
+              </a:gdLst>
+              <a:ahLst/>
+              <a:cxnLst>
+                <a:cxn ang="0">
+                  <a:pos x="connsiteX0" y="connsiteY0"/>
+                </a:cxn>
+                <a:cxn ang="0">
+                  <a:pos x="connsiteX1" y="connsiteY1"/>
+                </a:cxn>
+                <a:cxn ang="0">
+                  <a:pos x="connsiteX2" y="connsiteY2"/>
+                </a:cxn>
+                <a:cxn ang="0">
+                  <a:pos x="connsiteX3" y="connsiteY3"/>
+                </a:cxn>
+                <a:cxn ang="0">
+                  <a:pos x="connsiteX4" y="connsiteY4"/>
+                </a:cxn>
+                <a:cxn ang="0">
+                  <a:pos x="connsiteX5" y="connsiteY5"/>
+                </a:cxn>
+                <a:cxn ang="0">
+                  <a:pos x="connsiteX6" y="connsiteY6"/>
+                </a:cxn>
+                <a:cxn ang="0">
+                  <a:pos x="connsiteX7" y="connsiteY7"/>
+                </a:cxn>
+              </a:cxnLst>
+              <a:rect l="l" t="t" r="r" b="b"/>
+              <a:pathLst>
+                <a:path w="1400785" h="1005435">
+                  <a:moveTo>
+                    <a:pt x="0" y="982850"/>
+                  </a:moveTo>
+                  <a:cubicBezTo>
+                    <a:pt x="80169" y="802668"/>
+                    <a:pt x="160338" y="622487"/>
+                    <a:pt x="238125" y="468500"/>
+                  </a:cubicBezTo>
+                  <a:cubicBezTo>
+                    <a:pt x="315912" y="314513"/>
+                    <a:pt x="384175" y="136712"/>
+                    <a:pt x="466725" y="58925"/>
+                  </a:cubicBezTo>
+                  <a:cubicBezTo>
+                    <a:pt x="549275" y="-18863"/>
+                    <a:pt x="652463" y="3362"/>
+                    <a:pt x="733425" y="1775"/>
+                  </a:cubicBezTo>
+                  <a:cubicBezTo>
+                    <a:pt x="814387" y="188"/>
+                    <a:pt x="882650" y="-7750"/>
+                    <a:pt x="952500" y="49400"/>
+                  </a:cubicBezTo>
+                  <a:cubicBezTo>
+                    <a:pt x="1022350" y="106550"/>
+                    <a:pt x="1084263" y="201800"/>
+                    <a:pt x="1152525" y="344675"/>
+                  </a:cubicBezTo>
+                  <a:cubicBezTo>
+                    <a:pt x="1220787" y="487550"/>
+                    <a:pt x="1320800" y="797112"/>
+                    <a:pt x="1362075" y="906650"/>
+                  </a:cubicBezTo>
+                  <a:cubicBezTo>
+                    <a:pt x="1403350" y="1016188"/>
+                    <a:pt x="1401762" y="1009044"/>
+                    <a:pt x="1400175" y="1001900"/>
+                  </a:cubicBezTo>
+                </a:path>
+              </a:pathLst>
+            </a:custGeom>
+            <a:noFill/>
+            <a:ln w="28575">
+              <a:solidFill>
+                <a:schemeClr val="tx1"/>
+              </a:solidFill>
+            </a:ln>
+          </p:spPr>
+          <p:style>
+            <a:lnRef idx="2">
+              <a:schemeClr val="accent1">
+                <a:shade val="50000"/>
+              </a:schemeClr>
+            </a:lnRef>
+            <a:fillRef idx="1">
+              <a:schemeClr val="accent1"/>
+            </a:fillRef>
+            <a:effectRef idx="0">
+              <a:schemeClr val="accent1"/>
+            </a:effectRef>
+            <a:fontRef idx="minor">
+              <a:schemeClr val="lt1"/>
+            </a:fontRef>
+          </p:style>
+          <p:txBody>
+            <a:bodyPr rtlCol="0" anchor="ctr"/>
+            <a:lstStyle/>
+            <a:p>
+              <a:pPr algn="ctr"/>
+              <a:endParaRPr lang="en-US" dirty="0"/>
+            </a:p>
+          </p:txBody>
+        </p:sp>
+        <p:grpSp>
+          <p:nvGrpSpPr>
+            <p:cNvPr id="7" name="Group 6">
+              <a:extLst>
+                <a:ext uri="{FF2B5EF4-FFF2-40B4-BE49-F238E27FC236}">
+                  <a16:creationId xmlns:a16="http://schemas.microsoft.com/office/drawing/2014/main" id="{0E50D9DD-4DD7-4432-B37D-09D210E0DBE0}"/>
+                </a:ext>
+              </a:extLst>
+            </p:cNvPr>
+            <p:cNvGrpSpPr/>
+            <p:nvPr/>
+          </p:nvGrpSpPr>
+          <p:grpSpPr>
+            <a:xfrm>
+              <a:off x="7879875" y="3977716"/>
+              <a:ext cx="3152887" cy="2032471"/>
+              <a:chOff x="6181044" y="925263"/>
+              <a:chExt cx="3152887" cy="2032471"/>
+            </a:xfrm>
+          </p:grpSpPr>
+          <p:grpSp>
+            <p:nvGrpSpPr>
+              <p:cNvPr id="8" name="Group 7">
+                <a:extLst>
+                  <a:ext uri="{FF2B5EF4-FFF2-40B4-BE49-F238E27FC236}">
+                    <a16:creationId xmlns:a16="http://schemas.microsoft.com/office/drawing/2014/main" id="{16015CBE-A00A-42A8-AA46-56B27AFDA840}"/>
+                  </a:ext>
+                </a:extLst>
+              </p:cNvPr>
+              <p:cNvGrpSpPr/>
+              <p:nvPr/>
+            </p:nvGrpSpPr>
+            <p:grpSpPr>
+              <a:xfrm>
+                <a:off x="6181044" y="925263"/>
+                <a:ext cx="3152887" cy="1705013"/>
+                <a:chOff x="6242334" y="1008265"/>
+                <a:chExt cx="1858031" cy="1163434"/>
+              </a:xfrm>
+            </p:grpSpPr>
+            <p:cxnSp>
+              <p:nvCxnSpPr>
+                <p:cNvPr id="10" name="Straight Arrow Connector 9">
+                  <a:extLst>
+                    <a:ext uri="{FF2B5EF4-FFF2-40B4-BE49-F238E27FC236}">
+                      <a16:creationId xmlns:a16="http://schemas.microsoft.com/office/drawing/2014/main" id="{704F3908-C7DE-4F89-9EDC-458AC0F1D35D}"/>
+                    </a:ext>
+                  </a:extLst>
+                </p:cNvPr>
+                <p:cNvCxnSpPr>
+                  <a:cxnSpLocks/>
+                </p:cNvCxnSpPr>
+                <p:nvPr/>
+              </p:nvCxnSpPr>
+              <p:spPr>
+                <a:xfrm>
+                  <a:off x="6564796" y="2162551"/>
+                  <a:ext cx="1535569" cy="0"/>
+                </a:xfrm>
+                <a:prstGeom prst="straightConnector1">
+                  <a:avLst/>
+                </a:prstGeom>
+                <a:ln w="28575">
+                  <a:solidFill>
+                    <a:schemeClr val="tx1"/>
+                  </a:solidFill>
+                  <a:headEnd type="none" w="med" len="med"/>
+                  <a:tailEnd type="none" w="med" len="med"/>
+                </a:ln>
+              </p:spPr>
+              <p:style>
+                <a:lnRef idx="1">
+                  <a:schemeClr val="accent1"/>
+                </a:lnRef>
+                <a:fillRef idx="0">
+                  <a:schemeClr val="accent1"/>
+                </a:fillRef>
+                <a:effectRef idx="0">
+                  <a:schemeClr val="accent1"/>
+                </a:effectRef>
+                <a:fontRef idx="minor">
+                  <a:schemeClr val="tx1"/>
+                </a:fontRef>
+              </p:style>
+            </p:cxnSp>
+            <p:cxnSp>
+              <p:nvCxnSpPr>
+                <p:cNvPr id="11" name="Straight Arrow Connector 10">
+                  <a:extLst>
+                    <a:ext uri="{FF2B5EF4-FFF2-40B4-BE49-F238E27FC236}">
+                      <a16:creationId xmlns:a16="http://schemas.microsoft.com/office/drawing/2014/main" id="{289DC8CD-D16E-4A14-8FC6-E550E736B594}"/>
+                    </a:ext>
+                  </a:extLst>
+                </p:cNvPr>
+                <p:cNvCxnSpPr>
+                  <a:cxnSpLocks/>
+                </p:cNvCxnSpPr>
+                <p:nvPr/>
+              </p:nvCxnSpPr>
+              <p:spPr>
+                <a:xfrm flipH="1" flipV="1">
+                  <a:off x="6537608" y="1155797"/>
+                  <a:ext cx="23033" cy="1015902"/>
+                </a:xfrm>
+                <a:prstGeom prst="straightConnector1">
+                  <a:avLst/>
+                </a:prstGeom>
+                <a:ln w="28575">
+                  <a:solidFill>
+                    <a:schemeClr val="tx1"/>
+                  </a:solidFill>
+                  <a:headEnd type="none" w="med" len="med"/>
+                  <a:tailEnd type="none" w="med" len="med"/>
+                </a:ln>
+              </p:spPr>
+              <p:style>
+                <a:lnRef idx="1">
+                  <a:schemeClr val="accent1"/>
+                </a:lnRef>
+                <a:fillRef idx="0">
+                  <a:schemeClr val="accent1"/>
+                </a:fillRef>
+                <a:effectRef idx="0">
+                  <a:schemeClr val="accent1"/>
+                </a:effectRef>
+                <a:fontRef idx="minor">
+                  <a:schemeClr val="tx1"/>
+                </a:fontRef>
+              </p:style>
+            </p:cxnSp>
+            <p:sp>
+              <p:nvSpPr>
+                <p:cNvPr id="12" name="TextBox 11">
+                  <a:extLst>
+                    <a:ext uri="{FF2B5EF4-FFF2-40B4-BE49-F238E27FC236}">
+                      <a16:creationId xmlns:a16="http://schemas.microsoft.com/office/drawing/2014/main" id="{B8C4DEE6-17D1-4BA3-B797-9759947EB1AD}"/>
+                    </a:ext>
+                  </a:extLst>
+                </p:cNvPr>
+                <p:cNvSpPr txBox="1"/>
+                <p:nvPr/>
+              </p:nvSpPr>
+              <p:spPr>
+                <a:xfrm rot="16200000">
+                  <a:off x="5994349" y="1256250"/>
+                  <a:ext cx="772969" cy="276999"/>
+                </a:xfrm>
+                <a:prstGeom prst="rect">
+                  <a:avLst/>
+                </a:prstGeom>
+                <a:noFill/>
+                <a:ln>
+                  <a:noFill/>
+                  <a:headEnd type="none" w="med" len="med"/>
+                  <a:tailEnd type="none" w="med" len="med"/>
+                </a:ln>
+              </p:spPr>
+              <p:txBody>
+                <a:bodyPr wrap="none" rtlCol="0">
+                  <a:spAutoFit/>
+                </a:bodyPr>
+                <a:lstStyle/>
+                <a:p>
+                  <a:r>
+                    <a:rPr lang="en-US" sz="1200" dirty="0">
+                      <a:latin typeface="Arial" panose="020B0604020202020204" pitchFamily="34" charset="0"/>
+                      <a:cs typeface="Arial" panose="020B0604020202020204" pitchFamily="34" charset="0"/>
+                    </a:rPr>
+                    <a:t>Diversity</a:t>
+                  </a:r>
+                </a:p>
+              </p:txBody>
+            </p:sp>
+          </p:grpSp>
+          <p:sp>
+            <p:nvSpPr>
+              <p:cNvPr id="9" name="TextBox 8">
+                <a:extLst>
+                  <a:ext uri="{FF2B5EF4-FFF2-40B4-BE49-F238E27FC236}">
+                    <a16:creationId xmlns:a16="http://schemas.microsoft.com/office/drawing/2014/main" id="{8D118249-4DBC-4879-8D9D-49A855879C4C}"/>
+                  </a:ext>
+                </a:extLst>
+              </p:cNvPr>
+              <p:cNvSpPr txBox="1"/>
+              <p:nvPr/>
+            </p:nvSpPr>
+            <p:spPr>
+              <a:xfrm>
+                <a:off x="7283898" y="2680735"/>
+                <a:ext cx="1598515" cy="276999"/>
+              </a:xfrm>
+              <a:prstGeom prst="rect">
+                <a:avLst/>
+              </a:prstGeom>
+              <a:noFill/>
+              <a:ln>
+                <a:noFill/>
+                <a:headEnd type="none" w="med" len="med"/>
+                <a:tailEnd type="none" w="med" len="med"/>
+              </a:ln>
+            </p:spPr>
+            <p:txBody>
+              <a:bodyPr wrap="none" rtlCol="0">
+                <a:spAutoFit/>
+              </a:bodyPr>
+              <a:lstStyle/>
+              <a:p>
+                <a:r>
+                  <a:rPr lang="en-US" sz="1200" dirty="0">
+                    <a:latin typeface="Arial" panose="020B0604020202020204" pitchFamily="34" charset="0"/>
+                    <a:cs typeface="Arial" panose="020B0604020202020204" pitchFamily="34" charset="0"/>
+                  </a:rPr>
+                  <a:t>Modification gradient</a:t>
+                </a:r>
+              </a:p>
+            </p:txBody>
+          </p:sp>
+        </p:grpSp>
+      </p:grpSp>
+      <p:sp>
+        <p:nvSpPr>
+          <p:cNvPr id="13" name="Oval 12">
+            <a:extLst>
+              <a:ext uri="{FF2B5EF4-FFF2-40B4-BE49-F238E27FC236}">
+                <a16:creationId xmlns:a16="http://schemas.microsoft.com/office/drawing/2014/main" id="{8966A51E-658D-458C-8BF8-0178E9E29FFA}"/>
+              </a:ext>
+            </a:extLst>
+          </p:cNvPr>
+          <p:cNvSpPr/>
+          <p:nvPr/>
+        </p:nvSpPr>
+        <p:spPr>
+          <a:xfrm rot="5400000">
+            <a:off x="1994561" y="5213805"/>
+            <a:ext cx="930663" cy="1339052"/>
+          </a:xfrm>
+          <a:prstGeom prst="ellipse">
+            <a:avLst/>
+          </a:prstGeom>
+          <a:noFill/>
+          <a:ln w="38100">
+            <a:solidFill>
+              <a:srgbClr val="00B050"/>
+            </a:solidFill>
+          </a:ln>
+        </p:spPr>
+        <p:style>
+          <a:lnRef idx="2">
+            <a:schemeClr val="accent1">
+              <a:shade val="50000"/>
+            </a:schemeClr>
+          </a:lnRef>
+          <a:fillRef idx="1">
+            <a:schemeClr val="accent1"/>
+          </a:fillRef>
+          <a:effectRef idx="0">
+            <a:schemeClr val="accent1"/>
+          </a:effectRef>
+          <a:fontRef idx="minor">
+            <a:schemeClr val="lt1"/>
+          </a:fontRef>
+        </p:style>
+        <p:txBody>
+          <a:bodyPr rtlCol="0" anchor="ctr"/>
+          <a:lstStyle/>
+          <a:p>
+            <a:pPr algn="ctr"/>
+            <a:endParaRPr lang="en-US"/>
+          </a:p>
+        </p:txBody>
+      </p:sp>
+      <p:grpSp>
+        <p:nvGrpSpPr>
+          <p:cNvPr id="20" name="Group 19">
+            <a:extLst>
+              <a:ext uri="{FF2B5EF4-FFF2-40B4-BE49-F238E27FC236}">
+                <a16:creationId xmlns:a16="http://schemas.microsoft.com/office/drawing/2014/main" id="{E3D84A19-B085-4975-9E02-CC32590D7B91}"/>
+              </a:ext>
+            </a:extLst>
+          </p:cNvPr>
+          <p:cNvGrpSpPr/>
+          <p:nvPr/>
+        </p:nvGrpSpPr>
+        <p:grpSpPr>
+          <a:xfrm>
+            <a:off x="1741742" y="2067053"/>
+            <a:ext cx="4354258" cy="708253"/>
+            <a:chOff x="1788160" y="2194560"/>
+            <a:chExt cx="4354258" cy="708253"/>
+          </a:xfrm>
+        </p:grpSpPr>
+        <p:grpSp>
+          <p:nvGrpSpPr>
+            <p:cNvPr id="18" name="Group 17">
+              <a:extLst>
+                <a:ext uri="{FF2B5EF4-FFF2-40B4-BE49-F238E27FC236}">
+                  <a16:creationId xmlns:a16="http://schemas.microsoft.com/office/drawing/2014/main" id="{FBB2A410-9542-48B5-A045-408E6A01FCD2}"/>
+                </a:ext>
+              </a:extLst>
+            </p:cNvPr>
+            <p:cNvGrpSpPr/>
+            <p:nvPr/>
+          </p:nvGrpSpPr>
+          <p:grpSpPr>
+            <a:xfrm>
+              <a:off x="1906307" y="2394017"/>
+              <a:ext cx="4236111" cy="415498"/>
+              <a:chOff x="1906307" y="2394017"/>
+              <a:chExt cx="4236111" cy="415498"/>
+            </a:xfrm>
+          </p:grpSpPr>
+          <p:sp>
+            <p:nvSpPr>
+              <p:cNvPr id="15" name="TextBox 14">
+                <a:extLst>
+                  <a:ext uri="{FF2B5EF4-FFF2-40B4-BE49-F238E27FC236}">
+                    <a16:creationId xmlns:a16="http://schemas.microsoft.com/office/drawing/2014/main" id="{2601E2FE-57D8-43BC-A617-4BA0D4E3461E}"/>
+                  </a:ext>
+                </a:extLst>
+              </p:cNvPr>
+              <p:cNvSpPr txBox="1"/>
+              <p:nvPr/>
+            </p:nvSpPr>
+            <p:spPr>
+              <a:xfrm>
+                <a:off x="1906307" y="2394017"/>
+                <a:ext cx="2650073" cy="415498"/>
+              </a:xfrm>
+              <a:prstGeom prst="rect">
+                <a:avLst/>
+              </a:prstGeom>
+              <a:noFill/>
+            </p:spPr>
+            <p:txBody>
+              <a:bodyPr wrap="square" rtlCol="0">
+                <a:spAutoFit/>
+              </a:bodyPr>
+              <a:lstStyle/>
+              <a:p>
+                <a:r>
+                  <a:rPr lang="en-AU" sz="1050" dirty="0"/>
+                  <a:t>Homogenous </a:t>
+                </a:r>
+              </a:p>
+              <a:p>
+                <a:r>
+                  <a:rPr lang="en-AU" sz="1050" dirty="0"/>
+                  <a:t>Natural  environments</a:t>
+                </a:r>
+                <a:endParaRPr lang="en-US" sz="1050" dirty="0"/>
+              </a:p>
+            </p:txBody>
+          </p:sp>
+          <p:sp>
+            <p:nvSpPr>
+              <p:cNvPr id="16" name="Arrow: Right 15">
+                <a:extLst>
+                  <a:ext uri="{FF2B5EF4-FFF2-40B4-BE49-F238E27FC236}">
+                    <a16:creationId xmlns:a16="http://schemas.microsoft.com/office/drawing/2014/main" id="{297E2A02-3935-4631-86C4-6402021A00E0}"/>
+                  </a:ext>
+                </a:extLst>
+              </p:cNvPr>
+              <p:cNvSpPr/>
+              <p:nvPr/>
+            </p:nvSpPr>
+            <p:spPr>
+              <a:xfrm>
+                <a:off x="2947760" y="2547943"/>
+                <a:ext cx="368703" cy="107645"/>
+              </a:xfrm>
+              <a:prstGeom prst="rightArrow">
+                <a:avLst/>
+              </a:prstGeom>
+              <a:solidFill>
+                <a:schemeClr val="tx1"/>
+              </a:solidFill>
+              <a:ln>
+                <a:solidFill>
+                  <a:schemeClr val="tx1"/>
+                </a:solidFill>
+              </a:ln>
+            </p:spPr>
+            <p:style>
+              <a:lnRef idx="2">
+                <a:schemeClr val="accent1">
+                  <a:shade val="50000"/>
+                </a:schemeClr>
+              </a:lnRef>
+              <a:fillRef idx="1">
+                <a:schemeClr val="accent1"/>
+              </a:fillRef>
+              <a:effectRef idx="0">
+                <a:schemeClr val="accent1"/>
+              </a:effectRef>
+              <a:fontRef idx="minor">
+                <a:schemeClr val="lt1"/>
+              </a:fontRef>
+            </p:style>
+            <p:txBody>
+              <a:bodyPr rtlCol="0" anchor="ctr"/>
+              <a:lstStyle/>
+              <a:p>
+                <a:pPr algn="ctr"/>
+                <a:endParaRPr lang="en-US"/>
+              </a:p>
+            </p:txBody>
+          </p:sp>
+          <p:sp>
+            <p:nvSpPr>
+              <p:cNvPr id="17" name="TextBox 16">
+                <a:extLst>
+                  <a:ext uri="{FF2B5EF4-FFF2-40B4-BE49-F238E27FC236}">
+                    <a16:creationId xmlns:a16="http://schemas.microsoft.com/office/drawing/2014/main" id="{73E6C325-C31E-476F-A6D0-71116884D218}"/>
+                  </a:ext>
+                </a:extLst>
+              </p:cNvPr>
+              <p:cNvSpPr txBox="1"/>
+              <p:nvPr/>
+            </p:nvSpPr>
+            <p:spPr>
+              <a:xfrm>
+                <a:off x="3492345" y="2463197"/>
+                <a:ext cx="2650073" cy="253916"/>
+              </a:xfrm>
+              <a:prstGeom prst="rect">
+                <a:avLst/>
+              </a:prstGeom>
+              <a:noFill/>
+            </p:spPr>
+            <p:txBody>
+              <a:bodyPr wrap="square" rtlCol="0">
+                <a:spAutoFit/>
+              </a:bodyPr>
+              <a:lstStyle/>
+              <a:p>
+                <a:r>
+                  <a:rPr lang="en-AU" sz="1050" dirty="0"/>
+                  <a:t>Specialists only</a:t>
+                </a:r>
+                <a:endParaRPr lang="en-US" sz="1050" dirty="0"/>
+              </a:p>
+            </p:txBody>
+          </p:sp>
+        </p:grpSp>
+        <p:sp>
+          <p:nvSpPr>
+            <p:cNvPr id="19" name="Rectangle 18">
+              <a:extLst>
+                <a:ext uri="{FF2B5EF4-FFF2-40B4-BE49-F238E27FC236}">
+                  <a16:creationId xmlns:a16="http://schemas.microsoft.com/office/drawing/2014/main" id="{637B2259-F0EB-4404-8517-5EC6697C168B}"/>
+                </a:ext>
+              </a:extLst>
+            </p:cNvPr>
+            <p:cNvSpPr/>
+            <p:nvPr/>
+          </p:nvSpPr>
+          <p:spPr>
+            <a:xfrm>
+              <a:off x="1788160" y="2194560"/>
+              <a:ext cx="2811555" cy="708253"/>
+            </a:xfrm>
+            <a:prstGeom prst="rect">
+              <a:avLst/>
+            </a:prstGeom>
+            <a:noFill/>
+            <a:ln w="38100">
+              <a:solidFill>
+                <a:srgbClr val="00B050"/>
+              </a:solidFill>
+            </a:ln>
+          </p:spPr>
+          <p:style>
+            <a:lnRef idx="2">
+              <a:schemeClr val="accent1">
+                <a:shade val="50000"/>
+              </a:schemeClr>
+            </a:lnRef>
+            <a:fillRef idx="1">
+              <a:schemeClr val="accent1"/>
+            </a:fillRef>
+            <a:effectRef idx="0">
+              <a:schemeClr val="accent1"/>
+            </a:effectRef>
+            <a:fontRef idx="minor">
+              <a:schemeClr val="lt1"/>
+            </a:fontRef>
+          </p:style>
+          <p:txBody>
+            <a:bodyPr rtlCol="0" anchor="ctr"/>
+            <a:lstStyle/>
+            <a:p>
+              <a:pPr algn="ctr"/>
+              <a:endParaRPr lang="en-US"/>
+            </a:p>
+          </p:txBody>
+        </p:sp>
+      </p:grpSp>
+      <p:sp>
+        <p:nvSpPr>
+          <p:cNvPr id="21" name="Oval 20">
+            <a:extLst>
+              <a:ext uri="{FF2B5EF4-FFF2-40B4-BE49-F238E27FC236}">
+                <a16:creationId xmlns:a16="http://schemas.microsoft.com/office/drawing/2014/main" id="{B9E632A7-ED30-4969-AA2C-A2428F65D353}"/>
+              </a:ext>
+            </a:extLst>
+          </p:cNvPr>
+          <p:cNvSpPr/>
+          <p:nvPr/>
+        </p:nvSpPr>
+        <p:spPr>
+          <a:xfrm rot="5400000">
+            <a:off x="4859316" y="2216242"/>
+            <a:ext cx="930663" cy="1339052"/>
+          </a:xfrm>
+          <a:prstGeom prst="ellipse">
+            <a:avLst/>
+          </a:prstGeom>
+          <a:noFill/>
+          <a:ln w="38100">
+            <a:solidFill>
+              <a:srgbClr val="00B0F0"/>
+            </a:solidFill>
+          </a:ln>
+        </p:spPr>
+        <p:style>
+          <a:lnRef idx="2">
+            <a:schemeClr val="accent1">
+              <a:shade val="50000"/>
+            </a:schemeClr>
+          </a:lnRef>
+          <a:fillRef idx="1">
+            <a:schemeClr val="accent1"/>
+          </a:fillRef>
+          <a:effectRef idx="0">
+            <a:schemeClr val="accent1"/>
+          </a:effectRef>
+          <a:fontRef idx="minor">
+            <a:schemeClr val="lt1"/>
+          </a:fontRef>
+        </p:style>
+        <p:txBody>
+          <a:bodyPr rtlCol="0" anchor="ctr"/>
+          <a:lstStyle/>
+          <a:p>
+            <a:pPr algn="ctr"/>
+            <a:endParaRPr lang="en-US"/>
+          </a:p>
+        </p:txBody>
+      </p:sp>
+      <p:grpSp>
+        <p:nvGrpSpPr>
+          <p:cNvPr id="22" name="Group 21">
+            <a:extLst>
+              <a:ext uri="{FF2B5EF4-FFF2-40B4-BE49-F238E27FC236}">
+                <a16:creationId xmlns:a16="http://schemas.microsoft.com/office/drawing/2014/main" id="{B71CE4BB-03B2-45DD-9C9F-90F3CEAB8154}"/>
+              </a:ext>
+            </a:extLst>
+          </p:cNvPr>
+          <p:cNvGrpSpPr/>
+          <p:nvPr/>
+        </p:nvGrpSpPr>
+        <p:grpSpPr>
+          <a:xfrm>
+            <a:off x="4054223" y="1112228"/>
+            <a:ext cx="4254738" cy="708253"/>
+            <a:chOff x="1788160" y="2194560"/>
+            <a:chExt cx="4254738" cy="708253"/>
+          </a:xfrm>
+        </p:grpSpPr>
+        <p:grpSp>
+          <p:nvGrpSpPr>
+            <p:cNvPr id="23" name="Group 22">
+              <a:extLst>
+                <a:ext uri="{FF2B5EF4-FFF2-40B4-BE49-F238E27FC236}">
+                  <a16:creationId xmlns:a16="http://schemas.microsoft.com/office/drawing/2014/main" id="{082A41EB-8834-4C9A-BF65-E06580EE040D}"/>
+                </a:ext>
+              </a:extLst>
+            </p:cNvPr>
+            <p:cNvGrpSpPr/>
+            <p:nvPr/>
+          </p:nvGrpSpPr>
+          <p:grpSpPr>
+            <a:xfrm>
+              <a:off x="1906307" y="2373797"/>
+              <a:ext cx="4136591" cy="435718"/>
+              <a:chOff x="1906307" y="2373797"/>
+              <a:chExt cx="4136591" cy="435718"/>
+            </a:xfrm>
+          </p:grpSpPr>
+          <p:sp>
+            <p:nvSpPr>
+              <p:cNvPr id="25" name="TextBox 24">
+                <a:extLst>
+                  <a:ext uri="{FF2B5EF4-FFF2-40B4-BE49-F238E27FC236}">
+                    <a16:creationId xmlns:a16="http://schemas.microsoft.com/office/drawing/2014/main" id="{54F35547-4EB5-42FD-BC01-C3C55629F86A}"/>
+                  </a:ext>
+                </a:extLst>
+              </p:cNvPr>
+              <p:cNvSpPr txBox="1"/>
+              <p:nvPr/>
+            </p:nvSpPr>
+            <p:spPr>
+              <a:xfrm>
+                <a:off x="1906307" y="2394017"/>
+                <a:ext cx="2650073" cy="415498"/>
+              </a:xfrm>
+              <a:prstGeom prst="rect">
+                <a:avLst/>
+              </a:prstGeom>
+              <a:noFill/>
+            </p:spPr>
+            <p:txBody>
+              <a:bodyPr wrap="square" rtlCol="0">
+                <a:spAutoFit/>
+              </a:bodyPr>
+              <a:lstStyle/>
+              <a:p>
+                <a:r>
+                  <a:rPr lang="en-AU" sz="1050" dirty="0"/>
+                  <a:t>Heterogenous </a:t>
+                </a:r>
+              </a:p>
+              <a:p>
+                <a:r>
+                  <a:rPr lang="en-AU" sz="1050" dirty="0"/>
+                  <a:t>environments</a:t>
+                </a:r>
+                <a:endParaRPr lang="en-US" sz="1050" dirty="0"/>
+              </a:p>
+            </p:txBody>
+          </p:sp>
+          <p:sp>
+            <p:nvSpPr>
+              <p:cNvPr id="26" name="Arrow: Right 25">
+                <a:extLst>
+                  <a:ext uri="{FF2B5EF4-FFF2-40B4-BE49-F238E27FC236}">
+                    <a16:creationId xmlns:a16="http://schemas.microsoft.com/office/drawing/2014/main" id="{982AE73B-9261-4CD4-BD79-BB068306DE92}"/>
+                  </a:ext>
+                </a:extLst>
+              </p:cNvPr>
+              <p:cNvSpPr/>
+              <p:nvPr/>
+            </p:nvSpPr>
+            <p:spPr>
+              <a:xfrm>
+                <a:off x="2947760" y="2547943"/>
+                <a:ext cx="368703" cy="107645"/>
+              </a:xfrm>
+              <a:prstGeom prst="rightArrow">
+                <a:avLst/>
+              </a:prstGeom>
+              <a:solidFill>
+                <a:schemeClr val="tx1"/>
+              </a:solidFill>
+              <a:ln>
+                <a:solidFill>
+                  <a:schemeClr val="tx1"/>
+                </a:solidFill>
+              </a:ln>
+            </p:spPr>
+            <p:style>
+              <a:lnRef idx="2">
+                <a:schemeClr val="accent1">
+                  <a:shade val="50000"/>
+                </a:schemeClr>
+              </a:lnRef>
+              <a:fillRef idx="1">
+                <a:schemeClr val="accent1"/>
+              </a:fillRef>
+              <a:effectRef idx="0">
+                <a:schemeClr val="accent1"/>
+              </a:effectRef>
+              <a:fontRef idx="minor">
+                <a:schemeClr val="lt1"/>
+              </a:fontRef>
+            </p:style>
+            <p:txBody>
+              <a:bodyPr rtlCol="0" anchor="ctr"/>
+              <a:lstStyle/>
+              <a:p>
+                <a:pPr algn="ctr"/>
+                <a:endParaRPr lang="en-US"/>
+              </a:p>
+            </p:txBody>
+          </p:sp>
+          <p:sp>
+            <p:nvSpPr>
+              <p:cNvPr id="27" name="TextBox 26">
+                <a:extLst>
+                  <a:ext uri="{FF2B5EF4-FFF2-40B4-BE49-F238E27FC236}">
+                    <a16:creationId xmlns:a16="http://schemas.microsoft.com/office/drawing/2014/main" id="{F9CA94A9-1440-4AC2-BEAA-2E0B574020CA}"/>
+                  </a:ext>
+                </a:extLst>
+              </p:cNvPr>
+              <p:cNvSpPr txBox="1"/>
+              <p:nvPr/>
+            </p:nvSpPr>
+            <p:spPr>
+              <a:xfrm>
+                <a:off x="3392825" y="2373797"/>
+                <a:ext cx="2650073" cy="415498"/>
+              </a:xfrm>
+              <a:prstGeom prst="rect">
+                <a:avLst/>
+              </a:prstGeom>
+              <a:noFill/>
+            </p:spPr>
+            <p:txBody>
+              <a:bodyPr wrap="square" rtlCol="0">
+                <a:spAutoFit/>
+              </a:bodyPr>
+              <a:lstStyle/>
+              <a:p>
+                <a:r>
+                  <a:rPr lang="en-AU" sz="1050" dirty="0"/>
+                  <a:t>Specialists and</a:t>
+                </a:r>
+              </a:p>
+              <a:p>
+                <a:r>
+                  <a:rPr lang="en-AU" sz="1050" dirty="0"/>
+                  <a:t> generalists</a:t>
+                </a:r>
+                <a:endParaRPr lang="en-US" sz="1050" dirty="0"/>
+              </a:p>
+            </p:txBody>
+          </p:sp>
+        </p:grpSp>
+        <p:sp>
+          <p:nvSpPr>
+            <p:cNvPr id="24" name="Rectangle 23">
+              <a:extLst>
+                <a:ext uri="{FF2B5EF4-FFF2-40B4-BE49-F238E27FC236}">
+                  <a16:creationId xmlns:a16="http://schemas.microsoft.com/office/drawing/2014/main" id="{A3672FB6-AE9E-4A67-9CA3-65A9B005121E}"/>
+                </a:ext>
+              </a:extLst>
+            </p:cNvPr>
+            <p:cNvSpPr/>
+            <p:nvPr/>
+          </p:nvSpPr>
+          <p:spPr>
+            <a:xfrm>
+              <a:off x="1788160" y="2194560"/>
+              <a:ext cx="2811555" cy="708253"/>
+            </a:xfrm>
+            <a:prstGeom prst="rect">
+              <a:avLst/>
+            </a:prstGeom>
+            <a:noFill/>
+            <a:ln w="38100">
+              <a:solidFill>
+                <a:srgbClr val="00B0F0"/>
+              </a:solidFill>
+            </a:ln>
+          </p:spPr>
+          <p:style>
+            <a:lnRef idx="2">
+              <a:schemeClr val="accent1">
+                <a:shade val="50000"/>
+              </a:schemeClr>
+            </a:lnRef>
+            <a:fillRef idx="1">
+              <a:schemeClr val="accent1"/>
+            </a:fillRef>
+            <a:effectRef idx="0">
+              <a:schemeClr val="accent1"/>
+            </a:effectRef>
+            <a:fontRef idx="minor">
+              <a:schemeClr val="lt1"/>
+            </a:fontRef>
+          </p:style>
+          <p:txBody>
+            <a:bodyPr rtlCol="0" anchor="ctr"/>
+            <a:lstStyle/>
+            <a:p>
+              <a:pPr algn="ctr"/>
+              <a:endParaRPr lang="en-US"/>
+            </a:p>
+          </p:txBody>
+        </p:sp>
+      </p:grpSp>
+      <p:sp>
+        <p:nvSpPr>
+          <p:cNvPr id="28" name="Oval 27">
+            <a:extLst>
+              <a:ext uri="{FF2B5EF4-FFF2-40B4-BE49-F238E27FC236}">
+                <a16:creationId xmlns:a16="http://schemas.microsoft.com/office/drawing/2014/main" id="{FDF42DD9-E856-4B97-A1D7-DDB9A659FABC}"/>
+              </a:ext>
+            </a:extLst>
+          </p:cNvPr>
+          <p:cNvSpPr/>
+          <p:nvPr/>
+        </p:nvSpPr>
+        <p:spPr>
+          <a:xfrm>
+            <a:off x="6078983" y="3013130"/>
+            <a:ext cx="930663" cy="1339052"/>
+          </a:xfrm>
+          <a:prstGeom prst="ellipse">
+            <a:avLst/>
+          </a:prstGeom>
+          <a:noFill/>
+          <a:ln w="38100">
+            <a:solidFill>
+              <a:srgbClr val="FF0000"/>
+            </a:solidFill>
+          </a:ln>
+        </p:spPr>
+        <p:style>
+          <a:lnRef idx="2">
+            <a:schemeClr val="accent1">
+              <a:shade val="50000"/>
+            </a:schemeClr>
+          </a:lnRef>
+          <a:fillRef idx="1">
+            <a:schemeClr val="accent1"/>
+          </a:fillRef>
+          <a:effectRef idx="0">
+            <a:schemeClr val="accent1"/>
+          </a:effectRef>
+          <a:fontRef idx="minor">
+            <a:schemeClr val="lt1"/>
+          </a:fontRef>
+        </p:style>
+        <p:txBody>
+          <a:bodyPr rtlCol="0" anchor="ctr"/>
+          <a:lstStyle/>
+          <a:p>
+            <a:pPr algn="ctr"/>
+            <a:endParaRPr lang="en-US"/>
+          </a:p>
+        </p:txBody>
+      </p:sp>
+      <p:grpSp>
+        <p:nvGrpSpPr>
+          <p:cNvPr id="29" name="Group 28">
+            <a:extLst>
+              <a:ext uri="{FF2B5EF4-FFF2-40B4-BE49-F238E27FC236}">
+                <a16:creationId xmlns:a16="http://schemas.microsoft.com/office/drawing/2014/main" id="{D08F4F79-0EB7-4BDC-8C68-1473B6D1384D}"/>
+              </a:ext>
+            </a:extLst>
+          </p:cNvPr>
+          <p:cNvGrpSpPr/>
+          <p:nvPr/>
+        </p:nvGrpSpPr>
+        <p:grpSpPr>
+          <a:xfrm>
+            <a:off x="6564684" y="2087692"/>
+            <a:ext cx="4254738" cy="708253"/>
+            <a:chOff x="1788160" y="2194560"/>
+            <a:chExt cx="4254738" cy="708253"/>
+          </a:xfrm>
+        </p:grpSpPr>
+        <p:grpSp>
+          <p:nvGrpSpPr>
+            <p:cNvPr id="30" name="Group 29">
+              <a:extLst>
+                <a:ext uri="{FF2B5EF4-FFF2-40B4-BE49-F238E27FC236}">
+                  <a16:creationId xmlns:a16="http://schemas.microsoft.com/office/drawing/2014/main" id="{CC9333FC-ACFA-4D0A-96D4-68CFE89F4EAA}"/>
+                </a:ext>
+              </a:extLst>
+            </p:cNvPr>
+            <p:cNvGrpSpPr/>
+            <p:nvPr/>
+          </p:nvGrpSpPr>
+          <p:grpSpPr>
+            <a:xfrm>
+              <a:off x="1906307" y="2373797"/>
+              <a:ext cx="4136591" cy="435718"/>
+              <a:chOff x="1906307" y="2373797"/>
+              <a:chExt cx="4136591" cy="435718"/>
+            </a:xfrm>
+          </p:grpSpPr>
+          <p:sp>
+            <p:nvSpPr>
+              <p:cNvPr id="32" name="TextBox 31">
+                <a:extLst>
+                  <a:ext uri="{FF2B5EF4-FFF2-40B4-BE49-F238E27FC236}">
+                    <a16:creationId xmlns:a16="http://schemas.microsoft.com/office/drawing/2014/main" id="{649F27E5-E360-40F6-A8EA-3B9EC1C2A123}"/>
+                  </a:ext>
+                </a:extLst>
+              </p:cNvPr>
+              <p:cNvSpPr txBox="1"/>
+              <p:nvPr/>
+            </p:nvSpPr>
+            <p:spPr>
+              <a:xfrm>
+                <a:off x="1906307" y="2394017"/>
+                <a:ext cx="2650073" cy="415498"/>
+              </a:xfrm>
+              <a:prstGeom prst="rect">
+                <a:avLst/>
+              </a:prstGeom>
+              <a:noFill/>
+            </p:spPr>
+            <p:txBody>
+              <a:bodyPr wrap="square" rtlCol="0">
+                <a:spAutoFit/>
+              </a:bodyPr>
+              <a:lstStyle/>
+              <a:p>
+                <a:r>
+                  <a:rPr lang="en-AU" sz="1050" dirty="0"/>
+                  <a:t>Homogenous urban </a:t>
+                </a:r>
+              </a:p>
+              <a:p>
+                <a:r>
+                  <a:rPr lang="en-AU" sz="1050" dirty="0"/>
+                  <a:t>environments</a:t>
+                </a:r>
+                <a:endParaRPr lang="en-US" sz="1050" dirty="0"/>
+              </a:p>
+            </p:txBody>
+          </p:sp>
+          <p:sp>
+            <p:nvSpPr>
+              <p:cNvPr id="33" name="Arrow: Right 32">
+                <a:extLst>
+                  <a:ext uri="{FF2B5EF4-FFF2-40B4-BE49-F238E27FC236}">
+                    <a16:creationId xmlns:a16="http://schemas.microsoft.com/office/drawing/2014/main" id="{02988CE3-0F45-4252-B093-658342AB0511}"/>
+                  </a:ext>
+                </a:extLst>
+              </p:cNvPr>
+              <p:cNvSpPr/>
+              <p:nvPr/>
+            </p:nvSpPr>
+            <p:spPr>
+              <a:xfrm>
+                <a:off x="2947760" y="2547943"/>
+                <a:ext cx="368703" cy="107645"/>
+              </a:xfrm>
+              <a:prstGeom prst="rightArrow">
+                <a:avLst/>
+              </a:prstGeom>
+              <a:solidFill>
+                <a:schemeClr val="tx1"/>
+              </a:solidFill>
+              <a:ln>
+                <a:solidFill>
+                  <a:schemeClr val="tx1"/>
+                </a:solidFill>
+              </a:ln>
+            </p:spPr>
+            <p:style>
+              <a:lnRef idx="2">
+                <a:schemeClr val="accent1">
+                  <a:shade val="50000"/>
+                </a:schemeClr>
+              </a:lnRef>
+              <a:fillRef idx="1">
+                <a:schemeClr val="accent1"/>
+              </a:fillRef>
+              <a:effectRef idx="0">
+                <a:schemeClr val="accent1"/>
+              </a:effectRef>
+              <a:fontRef idx="minor">
+                <a:schemeClr val="lt1"/>
+              </a:fontRef>
+            </p:style>
+            <p:txBody>
+              <a:bodyPr rtlCol="0" anchor="ctr"/>
+              <a:lstStyle/>
+              <a:p>
+                <a:pPr algn="ctr"/>
+                <a:endParaRPr lang="en-US"/>
+              </a:p>
+            </p:txBody>
+          </p:sp>
+          <p:sp>
+            <p:nvSpPr>
+              <p:cNvPr id="34" name="TextBox 33">
+                <a:extLst>
+                  <a:ext uri="{FF2B5EF4-FFF2-40B4-BE49-F238E27FC236}">
+                    <a16:creationId xmlns:a16="http://schemas.microsoft.com/office/drawing/2014/main" id="{562F9E43-1831-4CAB-8E5A-38723F6DFE03}"/>
+                  </a:ext>
+                </a:extLst>
+              </p:cNvPr>
+              <p:cNvSpPr txBox="1"/>
+              <p:nvPr/>
+            </p:nvSpPr>
+            <p:spPr>
+              <a:xfrm>
+                <a:off x="3392825" y="2373797"/>
+                <a:ext cx="2650073" cy="415498"/>
+              </a:xfrm>
+              <a:prstGeom prst="rect">
+                <a:avLst/>
+              </a:prstGeom>
+              <a:noFill/>
+            </p:spPr>
+            <p:txBody>
+              <a:bodyPr wrap="square" rtlCol="0">
+                <a:spAutoFit/>
+              </a:bodyPr>
+              <a:lstStyle/>
+              <a:p>
+                <a:r>
+                  <a:rPr lang="en-AU" sz="1050" dirty="0"/>
+                  <a:t>Extreme </a:t>
+                </a:r>
+              </a:p>
+              <a:p>
+                <a:r>
+                  <a:rPr lang="en-AU" sz="1050" dirty="0"/>
+                  <a:t>generalists only</a:t>
+                </a:r>
+                <a:endParaRPr lang="en-US" sz="1050" dirty="0"/>
+              </a:p>
+            </p:txBody>
+          </p:sp>
+        </p:grpSp>
+        <p:sp>
+          <p:nvSpPr>
+            <p:cNvPr id="31" name="Rectangle 30">
+              <a:extLst>
+                <a:ext uri="{FF2B5EF4-FFF2-40B4-BE49-F238E27FC236}">
+                  <a16:creationId xmlns:a16="http://schemas.microsoft.com/office/drawing/2014/main" id="{60E85762-E20C-4C1B-BC56-B8B046E5D75E}"/>
+                </a:ext>
+              </a:extLst>
+            </p:cNvPr>
+            <p:cNvSpPr/>
+            <p:nvPr/>
+          </p:nvSpPr>
+          <p:spPr>
+            <a:xfrm>
+              <a:off x="1788160" y="2194560"/>
+              <a:ext cx="2811555" cy="708253"/>
+            </a:xfrm>
+            <a:prstGeom prst="rect">
+              <a:avLst/>
+            </a:prstGeom>
+            <a:noFill/>
+            <a:ln w="38100">
+              <a:solidFill>
+                <a:srgbClr val="00B0F0"/>
+              </a:solidFill>
+            </a:ln>
+          </p:spPr>
+          <p:style>
+            <a:lnRef idx="2">
+              <a:schemeClr val="accent1">
+                <a:shade val="50000"/>
+              </a:schemeClr>
+            </a:lnRef>
+            <a:fillRef idx="1">
+              <a:schemeClr val="accent1"/>
+            </a:fillRef>
+            <a:effectRef idx="0">
+              <a:schemeClr val="accent1"/>
+            </a:effectRef>
+            <a:fontRef idx="minor">
+              <a:schemeClr val="lt1"/>
+            </a:fontRef>
+          </p:style>
+          <p:txBody>
+            <a:bodyPr rtlCol="0" anchor="ctr"/>
+            <a:lstStyle/>
+            <a:p>
+              <a:pPr algn="ctr"/>
+              <a:endParaRPr lang="en-US"/>
+            </a:p>
+          </p:txBody>
+        </p:sp>
+      </p:grpSp>
+      <p:pic>
+        <p:nvPicPr>
+          <p:cNvPr id="2" name="Picture 1">
+            <a:extLst>
+              <a:ext uri="{FF2B5EF4-FFF2-40B4-BE49-F238E27FC236}">
+                <a16:creationId xmlns:a16="http://schemas.microsoft.com/office/drawing/2014/main" id="{8976D6C6-F5DC-40E4-BBFC-68ECFD2B77F6}"/>
+              </a:ext>
+            </a:extLst>
+          </p:cNvPr>
+          <p:cNvPicPr>
+            <a:picLocks noChangeAspect="1"/>
+          </p:cNvPicPr>
+          <p:nvPr/>
+        </p:nvPicPr>
+        <p:blipFill>
+          <a:blip r:embed="rId50"/>
+          <a:stretch>
+            <a:fillRect/>
+          </a:stretch>
+        </p:blipFill>
+        <p:spPr>
+          <a:xfrm>
+            <a:off x="8626171" y="2949143"/>
+            <a:ext cx="2061473" cy="2260716"/>
+          </a:xfrm>
+          <a:prstGeom prst="rect">
+            <a:avLst/>
+          </a:prstGeom>
+        </p:spPr>
+      </p:pic>
+      <p:sp>
+        <p:nvSpPr>
+          <p:cNvPr id="59" name="Oval 58">
+            <a:extLst>
+              <a:ext uri="{FF2B5EF4-FFF2-40B4-BE49-F238E27FC236}">
+                <a16:creationId xmlns:a16="http://schemas.microsoft.com/office/drawing/2014/main" id="{7A09A170-F278-4ABD-B247-11A7D7BA73B1}"/>
+              </a:ext>
+            </a:extLst>
+          </p:cNvPr>
+          <p:cNvSpPr/>
+          <p:nvPr/>
+        </p:nvSpPr>
+        <p:spPr>
+          <a:xfrm>
+            <a:off x="3983591" y="3431241"/>
+            <a:ext cx="930663" cy="1339052"/>
+          </a:xfrm>
+          <a:prstGeom prst="ellipse">
+            <a:avLst/>
+          </a:prstGeom>
+          <a:noFill/>
+          <a:ln w="38100">
+            <a:solidFill>
+              <a:srgbClr val="00B050"/>
+            </a:solidFill>
+          </a:ln>
+        </p:spPr>
+        <p:style>
+          <a:lnRef idx="2">
+            <a:schemeClr val="accent1">
+              <a:shade val="50000"/>
+            </a:schemeClr>
+          </a:lnRef>
+          <a:fillRef idx="1">
+            <a:schemeClr val="accent1"/>
+          </a:fillRef>
+          <a:effectRef idx="0">
+            <a:schemeClr val="accent1"/>
+          </a:effectRef>
+          <a:fontRef idx="minor">
+            <a:schemeClr val="lt1"/>
+          </a:fontRef>
+        </p:style>
+        <p:txBody>
+          <a:bodyPr rtlCol="0" anchor="ctr"/>
+          <a:lstStyle/>
+          <a:p>
+            <a:pPr algn="ctr"/>
+            <a:endParaRPr lang="en-US"/>
+          </a:p>
+        </p:txBody>
+      </p:sp>
+      <p:sp>
+        <p:nvSpPr>
+          <p:cNvPr id="60" name="Oval 59">
+            <a:extLst>
+              <a:ext uri="{FF2B5EF4-FFF2-40B4-BE49-F238E27FC236}">
+                <a16:creationId xmlns:a16="http://schemas.microsoft.com/office/drawing/2014/main" id="{1A674076-06DD-48E3-A501-1AC3A0CA671F}"/>
+              </a:ext>
+            </a:extLst>
+          </p:cNvPr>
+          <p:cNvSpPr/>
+          <p:nvPr/>
+        </p:nvSpPr>
+        <p:spPr>
+          <a:xfrm rot="5400000">
+            <a:off x="4751499" y="5200076"/>
+            <a:ext cx="930663" cy="1339052"/>
+          </a:xfrm>
+          <a:prstGeom prst="ellipse">
+            <a:avLst/>
+          </a:prstGeom>
+          <a:noFill/>
+          <a:ln w="38100">
+            <a:solidFill>
+              <a:srgbClr val="00B0F0"/>
+            </a:solidFill>
+          </a:ln>
+        </p:spPr>
+        <p:style>
+          <a:lnRef idx="2">
+            <a:schemeClr val="accent1">
+              <a:shade val="50000"/>
+            </a:schemeClr>
+          </a:lnRef>
+          <a:fillRef idx="1">
+            <a:schemeClr val="accent1"/>
+          </a:fillRef>
+          <a:effectRef idx="0">
+            <a:schemeClr val="accent1"/>
+          </a:effectRef>
+          <a:fontRef idx="minor">
+            <a:schemeClr val="lt1"/>
+          </a:fontRef>
+        </p:style>
+        <p:txBody>
+          <a:bodyPr rtlCol="0" anchor="ctr"/>
+          <a:lstStyle/>
+          <a:p>
+            <a:pPr algn="ctr"/>
+            <a:endParaRPr lang="en-US"/>
+          </a:p>
+        </p:txBody>
+      </p:sp>
+      <p:sp>
+        <p:nvSpPr>
+          <p:cNvPr id="61" name="Oval 60">
+            <a:extLst>
+              <a:ext uri="{FF2B5EF4-FFF2-40B4-BE49-F238E27FC236}">
+                <a16:creationId xmlns:a16="http://schemas.microsoft.com/office/drawing/2014/main" id="{96DA2951-4D87-43A5-84E2-76AAAA5C5A28}"/>
+              </a:ext>
+            </a:extLst>
+          </p:cNvPr>
+          <p:cNvSpPr/>
+          <p:nvPr/>
+        </p:nvSpPr>
+        <p:spPr>
+          <a:xfrm rot="5810173">
+            <a:off x="8343921" y="5178476"/>
+            <a:ext cx="930663" cy="1339052"/>
+          </a:xfrm>
+          <a:prstGeom prst="ellipse">
+            <a:avLst/>
+          </a:prstGeom>
+          <a:noFill/>
+          <a:ln w="38100">
+            <a:solidFill>
+              <a:srgbClr val="FF0000"/>
+            </a:solidFill>
+          </a:ln>
+        </p:spPr>
+        <p:style>
+          <a:lnRef idx="2">
+            <a:schemeClr val="accent1">
+              <a:shade val="50000"/>
+            </a:schemeClr>
+          </a:lnRef>
+          <a:fillRef idx="1">
+            <a:schemeClr val="accent1"/>
+          </a:fillRef>
+          <a:effectRef idx="0">
+            <a:schemeClr val="accent1"/>
+          </a:effectRef>
+          <a:fontRef idx="minor">
+            <a:schemeClr val="lt1"/>
+          </a:fontRef>
+        </p:style>
+        <p:txBody>
+          <a:bodyPr rtlCol="0" anchor="ctr"/>
+          <a:lstStyle/>
+          <a:p>
+            <a:pPr algn="ctr"/>
+            <a:endParaRPr lang="en-US"/>
+          </a:p>
+        </p:txBody>
+      </p:sp>
     </p:spTree>
     <p:extLst>
       <p:ext uri="{BB962C8B-B14F-4D97-AF65-F5344CB8AC3E}">
@@ -9189,6 +9381,2931 @@
 </file>
 
 <file path=ppt/slides/slide3.xml><?xml version="1.0" encoding="utf-8"?>
+<p:sld xmlns:a="http://schemas.openxmlformats.org/drawingml/2006/main" xmlns:r="http://schemas.openxmlformats.org/officeDocument/2006/relationships" xmlns:p="http://schemas.openxmlformats.org/presentationml/2006/main">
+  <p:cSld>
+    <p:spTree>
+      <p:nvGrpSpPr>
+        <p:cNvPr id="1" name=""/>
+        <p:cNvGrpSpPr/>
+        <p:nvPr/>
+      </p:nvGrpSpPr>
+      <p:grpSpPr>
+        <a:xfrm>
+          <a:off x="0" y="0"/>
+          <a:ext cx="0" cy="0"/>
+          <a:chOff x="0" y="0"/>
+          <a:chExt cx="0" cy="0"/>
+        </a:xfrm>
+      </p:grpSpPr>
+      <p:sp>
+        <p:nvSpPr>
+          <p:cNvPr id="38" name="Rectangle 37">
+            <a:extLst>
+              <a:ext uri="{FF2B5EF4-FFF2-40B4-BE49-F238E27FC236}">
+                <a16:creationId xmlns:a16="http://schemas.microsoft.com/office/drawing/2014/main" id="{7DEF7E54-0B51-456C-AB48-10A11EE9C54F}"/>
+              </a:ext>
+            </a:extLst>
+          </p:cNvPr>
+          <p:cNvSpPr/>
+          <p:nvPr/>
+        </p:nvSpPr>
+        <p:spPr>
+          <a:xfrm>
+            <a:off x="1042416" y="91440"/>
+            <a:ext cx="8604504" cy="6693408"/>
+          </a:xfrm>
+          <a:prstGeom prst="rect">
+            <a:avLst/>
+          </a:prstGeom>
+          <a:solidFill>
+            <a:schemeClr val="bg1"/>
+          </a:solidFill>
+          <a:ln w="38100">
+            <a:solidFill>
+              <a:schemeClr val="tx1"/>
+            </a:solidFill>
+          </a:ln>
+        </p:spPr>
+        <p:style>
+          <a:lnRef idx="2">
+            <a:schemeClr val="accent1">
+              <a:shade val="50000"/>
+            </a:schemeClr>
+          </a:lnRef>
+          <a:fillRef idx="1">
+            <a:schemeClr val="accent1"/>
+          </a:fillRef>
+          <a:effectRef idx="0">
+            <a:schemeClr val="accent1"/>
+          </a:effectRef>
+          <a:fontRef idx="minor">
+            <a:schemeClr val="lt1"/>
+          </a:fontRef>
+        </p:style>
+        <p:txBody>
+          <a:bodyPr rtlCol="0" anchor="ctr"/>
+          <a:lstStyle/>
+          <a:p>
+            <a:pPr algn="ctr"/>
+            <a:endParaRPr lang="en-US"/>
+          </a:p>
+        </p:txBody>
+      </p:sp>
+      <p:grpSp>
+        <p:nvGrpSpPr>
+          <p:cNvPr id="35" name="Group 34">
+            <a:extLst>
+              <a:ext uri="{FF2B5EF4-FFF2-40B4-BE49-F238E27FC236}">
+                <a16:creationId xmlns:a16="http://schemas.microsoft.com/office/drawing/2014/main" id="{116BCBF1-36A0-4414-A68F-05593F78FA17}"/>
+              </a:ext>
+            </a:extLst>
+          </p:cNvPr>
+          <p:cNvGrpSpPr/>
+          <p:nvPr/>
+        </p:nvGrpSpPr>
+        <p:grpSpPr>
+          <a:xfrm>
+            <a:off x="1382485" y="3973973"/>
+            <a:ext cx="7924148" cy="1259095"/>
+            <a:chOff x="1605402" y="5094488"/>
+            <a:chExt cx="7924148" cy="1259095"/>
+          </a:xfrm>
+        </p:grpSpPr>
+        <p:grpSp>
+          <p:nvGrpSpPr>
+            <p:cNvPr id="84" name="Group 83">
+              <a:extLst>
+                <a:ext uri="{FF2B5EF4-FFF2-40B4-BE49-F238E27FC236}">
+                  <a16:creationId xmlns:a16="http://schemas.microsoft.com/office/drawing/2014/main" id="{C4CBABF9-C77A-40E1-B9DF-EB9C8584FD2D}"/>
+                </a:ext>
+              </a:extLst>
+            </p:cNvPr>
+            <p:cNvGrpSpPr/>
+            <p:nvPr/>
+          </p:nvGrpSpPr>
+          <p:grpSpPr>
+            <a:xfrm>
+              <a:off x="1605402" y="5094488"/>
+              <a:ext cx="7924148" cy="1259095"/>
+              <a:chOff x="-166491" y="1212182"/>
+              <a:chExt cx="12479486" cy="1427975"/>
+            </a:xfrm>
+          </p:grpSpPr>
+          <p:grpSp>
+            <p:nvGrpSpPr>
+              <p:cNvPr id="85" name="Group 84">
+                <a:extLst>
+                  <a:ext uri="{FF2B5EF4-FFF2-40B4-BE49-F238E27FC236}">
+                    <a16:creationId xmlns:a16="http://schemas.microsoft.com/office/drawing/2014/main" id="{1617D572-012E-482B-BE80-425F5E33F335}"/>
+                  </a:ext>
+                </a:extLst>
+              </p:cNvPr>
+              <p:cNvGrpSpPr/>
+              <p:nvPr/>
+            </p:nvGrpSpPr>
+            <p:grpSpPr>
+              <a:xfrm>
+                <a:off x="54532" y="1212182"/>
+                <a:ext cx="11878811" cy="1043051"/>
+                <a:chOff x="54532" y="1212182"/>
+                <a:chExt cx="11878811" cy="1043051"/>
+              </a:xfrm>
+            </p:grpSpPr>
+            <p:pic>
+              <p:nvPicPr>
+                <p:cNvPr id="87" name="Graphic 360" descr="City">
+                  <a:extLst>
+                    <a:ext uri="{FF2B5EF4-FFF2-40B4-BE49-F238E27FC236}">
+                      <a16:creationId xmlns:a16="http://schemas.microsoft.com/office/drawing/2014/main" id="{96B5B083-F717-40DB-A78C-9C8EB93EEBC1}"/>
+                    </a:ext>
+                  </a:extLst>
+                </p:cNvPr>
+                <p:cNvPicPr>
+                  <a:picLocks noChangeAspect="1"/>
+                </p:cNvPicPr>
+                <p:nvPr/>
+              </p:nvPicPr>
+              <p:blipFill>
+                <a:blip r:embed="rId2">
+                  <a:extLst>
+                    <a:ext uri="{28A0092B-C50C-407E-A947-70E740481C1C}">
+                      <a14:useLocalDpi xmlns:a14="http://schemas.microsoft.com/office/drawing/2010/main" val="0"/>
+                    </a:ext>
+                    <a:ext uri="{96DAC541-7B7A-43D3-8B79-37D633B846F1}">
+                      <asvg:svgBlip xmlns:asvg="http://schemas.microsoft.com/office/drawing/2016/SVG/main" r:embed="rId3"/>
+                    </a:ext>
+                  </a:extLst>
+                </a:blip>
+                <a:stretch>
+                  <a:fillRect/>
+                </a:stretch>
+              </p:blipFill>
+              <p:spPr>
+                <a:xfrm flipH="1">
+                  <a:off x="10890292" y="1212182"/>
+                  <a:ext cx="1043051" cy="1043051"/>
+                </a:xfrm>
+                <a:prstGeom prst="rect">
+                  <a:avLst/>
+                </a:prstGeom>
+              </p:spPr>
+            </p:pic>
+            <p:pic>
+              <p:nvPicPr>
+                <p:cNvPr id="88" name="Graphic 365" descr="Power Plant with solid fill">
+                  <a:extLst>
+                    <a:ext uri="{FF2B5EF4-FFF2-40B4-BE49-F238E27FC236}">
+                      <a16:creationId xmlns:a16="http://schemas.microsoft.com/office/drawing/2014/main" id="{39B99463-B6B8-411C-843D-DCDDC112F099}"/>
+                    </a:ext>
+                  </a:extLst>
+                </p:cNvPr>
+                <p:cNvPicPr>
+                  <a:picLocks noChangeAspect="1"/>
+                </p:cNvPicPr>
+                <p:nvPr/>
+              </p:nvPicPr>
+              <p:blipFill>
+                <a:blip r:embed="rId4">
+                  <a:extLst>
+                    <a:ext uri="{28A0092B-C50C-407E-A947-70E740481C1C}">
+                      <a14:useLocalDpi xmlns:a14="http://schemas.microsoft.com/office/drawing/2010/main" val="0"/>
+                    </a:ext>
+                    <a:ext uri="{96DAC541-7B7A-43D3-8B79-37D633B846F1}">
+                      <asvg:svgBlip xmlns:asvg="http://schemas.microsoft.com/office/drawing/2016/SVG/main" r:embed="rId5"/>
+                    </a:ext>
+                  </a:extLst>
+                </a:blip>
+                <a:stretch>
+                  <a:fillRect/>
+                </a:stretch>
+              </p:blipFill>
+              <p:spPr>
+                <a:xfrm>
+                  <a:off x="10351528" y="1427265"/>
+                  <a:ext cx="674922" cy="674924"/>
+                </a:xfrm>
+                <a:prstGeom prst="rect">
+                  <a:avLst/>
+                </a:prstGeom>
+              </p:spPr>
+            </p:pic>
+            <p:pic>
+              <p:nvPicPr>
+                <p:cNvPr id="89" name="Graphic 342" descr="Forest scene with solid fill">
+                  <a:extLst>
+                    <a:ext uri="{FF2B5EF4-FFF2-40B4-BE49-F238E27FC236}">
+                      <a16:creationId xmlns:a16="http://schemas.microsoft.com/office/drawing/2014/main" id="{3B80E863-23FB-484F-9AB7-E6E36AA17EB9}"/>
+                    </a:ext>
+                  </a:extLst>
+                </p:cNvPr>
+                <p:cNvPicPr>
+                  <a:picLocks noChangeAspect="1"/>
+                </p:cNvPicPr>
+                <p:nvPr/>
+              </p:nvPicPr>
+              <p:blipFill>
+                <a:blip r:embed="rId6">
+                  <a:extLst>
+                    <a:ext uri="{28A0092B-C50C-407E-A947-70E740481C1C}">
+                      <a14:useLocalDpi xmlns:a14="http://schemas.microsoft.com/office/drawing/2010/main" val="0"/>
+                    </a:ext>
+                    <a:ext uri="{96DAC541-7B7A-43D3-8B79-37D633B846F1}">
+                      <asvg:svgBlip xmlns:asvg="http://schemas.microsoft.com/office/drawing/2016/SVG/main" r:embed="rId7"/>
+                    </a:ext>
+                  </a:extLst>
+                </a:blip>
+                <a:stretch>
+                  <a:fillRect/>
+                </a:stretch>
+              </p:blipFill>
+              <p:spPr>
+                <a:xfrm>
+                  <a:off x="742996" y="1297292"/>
+                  <a:ext cx="852653" cy="852653"/>
+                </a:xfrm>
+                <a:prstGeom prst="rect">
+                  <a:avLst/>
+                </a:prstGeom>
+              </p:spPr>
+            </p:pic>
+            <p:pic>
+              <p:nvPicPr>
+                <p:cNvPr id="90" name="Graphic 343" descr="Deciduous tree with solid fill">
+                  <a:extLst>
+                    <a:ext uri="{FF2B5EF4-FFF2-40B4-BE49-F238E27FC236}">
+                      <a16:creationId xmlns:a16="http://schemas.microsoft.com/office/drawing/2014/main" id="{827066EE-8D91-4840-93D3-68C84412987E}"/>
+                    </a:ext>
+                  </a:extLst>
+                </p:cNvPr>
+                <p:cNvPicPr>
+                  <a:picLocks noChangeAspect="1"/>
+                </p:cNvPicPr>
+                <p:nvPr/>
+              </p:nvPicPr>
+              <p:blipFill>
+                <a:blip r:embed="rId8">
+                  <a:extLst>
+                    <a:ext uri="{28A0092B-C50C-407E-A947-70E740481C1C}">
+                      <a14:useLocalDpi xmlns:a14="http://schemas.microsoft.com/office/drawing/2010/main" val="0"/>
+                    </a:ext>
+                    <a:ext uri="{96DAC541-7B7A-43D3-8B79-37D633B846F1}">
+                      <asvg:svgBlip xmlns:asvg="http://schemas.microsoft.com/office/drawing/2016/SVG/main" r:embed="rId9"/>
+                    </a:ext>
+                  </a:extLst>
+                </a:blip>
+                <a:stretch>
+                  <a:fillRect/>
+                </a:stretch>
+              </p:blipFill>
+              <p:spPr>
+                <a:xfrm>
+                  <a:off x="411328" y="1544678"/>
+                  <a:ext cx="549678" cy="549678"/>
+                </a:xfrm>
+                <a:prstGeom prst="rect">
+                  <a:avLst/>
+                </a:prstGeom>
+              </p:spPr>
+            </p:pic>
+            <p:pic>
+              <p:nvPicPr>
+                <p:cNvPr id="91" name="Graphic 344" descr="Fir tree with solid fill">
+                  <a:extLst>
+                    <a:ext uri="{FF2B5EF4-FFF2-40B4-BE49-F238E27FC236}">
+                      <a16:creationId xmlns:a16="http://schemas.microsoft.com/office/drawing/2014/main" id="{E9FB603D-8DC1-439A-80A6-878091F67394}"/>
+                    </a:ext>
+                  </a:extLst>
+                </p:cNvPr>
+                <p:cNvPicPr>
+                  <a:picLocks noChangeAspect="1"/>
+                </p:cNvPicPr>
+                <p:nvPr/>
+              </p:nvPicPr>
+              <p:blipFill>
+                <a:blip r:embed="rId10">
+                  <a:extLst>
+                    <a:ext uri="{28A0092B-C50C-407E-A947-70E740481C1C}">
+                      <a14:useLocalDpi xmlns:a14="http://schemas.microsoft.com/office/drawing/2010/main" val="0"/>
+                    </a:ext>
+                    <a:ext uri="{96DAC541-7B7A-43D3-8B79-37D633B846F1}">
+                      <asvg:svgBlip xmlns:asvg="http://schemas.microsoft.com/office/drawing/2016/SVG/main" r:embed="rId11"/>
+                    </a:ext>
+                  </a:extLst>
+                </a:blip>
+                <a:stretch>
+                  <a:fillRect/>
+                </a:stretch>
+              </p:blipFill>
+              <p:spPr>
+                <a:xfrm>
+                  <a:off x="54532" y="1358960"/>
+                  <a:ext cx="603676" cy="723314"/>
+                </a:xfrm>
+                <a:prstGeom prst="rect">
+                  <a:avLst/>
+                </a:prstGeom>
+              </p:spPr>
+            </p:pic>
+            <p:pic>
+              <p:nvPicPr>
+                <p:cNvPr id="92" name="Graphic 345" descr="Barn with solid fill">
+                  <a:extLst>
+                    <a:ext uri="{FF2B5EF4-FFF2-40B4-BE49-F238E27FC236}">
+                      <a16:creationId xmlns:a16="http://schemas.microsoft.com/office/drawing/2014/main" id="{FD1921FC-8B26-44FB-9932-A1FCF8046B63}"/>
+                    </a:ext>
+                  </a:extLst>
+                </p:cNvPr>
+                <p:cNvPicPr>
+                  <a:picLocks noChangeAspect="1"/>
+                </p:cNvPicPr>
+                <p:nvPr/>
+              </p:nvPicPr>
+              <p:blipFill>
+                <a:blip r:embed="rId12">
+                  <a:extLst>
+                    <a:ext uri="{28A0092B-C50C-407E-A947-70E740481C1C}">
+                      <a14:useLocalDpi xmlns:a14="http://schemas.microsoft.com/office/drawing/2010/main" val="0"/>
+                    </a:ext>
+                    <a:ext uri="{96DAC541-7B7A-43D3-8B79-37D633B846F1}">
+                      <asvg:svgBlip xmlns:asvg="http://schemas.microsoft.com/office/drawing/2016/SVG/main" r:embed="rId13"/>
+                    </a:ext>
+                  </a:extLst>
+                </a:blip>
+                <a:stretch>
+                  <a:fillRect/>
+                </a:stretch>
+              </p:blipFill>
+              <p:spPr>
+                <a:xfrm>
+                  <a:off x="5899262" y="1595515"/>
+                  <a:ext cx="513657" cy="513657"/>
+                </a:xfrm>
+                <a:prstGeom prst="rect">
+                  <a:avLst/>
+                </a:prstGeom>
+              </p:spPr>
+            </p:pic>
+            <p:pic>
+              <p:nvPicPr>
+                <p:cNvPr id="93" name="Graphic 346" descr="Modern architecture with solid fill">
+                  <a:extLst>
+                    <a:ext uri="{FF2B5EF4-FFF2-40B4-BE49-F238E27FC236}">
+                      <a16:creationId xmlns:a16="http://schemas.microsoft.com/office/drawing/2014/main" id="{957BC617-7646-43CE-BB32-9F63D2FD42BD}"/>
+                    </a:ext>
+                  </a:extLst>
+                </p:cNvPr>
+                <p:cNvPicPr>
+                  <a:picLocks noChangeAspect="1"/>
+                </p:cNvPicPr>
+                <p:nvPr/>
+              </p:nvPicPr>
+              <p:blipFill>
+                <a:blip r:embed="rId14">
+                  <a:extLst>
+                    <a:ext uri="{28A0092B-C50C-407E-A947-70E740481C1C}">
+                      <a14:useLocalDpi xmlns:a14="http://schemas.microsoft.com/office/drawing/2010/main" val="0"/>
+                    </a:ext>
+                    <a:ext uri="{96DAC541-7B7A-43D3-8B79-37D633B846F1}">
+                      <asvg:svgBlip xmlns:asvg="http://schemas.microsoft.com/office/drawing/2016/SVG/main" r:embed="rId15"/>
+                    </a:ext>
+                  </a:extLst>
+                </a:blip>
+                <a:stretch>
+                  <a:fillRect/>
+                </a:stretch>
+              </p:blipFill>
+              <p:spPr>
+                <a:xfrm>
+                  <a:off x="9449135" y="1509693"/>
+                  <a:ext cx="642061" cy="642062"/>
+                </a:xfrm>
+                <a:prstGeom prst="rect">
+                  <a:avLst/>
+                </a:prstGeom>
+              </p:spPr>
+            </p:pic>
+            <p:pic>
+              <p:nvPicPr>
+                <p:cNvPr id="94" name="Graphic 347" descr="Schoolhouse with solid fill">
+                  <a:extLst>
+                    <a:ext uri="{FF2B5EF4-FFF2-40B4-BE49-F238E27FC236}">
+                      <a16:creationId xmlns:a16="http://schemas.microsoft.com/office/drawing/2014/main" id="{573590DF-4E85-416D-9D50-1660B8C46613}"/>
+                    </a:ext>
+                  </a:extLst>
+                </p:cNvPr>
+                <p:cNvPicPr>
+                  <a:picLocks noChangeAspect="1"/>
+                </p:cNvPicPr>
+                <p:nvPr/>
+              </p:nvPicPr>
+              <p:blipFill>
+                <a:blip r:embed="rId16">
+                  <a:extLst>
+                    <a:ext uri="{28A0092B-C50C-407E-A947-70E740481C1C}">
+                      <a14:useLocalDpi xmlns:a14="http://schemas.microsoft.com/office/drawing/2010/main" val="0"/>
+                    </a:ext>
+                    <a:ext uri="{96DAC541-7B7A-43D3-8B79-37D633B846F1}">
+                      <asvg:svgBlip xmlns:asvg="http://schemas.microsoft.com/office/drawing/2016/SVG/main" r:embed="rId17"/>
+                    </a:ext>
+                  </a:extLst>
+                </a:blip>
+                <a:stretch>
+                  <a:fillRect/>
+                </a:stretch>
+              </p:blipFill>
+              <p:spPr>
+                <a:xfrm>
+                  <a:off x="8685880" y="1299784"/>
+                  <a:ext cx="915834" cy="915834"/>
+                </a:xfrm>
+                <a:prstGeom prst="rect">
+                  <a:avLst/>
+                </a:prstGeom>
+              </p:spPr>
+            </p:pic>
+            <p:pic>
+              <p:nvPicPr>
+                <p:cNvPr id="95" name="Graphic 348" descr="Building with solid fill">
+                  <a:extLst>
+                    <a:ext uri="{FF2B5EF4-FFF2-40B4-BE49-F238E27FC236}">
+                      <a16:creationId xmlns:a16="http://schemas.microsoft.com/office/drawing/2014/main" id="{0594E40A-27DF-45B5-9D90-279AC1BABF06}"/>
+                    </a:ext>
+                  </a:extLst>
+                </p:cNvPr>
+                <p:cNvPicPr>
+                  <a:picLocks noChangeAspect="1"/>
+                </p:cNvPicPr>
+                <p:nvPr/>
+              </p:nvPicPr>
+              <p:blipFill>
+                <a:blip r:embed="rId18">
+                  <a:extLst>
+                    <a:ext uri="{28A0092B-C50C-407E-A947-70E740481C1C}">
+                      <a14:useLocalDpi xmlns:a14="http://schemas.microsoft.com/office/drawing/2010/main" val="0"/>
+                    </a:ext>
+                    <a:ext uri="{96DAC541-7B7A-43D3-8B79-37D633B846F1}">
+                      <asvg:svgBlip xmlns:asvg="http://schemas.microsoft.com/office/drawing/2016/SVG/main" r:embed="rId19"/>
+                    </a:ext>
+                  </a:extLst>
+                </a:blip>
+                <a:stretch>
+                  <a:fillRect/>
+                </a:stretch>
+              </p:blipFill>
+              <p:spPr>
+                <a:xfrm>
+                  <a:off x="9902429" y="1457046"/>
+                  <a:ext cx="642060" cy="642060"/>
+                </a:xfrm>
+                <a:prstGeom prst="rect">
+                  <a:avLst/>
+                </a:prstGeom>
+              </p:spPr>
+            </p:pic>
+            <p:pic>
+              <p:nvPicPr>
+                <p:cNvPr id="96" name="Graphic 349" descr="Store with solid fill">
+                  <a:extLst>
+                    <a:ext uri="{FF2B5EF4-FFF2-40B4-BE49-F238E27FC236}">
+                      <a16:creationId xmlns:a16="http://schemas.microsoft.com/office/drawing/2014/main" id="{AAA529B0-6E39-43E4-81C8-374CB43D8FA4}"/>
+                    </a:ext>
+                  </a:extLst>
+                </p:cNvPr>
+                <p:cNvPicPr>
+                  <a:picLocks noChangeAspect="1"/>
+                </p:cNvPicPr>
+                <p:nvPr/>
+              </p:nvPicPr>
+              <p:blipFill>
+                <a:blip r:embed="rId20">
+                  <a:extLst>
+                    <a:ext uri="{28A0092B-C50C-407E-A947-70E740481C1C}">
+                      <a14:useLocalDpi xmlns:a14="http://schemas.microsoft.com/office/drawing/2010/main" val="0"/>
+                    </a:ext>
+                    <a:ext uri="{96DAC541-7B7A-43D3-8B79-37D633B846F1}">
+                      <asvg:svgBlip xmlns:asvg="http://schemas.microsoft.com/office/drawing/2016/SVG/main" r:embed="rId21"/>
+                    </a:ext>
+                  </a:extLst>
+                </a:blip>
+                <a:stretch>
+                  <a:fillRect/>
+                </a:stretch>
+              </p:blipFill>
+              <p:spPr>
+                <a:xfrm>
+                  <a:off x="7257120" y="1584459"/>
+                  <a:ext cx="546104" cy="546104"/>
+                </a:xfrm>
+                <a:prstGeom prst="rect">
+                  <a:avLst/>
+                </a:prstGeom>
+              </p:spPr>
+            </p:pic>
+            <p:pic>
+              <p:nvPicPr>
+                <p:cNvPr id="97" name="Graphic 350" descr="Corn with solid fill">
+                  <a:extLst>
+                    <a:ext uri="{FF2B5EF4-FFF2-40B4-BE49-F238E27FC236}">
+                      <a16:creationId xmlns:a16="http://schemas.microsoft.com/office/drawing/2014/main" id="{DCB0486C-3A88-4BB4-9AD2-CF1AC4318328}"/>
+                    </a:ext>
+                  </a:extLst>
+                </p:cNvPr>
+                <p:cNvPicPr>
+                  <a:picLocks noChangeAspect="1"/>
+                </p:cNvPicPr>
+                <p:nvPr/>
+              </p:nvPicPr>
+              <p:blipFill>
+                <a:blip r:embed="rId22">
+                  <a:extLst>
+                    <a:ext uri="{28A0092B-C50C-407E-A947-70E740481C1C}">
+                      <a14:useLocalDpi xmlns:a14="http://schemas.microsoft.com/office/drawing/2010/main" val="0"/>
+                    </a:ext>
+                    <a:ext uri="{96DAC541-7B7A-43D3-8B79-37D633B846F1}">
+                      <asvg:svgBlip xmlns:asvg="http://schemas.microsoft.com/office/drawing/2016/SVG/main" r:embed="rId23"/>
+                    </a:ext>
+                  </a:extLst>
+                </a:blip>
+                <a:stretch>
+                  <a:fillRect/>
+                </a:stretch>
+              </p:blipFill>
+              <p:spPr>
+                <a:xfrm>
+                  <a:off x="5343071" y="1833788"/>
+                  <a:ext cx="225583" cy="225583"/>
+                </a:xfrm>
+                <a:prstGeom prst="rect">
+                  <a:avLst/>
+                </a:prstGeom>
+              </p:spPr>
+            </p:pic>
+            <p:pic>
+              <p:nvPicPr>
+                <p:cNvPr id="98" name="Graphic 351" descr="Duck with solid fill">
+                  <a:extLst>
+                    <a:ext uri="{FF2B5EF4-FFF2-40B4-BE49-F238E27FC236}">
+                      <a16:creationId xmlns:a16="http://schemas.microsoft.com/office/drawing/2014/main" id="{C270D308-6ED7-4A95-BFB5-67963728B7DC}"/>
+                    </a:ext>
+                  </a:extLst>
+                </p:cNvPr>
+                <p:cNvPicPr>
+                  <a:picLocks noChangeAspect="1"/>
+                </p:cNvPicPr>
+                <p:nvPr/>
+              </p:nvPicPr>
+              <p:blipFill>
+                <a:blip r:embed="rId24">
+                  <a:extLst>
+                    <a:ext uri="{28A0092B-C50C-407E-A947-70E740481C1C}">
+                      <a14:useLocalDpi xmlns:a14="http://schemas.microsoft.com/office/drawing/2010/main" val="0"/>
+                    </a:ext>
+                    <a:ext uri="{96DAC541-7B7A-43D3-8B79-37D633B846F1}">
+                      <asvg:svgBlip xmlns:asvg="http://schemas.microsoft.com/office/drawing/2016/SVG/main" r:embed="rId25"/>
+                    </a:ext>
+                  </a:extLst>
+                </a:blip>
+                <a:stretch>
+                  <a:fillRect/>
+                </a:stretch>
+              </p:blipFill>
+              <p:spPr>
+                <a:xfrm>
+                  <a:off x="3571084" y="1770635"/>
+                  <a:ext cx="317806" cy="317806"/>
+                </a:xfrm>
+                <a:prstGeom prst="rect">
+                  <a:avLst/>
+                </a:prstGeom>
+              </p:spPr>
+            </p:pic>
+            <p:pic>
+              <p:nvPicPr>
+                <p:cNvPr id="99" name="Graphic 352" descr="Pig with solid fill">
+                  <a:extLst>
+                    <a:ext uri="{FF2B5EF4-FFF2-40B4-BE49-F238E27FC236}">
+                      <a16:creationId xmlns:a16="http://schemas.microsoft.com/office/drawing/2014/main" id="{59A29D1F-C5E0-48EA-ABF7-DF4C061AB45D}"/>
+                    </a:ext>
+                  </a:extLst>
+                </p:cNvPr>
+                <p:cNvPicPr>
+                  <a:picLocks noChangeAspect="1"/>
+                </p:cNvPicPr>
+                <p:nvPr/>
+              </p:nvPicPr>
+              <p:blipFill>
+                <a:blip r:embed="rId26">
+                  <a:extLst>
+                    <a:ext uri="{28A0092B-C50C-407E-A947-70E740481C1C}">
+                      <a14:useLocalDpi xmlns:a14="http://schemas.microsoft.com/office/drawing/2010/main" val="0"/>
+                    </a:ext>
+                    <a:ext uri="{96DAC541-7B7A-43D3-8B79-37D633B846F1}">
+                      <asvg:svgBlip xmlns:asvg="http://schemas.microsoft.com/office/drawing/2016/SVG/main" r:embed="rId27"/>
+                    </a:ext>
+                  </a:extLst>
+                </a:blip>
+                <a:stretch>
+                  <a:fillRect/>
+                </a:stretch>
+              </p:blipFill>
+              <p:spPr>
+                <a:xfrm>
+                  <a:off x="4066832" y="1734139"/>
+                  <a:ext cx="422259" cy="422259"/>
+                </a:xfrm>
+                <a:prstGeom prst="rect">
+                  <a:avLst/>
+                </a:prstGeom>
+              </p:spPr>
+            </p:pic>
+            <p:pic>
+              <p:nvPicPr>
+                <p:cNvPr id="100" name="Graphic 353" descr="Cow with solid fill">
+                  <a:extLst>
+                    <a:ext uri="{FF2B5EF4-FFF2-40B4-BE49-F238E27FC236}">
+                      <a16:creationId xmlns:a16="http://schemas.microsoft.com/office/drawing/2014/main" id="{672148C9-63D2-4025-9EF9-9FA7AD606F23}"/>
+                    </a:ext>
+                  </a:extLst>
+                </p:cNvPr>
+                <p:cNvPicPr>
+                  <a:picLocks noChangeAspect="1"/>
+                </p:cNvPicPr>
+                <p:nvPr/>
+              </p:nvPicPr>
+              <p:blipFill>
+                <a:blip r:embed="rId28">
+                  <a:extLst>
+                    <a:ext uri="{28A0092B-C50C-407E-A947-70E740481C1C}">
+                      <a14:useLocalDpi xmlns:a14="http://schemas.microsoft.com/office/drawing/2010/main" val="0"/>
+                    </a:ext>
+                    <a:ext uri="{96DAC541-7B7A-43D3-8B79-37D633B846F1}">
+                      <asvg:svgBlip xmlns:asvg="http://schemas.microsoft.com/office/drawing/2016/SVG/main" r:embed="rId29"/>
+                    </a:ext>
+                  </a:extLst>
+                </a:blip>
+                <a:stretch>
+                  <a:fillRect/>
+                </a:stretch>
+              </p:blipFill>
+              <p:spPr>
+                <a:xfrm>
+                  <a:off x="3818688" y="1545975"/>
+                  <a:ext cx="522524" cy="522524"/>
+                </a:xfrm>
+                <a:prstGeom prst="rect">
+                  <a:avLst/>
+                </a:prstGeom>
+              </p:spPr>
+            </p:pic>
+            <p:pic>
+              <p:nvPicPr>
+                <p:cNvPr id="101" name="Graphic 354" descr="Tractor with solid fill">
+                  <a:extLst>
+                    <a:ext uri="{FF2B5EF4-FFF2-40B4-BE49-F238E27FC236}">
+                      <a16:creationId xmlns:a16="http://schemas.microsoft.com/office/drawing/2014/main" id="{C50C1C06-AC91-428F-A35C-5D151AA859C1}"/>
+                    </a:ext>
+                  </a:extLst>
+                </p:cNvPr>
+                <p:cNvPicPr>
+                  <a:picLocks noChangeAspect="1"/>
+                </p:cNvPicPr>
+                <p:nvPr/>
+              </p:nvPicPr>
+              <p:blipFill>
+                <a:blip r:embed="rId30">
+                  <a:extLst>
+                    <a:ext uri="{28A0092B-C50C-407E-A947-70E740481C1C}">
+                      <a14:useLocalDpi xmlns:a14="http://schemas.microsoft.com/office/drawing/2010/main" val="0"/>
+                    </a:ext>
+                    <a:ext uri="{96DAC541-7B7A-43D3-8B79-37D633B846F1}">
+                      <asvg:svgBlip xmlns:asvg="http://schemas.microsoft.com/office/drawing/2016/SVG/main" r:embed="rId31"/>
+                    </a:ext>
+                  </a:extLst>
+                </a:blip>
+                <a:stretch>
+                  <a:fillRect/>
+                </a:stretch>
+              </p:blipFill>
+              <p:spPr>
+                <a:xfrm>
+                  <a:off x="4839169" y="1587108"/>
+                  <a:ext cx="594718" cy="594718"/>
+                </a:xfrm>
+                <a:prstGeom prst="rect">
+                  <a:avLst/>
+                </a:prstGeom>
+              </p:spPr>
+            </p:pic>
+            <p:pic>
+              <p:nvPicPr>
+                <p:cNvPr id="102" name="Graphic 355" descr="Crops with solid fill">
+                  <a:extLst>
+                    <a:ext uri="{FF2B5EF4-FFF2-40B4-BE49-F238E27FC236}">
+                      <a16:creationId xmlns:a16="http://schemas.microsoft.com/office/drawing/2014/main" id="{2465B88B-2950-4562-9342-12D83395018E}"/>
+                    </a:ext>
+                  </a:extLst>
+                </p:cNvPr>
+                <p:cNvPicPr>
+                  <a:picLocks noChangeAspect="1"/>
+                </p:cNvPicPr>
+                <p:nvPr/>
+              </p:nvPicPr>
+              <p:blipFill>
+                <a:blip r:embed="rId32">
+                  <a:extLst>
+                    <a:ext uri="{28A0092B-C50C-407E-A947-70E740481C1C}">
+                      <a14:useLocalDpi xmlns:a14="http://schemas.microsoft.com/office/drawing/2010/main" val="0"/>
+                    </a:ext>
+                    <a:ext uri="{96DAC541-7B7A-43D3-8B79-37D633B846F1}">
+                      <asvg:svgBlip xmlns:asvg="http://schemas.microsoft.com/office/drawing/2016/SVG/main" r:embed="rId33"/>
+                    </a:ext>
+                  </a:extLst>
+                </a:blip>
+                <a:stretch>
+                  <a:fillRect/>
+                </a:stretch>
+              </p:blipFill>
+              <p:spPr>
+                <a:xfrm>
+                  <a:off x="5524076" y="1688937"/>
+                  <a:ext cx="404101" cy="404101"/>
+                </a:xfrm>
+                <a:prstGeom prst="rect">
+                  <a:avLst/>
+                </a:prstGeom>
+              </p:spPr>
+            </p:pic>
+            <p:pic>
+              <p:nvPicPr>
+                <p:cNvPr id="103" name="Graphic 356" descr="Silo with solid fill">
+                  <a:extLst>
+                    <a:ext uri="{FF2B5EF4-FFF2-40B4-BE49-F238E27FC236}">
+                      <a16:creationId xmlns:a16="http://schemas.microsoft.com/office/drawing/2014/main" id="{3E64F0DC-FF8D-4489-BACC-6F342A4BAE34}"/>
+                    </a:ext>
+                  </a:extLst>
+                </p:cNvPr>
+                <p:cNvPicPr>
+                  <a:picLocks noChangeAspect="1"/>
+                </p:cNvPicPr>
+                <p:nvPr/>
+              </p:nvPicPr>
+              <p:blipFill>
+                <a:blip r:embed="rId34">
+                  <a:extLst>
+                    <a:ext uri="{28A0092B-C50C-407E-A947-70E740481C1C}">
+                      <a14:useLocalDpi xmlns:a14="http://schemas.microsoft.com/office/drawing/2010/main" val="0"/>
+                    </a:ext>
+                    <a:ext uri="{96DAC541-7B7A-43D3-8B79-37D633B846F1}">
+                      <asvg:svgBlip xmlns:asvg="http://schemas.microsoft.com/office/drawing/2016/SVG/main" r:embed="rId35"/>
+                    </a:ext>
+                  </a:extLst>
+                </a:blip>
+                <a:stretch>
+                  <a:fillRect/>
+                </a:stretch>
+              </p:blipFill>
+              <p:spPr>
+                <a:xfrm>
+                  <a:off x="6199303" y="1469544"/>
+                  <a:ext cx="621717" cy="621717"/>
+                </a:xfrm>
+                <a:prstGeom prst="rect">
+                  <a:avLst/>
+                </a:prstGeom>
+              </p:spPr>
+            </p:pic>
+            <p:pic>
+              <p:nvPicPr>
+                <p:cNvPr id="104" name="Graphic 357" descr="Convertible with solid fill">
+                  <a:extLst>
+                    <a:ext uri="{FF2B5EF4-FFF2-40B4-BE49-F238E27FC236}">
+                      <a16:creationId xmlns:a16="http://schemas.microsoft.com/office/drawing/2014/main" id="{55F6D093-2FDE-4579-B814-3D633AC5BF50}"/>
+                    </a:ext>
+                  </a:extLst>
+                </p:cNvPr>
+                <p:cNvPicPr>
+                  <a:picLocks noChangeAspect="1"/>
+                </p:cNvPicPr>
+                <p:nvPr/>
+              </p:nvPicPr>
+              <p:blipFill>
+                <a:blip r:embed="rId36">
+                  <a:extLst>
+                    <a:ext uri="{28A0092B-C50C-407E-A947-70E740481C1C}">
+                      <a14:useLocalDpi xmlns:a14="http://schemas.microsoft.com/office/drawing/2010/main" val="0"/>
+                    </a:ext>
+                    <a:ext uri="{96DAC541-7B7A-43D3-8B79-37D633B846F1}">
+                      <asvg:svgBlip xmlns:asvg="http://schemas.microsoft.com/office/drawing/2016/SVG/main" r:embed="rId37"/>
+                    </a:ext>
+                  </a:extLst>
+                </a:blip>
+                <a:stretch>
+                  <a:fillRect/>
+                </a:stretch>
+              </p:blipFill>
+              <p:spPr>
+                <a:xfrm>
+                  <a:off x="8387051" y="1568550"/>
+                  <a:ext cx="404306" cy="404306"/>
+                </a:xfrm>
+                <a:prstGeom prst="rect">
+                  <a:avLst/>
+                </a:prstGeom>
+              </p:spPr>
+            </p:pic>
+            <p:pic>
+              <p:nvPicPr>
+                <p:cNvPr id="105" name="Graphic 358" descr="Taxi with solid fill">
+                  <a:extLst>
+                    <a:ext uri="{FF2B5EF4-FFF2-40B4-BE49-F238E27FC236}">
+                      <a16:creationId xmlns:a16="http://schemas.microsoft.com/office/drawing/2014/main" id="{7D121416-EA54-48E0-BBF1-555F447E93CD}"/>
+                    </a:ext>
+                  </a:extLst>
+                </p:cNvPr>
+                <p:cNvPicPr>
+                  <a:picLocks noChangeAspect="1"/>
+                </p:cNvPicPr>
+                <p:nvPr/>
+              </p:nvPicPr>
+              <p:blipFill>
+                <a:blip r:embed="rId38">
+                  <a:extLst>
+                    <a:ext uri="{28A0092B-C50C-407E-A947-70E740481C1C}">
+                      <a14:useLocalDpi xmlns:a14="http://schemas.microsoft.com/office/drawing/2010/main" val="0"/>
+                    </a:ext>
+                    <a:ext uri="{96DAC541-7B7A-43D3-8B79-37D633B846F1}">
+                      <asvg:svgBlip xmlns:asvg="http://schemas.microsoft.com/office/drawing/2016/SVG/main" r:embed="rId39"/>
+                    </a:ext>
+                  </a:extLst>
+                </a:blip>
+                <a:stretch>
+                  <a:fillRect/>
+                </a:stretch>
+              </p:blipFill>
+              <p:spPr>
+                <a:xfrm>
+                  <a:off x="7811507" y="1666661"/>
+                  <a:ext cx="404307" cy="404306"/>
+                </a:xfrm>
+                <a:prstGeom prst="rect">
+                  <a:avLst/>
+                </a:prstGeom>
+              </p:spPr>
+            </p:pic>
+            <p:pic>
+              <p:nvPicPr>
+                <p:cNvPr id="106" name="Graphic 359" descr="Car with solid fill">
+                  <a:extLst>
+                    <a:ext uri="{FF2B5EF4-FFF2-40B4-BE49-F238E27FC236}">
+                      <a16:creationId xmlns:a16="http://schemas.microsoft.com/office/drawing/2014/main" id="{089079EE-8B58-4A6E-96CD-D01758B68F79}"/>
+                    </a:ext>
+                  </a:extLst>
+                </p:cNvPr>
+                <p:cNvPicPr>
+                  <a:picLocks noChangeAspect="1"/>
+                </p:cNvPicPr>
+                <p:nvPr/>
+              </p:nvPicPr>
+              <p:blipFill>
+                <a:blip r:embed="rId40">
+                  <a:extLst>
+                    <a:ext uri="{28A0092B-C50C-407E-A947-70E740481C1C}">
+                      <a14:useLocalDpi xmlns:a14="http://schemas.microsoft.com/office/drawing/2010/main" val="0"/>
+                    </a:ext>
+                    <a:ext uri="{96DAC541-7B7A-43D3-8B79-37D633B846F1}">
+                      <asvg:svgBlip xmlns:asvg="http://schemas.microsoft.com/office/drawing/2016/SVG/main" r:embed="rId41"/>
+                    </a:ext>
+                  </a:extLst>
+                </a:blip>
+                <a:stretch>
+                  <a:fillRect/>
+                </a:stretch>
+              </p:blipFill>
+              <p:spPr>
+                <a:xfrm>
+                  <a:off x="8174800" y="1671010"/>
+                  <a:ext cx="523885" cy="523885"/>
+                </a:xfrm>
+                <a:prstGeom prst="rect">
+                  <a:avLst/>
+                </a:prstGeom>
+              </p:spPr>
+            </p:pic>
+            <p:pic>
+              <p:nvPicPr>
+                <p:cNvPr id="107" name="Graphic 361" descr="Home with solid fill">
+                  <a:extLst>
+                    <a:ext uri="{FF2B5EF4-FFF2-40B4-BE49-F238E27FC236}">
+                      <a16:creationId xmlns:a16="http://schemas.microsoft.com/office/drawing/2014/main" id="{C48C98D2-D990-457F-A502-D67EE1EB01E4}"/>
+                    </a:ext>
+                  </a:extLst>
+                </p:cNvPr>
+                <p:cNvPicPr>
+                  <a:picLocks noChangeAspect="1"/>
+                </p:cNvPicPr>
+                <p:nvPr/>
+              </p:nvPicPr>
+              <p:blipFill>
+                <a:blip r:embed="rId42">
+                  <a:extLst>
+                    <a:ext uri="{28A0092B-C50C-407E-A947-70E740481C1C}">
+                      <a14:useLocalDpi xmlns:a14="http://schemas.microsoft.com/office/drawing/2010/main" val="0"/>
+                    </a:ext>
+                    <a:ext uri="{96DAC541-7B7A-43D3-8B79-37D633B846F1}">
+                      <asvg:svgBlip xmlns:asvg="http://schemas.microsoft.com/office/drawing/2016/SVG/main" r:embed="rId43"/>
+                    </a:ext>
+                  </a:extLst>
+                </a:blip>
+                <a:stretch>
+                  <a:fillRect/>
+                </a:stretch>
+              </p:blipFill>
+              <p:spPr>
+                <a:xfrm>
+                  <a:off x="6924011" y="1662883"/>
+                  <a:ext cx="457360" cy="457360"/>
+                </a:xfrm>
+                <a:prstGeom prst="rect">
+                  <a:avLst/>
+                </a:prstGeom>
+              </p:spPr>
+            </p:pic>
+            <p:pic>
+              <p:nvPicPr>
+                <p:cNvPr id="108" name="Graphic 362" descr="Deciduous tree with solid fill">
+                  <a:extLst>
+                    <a:ext uri="{FF2B5EF4-FFF2-40B4-BE49-F238E27FC236}">
+                      <a16:creationId xmlns:a16="http://schemas.microsoft.com/office/drawing/2014/main" id="{6B29C887-9F8C-417A-A1B4-92C383C81CFE}"/>
+                    </a:ext>
+                  </a:extLst>
+                </p:cNvPr>
+                <p:cNvPicPr>
+                  <a:picLocks noChangeAspect="1"/>
+                </p:cNvPicPr>
+                <p:nvPr/>
+              </p:nvPicPr>
+              <p:blipFill>
+                <a:blip r:embed="rId44">
+                  <a:extLst>
+                    <a:ext uri="{28A0092B-C50C-407E-A947-70E740481C1C}">
+                      <a14:useLocalDpi xmlns:a14="http://schemas.microsoft.com/office/drawing/2010/main" val="0"/>
+                    </a:ext>
+                    <a:ext uri="{96DAC541-7B7A-43D3-8B79-37D633B846F1}">
+                      <asvg:svgBlip xmlns:asvg="http://schemas.microsoft.com/office/drawing/2016/SVG/main" r:embed="rId45"/>
+                    </a:ext>
+                  </a:extLst>
+                </a:blip>
+                <a:stretch>
+                  <a:fillRect/>
+                </a:stretch>
+              </p:blipFill>
+              <p:spPr>
+                <a:xfrm>
+                  <a:off x="1496060" y="1622100"/>
+                  <a:ext cx="451262" cy="451262"/>
+                </a:xfrm>
+                <a:prstGeom prst="rect">
+                  <a:avLst/>
+                </a:prstGeom>
+              </p:spPr>
+            </p:pic>
+            <p:pic>
+              <p:nvPicPr>
+                <p:cNvPr id="109" name="Graphic 363" descr="Deciduous tree with solid fill">
+                  <a:extLst>
+                    <a:ext uri="{FF2B5EF4-FFF2-40B4-BE49-F238E27FC236}">
+                      <a16:creationId xmlns:a16="http://schemas.microsoft.com/office/drawing/2014/main" id="{C8FA328D-F5E7-4BE1-886F-5FE8C3C262FB}"/>
+                    </a:ext>
+                  </a:extLst>
+                </p:cNvPr>
+                <p:cNvPicPr>
+                  <a:picLocks noChangeAspect="1"/>
+                </p:cNvPicPr>
+                <p:nvPr/>
+              </p:nvPicPr>
+              <p:blipFill>
+                <a:blip r:embed="rId46">
+                  <a:extLst>
+                    <a:ext uri="{28A0092B-C50C-407E-A947-70E740481C1C}">
+                      <a14:useLocalDpi xmlns:a14="http://schemas.microsoft.com/office/drawing/2010/main" val="0"/>
+                    </a:ext>
+                    <a:ext uri="{96DAC541-7B7A-43D3-8B79-37D633B846F1}">
+                      <asvg:svgBlip xmlns:asvg="http://schemas.microsoft.com/office/drawing/2016/SVG/main" r:embed="rId47"/>
+                    </a:ext>
+                  </a:extLst>
+                </a:blip>
+                <a:stretch>
+                  <a:fillRect/>
+                </a:stretch>
+              </p:blipFill>
+              <p:spPr>
+                <a:xfrm>
+                  <a:off x="2335005" y="1716362"/>
+                  <a:ext cx="350401" cy="350401"/>
+                </a:xfrm>
+                <a:prstGeom prst="rect">
+                  <a:avLst/>
+                </a:prstGeom>
+              </p:spPr>
+            </p:pic>
+            <p:pic>
+              <p:nvPicPr>
+                <p:cNvPr id="110" name="Graphic 364" descr="Deciduous tree with solid fill">
+                  <a:extLst>
+                    <a:ext uri="{FF2B5EF4-FFF2-40B4-BE49-F238E27FC236}">
+                      <a16:creationId xmlns:a16="http://schemas.microsoft.com/office/drawing/2014/main" id="{067FDC0C-D134-4620-A55F-F7A2AF75937D}"/>
+                    </a:ext>
+                  </a:extLst>
+                </p:cNvPr>
+                <p:cNvPicPr>
+                  <a:picLocks noChangeAspect="1"/>
+                </p:cNvPicPr>
+                <p:nvPr/>
+              </p:nvPicPr>
+              <p:blipFill>
+                <a:blip r:embed="rId48">
+                  <a:extLst>
+                    <a:ext uri="{28A0092B-C50C-407E-A947-70E740481C1C}">
+                      <a14:useLocalDpi xmlns:a14="http://schemas.microsoft.com/office/drawing/2010/main" val="0"/>
+                    </a:ext>
+                    <a:ext uri="{96DAC541-7B7A-43D3-8B79-37D633B846F1}">
+                      <asvg:svgBlip xmlns:asvg="http://schemas.microsoft.com/office/drawing/2016/SVG/main" r:embed="rId49"/>
+                    </a:ext>
+                  </a:extLst>
+                </a:blip>
+                <a:stretch>
+                  <a:fillRect/>
+                </a:stretch>
+              </p:blipFill>
+              <p:spPr>
+                <a:xfrm>
+                  <a:off x="3101296" y="1805669"/>
+                  <a:ext cx="261790" cy="261790"/>
+                </a:xfrm>
+                <a:prstGeom prst="rect">
+                  <a:avLst/>
+                </a:prstGeom>
+              </p:spPr>
+            </p:pic>
+          </p:grpSp>
+          <p:sp>
+            <p:nvSpPr>
+              <p:cNvPr id="86" name="Arrow: Left-Right 85">
+                <a:extLst>
+                  <a:ext uri="{FF2B5EF4-FFF2-40B4-BE49-F238E27FC236}">
+                    <a16:creationId xmlns:a16="http://schemas.microsoft.com/office/drawing/2014/main" id="{8F74F82F-DC72-43FA-817A-5821858AF707}"/>
+                  </a:ext>
+                </a:extLst>
+              </p:cNvPr>
+              <p:cNvSpPr/>
+              <p:nvPr/>
+            </p:nvSpPr>
+            <p:spPr>
+              <a:xfrm>
+                <a:off x="-166491" y="1941677"/>
+                <a:ext cx="12479486" cy="698480"/>
+              </a:xfrm>
+              <a:prstGeom prst="leftRightArrow">
+                <a:avLst>
+                  <a:gd name="adj1" fmla="val 65608"/>
+                  <a:gd name="adj2" fmla="val 59965"/>
+                </a:avLst>
+              </a:prstGeom>
+              <a:gradFill flip="none" rotWithShape="1">
+                <a:gsLst>
+                  <a:gs pos="75000">
+                    <a:srgbClr val="F6951E"/>
+                  </a:gs>
+                  <a:gs pos="50000">
+                    <a:srgbClr val="C03F4F"/>
+                  </a:gs>
+                  <a:gs pos="100000">
+                    <a:srgbClr val="FCFB9A"/>
+                  </a:gs>
+                  <a:gs pos="25000">
+                    <a:srgbClr val="5D1268"/>
+                  </a:gs>
+                  <a:gs pos="0">
+                    <a:srgbClr val="16071C"/>
+                  </a:gs>
+                </a:gsLst>
+                <a:lin ang="0" scaled="1"/>
+                <a:tileRect/>
+              </a:gradFill>
+              <a:ln w="19050">
+                <a:solidFill>
+                  <a:schemeClr val="bg1"/>
+                </a:solidFill>
+              </a:ln>
+            </p:spPr>
+            <p:style>
+              <a:lnRef idx="2">
+                <a:schemeClr val="accent1">
+                  <a:shade val="50000"/>
+                </a:schemeClr>
+              </a:lnRef>
+              <a:fillRef idx="1">
+                <a:schemeClr val="accent1"/>
+              </a:fillRef>
+              <a:effectRef idx="0">
+                <a:schemeClr val="accent1"/>
+              </a:effectRef>
+              <a:fontRef idx="minor">
+                <a:schemeClr val="lt1"/>
+              </a:fontRef>
+            </p:style>
+            <p:txBody>
+              <a:bodyPr rtlCol="0" anchor="ctr"/>
+              <a:lstStyle>
+                <a:defPPr>
+                  <a:defRPr lang="en-US"/>
+                </a:defPPr>
+                <a:lvl1pPr marL="0" algn="l" defTabSz="457200" rtl="0" eaLnBrk="1" latinLnBrk="0" hangingPunct="1">
+                  <a:defRPr sz="1800" kern="1200">
+                    <a:solidFill>
+                      <a:schemeClr val="lt1"/>
+                    </a:solidFill>
+                    <a:latin typeface="+mn-lt"/>
+                    <a:ea typeface="+mn-ea"/>
+                    <a:cs typeface="+mn-cs"/>
+                  </a:defRPr>
+                </a:lvl1pPr>
+                <a:lvl2pPr marL="457200" algn="l" defTabSz="457200" rtl="0" eaLnBrk="1" latinLnBrk="0" hangingPunct="1">
+                  <a:defRPr sz="1800" kern="1200">
+                    <a:solidFill>
+                      <a:schemeClr val="lt1"/>
+                    </a:solidFill>
+                    <a:latin typeface="+mn-lt"/>
+                    <a:ea typeface="+mn-ea"/>
+                    <a:cs typeface="+mn-cs"/>
+                  </a:defRPr>
+                </a:lvl2pPr>
+                <a:lvl3pPr marL="914400" algn="l" defTabSz="457200" rtl="0" eaLnBrk="1" latinLnBrk="0" hangingPunct="1">
+                  <a:defRPr sz="1800" kern="1200">
+                    <a:solidFill>
+                      <a:schemeClr val="lt1"/>
+                    </a:solidFill>
+                    <a:latin typeface="+mn-lt"/>
+                    <a:ea typeface="+mn-ea"/>
+                    <a:cs typeface="+mn-cs"/>
+                  </a:defRPr>
+                </a:lvl3pPr>
+                <a:lvl4pPr marL="1371600" algn="l" defTabSz="457200" rtl="0" eaLnBrk="1" latinLnBrk="0" hangingPunct="1">
+                  <a:defRPr sz="1800" kern="1200">
+                    <a:solidFill>
+                      <a:schemeClr val="lt1"/>
+                    </a:solidFill>
+                    <a:latin typeface="+mn-lt"/>
+                    <a:ea typeface="+mn-ea"/>
+                    <a:cs typeface="+mn-cs"/>
+                  </a:defRPr>
+                </a:lvl4pPr>
+                <a:lvl5pPr marL="1828800" algn="l" defTabSz="457200" rtl="0" eaLnBrk="1" latinLnBrk="0" hangingPunct="1">
+                  <a:defRPr sz="1800" kern="1200">
+                    <a:solidFill>
+                      <a:schemeClr val="lt1"/>
+                    </a:solidFill>
+                    <a:latin typeface="+mn-lt"/>
+                    <a:ea typeface="+mn-ea"/>
+                    <a:cs typeface="+mn-cs"/>
+                  </a:defRPr>
+                </a:lvl5pPr>
+                <a:lvl6pPr marL="2286000" algn="l" defTabSz="457200" rtl="0" eaLnBrk="1" latinLnBrk="0" hangingPunct="1">
+                  <a:defRPr sz="1800" kern="1200">
+                    <a:solidFill>
+                      <a:schemeClr val="lt1"/>
+                    </a:solidFill>
+                    <a:latin typeface="+mn-lt"/>
+                    <a:ea typeface="+mn-ea"/>
+                    <a:cs typeface="+mn-cs"/>
+                  </a:defRPr>
+                </a:lvl6pPr>
+                <a:lvl7pPr marL="2743200" algn="l" defTabSz="457200" rtl="0" eaLnBrk="1" latinLnBrk="0" hangingPunct="1">
+                  <a:defRPr sz="1800" kern="1200">
+                    <a:solidFill>
+                      <a:schemeClr val="lt1"/>
+                    </a:solidFill>
+                    <a:latin typeface="+mn-lt"/>
+                    <a:ea typeface="+mn-ea"/>
+                    <a:cs typeface="+mn-cs"/>
+                  </a:defRPr>
+                </a:lvl7pPr>
+                <a:lvl8pPr marL="3200400" algn="l" defTabSz="457200" rtl="0" eaLnBrk="1" latinLnBrk="0" hangingPunct="1">
+                  <a:defRPr sz="1800" kern="1200">
+                    <a:solidFill>
+                      <a:schemeClr val="lt1"/>
+                    </a:solidFill>
+                    <a:latin typeface="+mn-lt"/>
+                    <a:ea typeface="+mn-ea"/>
+                    <a:cs typeface="+mn-cs"/>
+                  </a:defRPr>
+                </a:lvl8pPr>
+                <a:lvl9pPr marL="3657600" algn="l" defTabSz="457200" rtl="0" eaLnBrk="1" latinLnBrk="0" hangingPunct="1">
+                  <a:defRPr sz="1800" kern="1200">
+                    <a:solidFill>
+                      <a:schemeClr val="lt1"/>
+                    </a:solidFill>
+                    <a:latin typeface="+mn-lt"/>
+                    <a:ea typeface="+mn-ea"/>
+                    <a:cs typeface="+mn-cs"/>
+                  </a:defRPr>
+                </a:lvl9pPr>
+              </a:lstStyle>
+              <a:p>
+                <a:pPr algn="ctr"/>
+                <a:endParaRPr lang="en-AU" sz="1350" dirty="0">
+                  <a:solidFill>
+                    <a:schemeClr val="tx1"/>
+                  </a:solidFill>
+                </a:endParaRPr>
+              </a:p>
+            </p:txBody>
+          </p:sp>
+        </p:grpSp>
+        <p:sp>
+          <p:nvSpPr>
+            <p:cNvPr id="13" name="Oval 12">
+              <a:extLst>
+                <a:ext uri="{FF2B5EF4-FFF2-40B4-BE49-F238E27FC236}">
+                  <a16:creationId xmlns:a16="http://schemas.microsoft.com/office/drawing/2014/main" id="{8966A51E-658D-458C-8BF8-0178E9E29FFA}"/>
+                </a:ext>
+              </a:extLst>
+            </p:cNvPr>
+            <p:cNvSpPr/>
+            <p:nvPr/>
+          </p:nvSpPr>
+          <p:spPr>
+            <a:xfrm rot="5400000">
+              <a:off x="1994561" y="5213805"/>
+              <a:ext cx="930663" cy="1339052"/>
+            </a:xfrm>
+            <a:prstGeom prst="ellipse">
+              <a:avLst/>
+            </a:prstGeom>
+            <a:noFill/>
+            <a:ln w="38100">
+              <a:solidFill>
+                <a:srgbClr val="00B050"/>
+              </a:solidFill>
+            </a:ln>
+          </p:spPr>
+          <p:style>
+            <a:lnRef idx="2">
+              <a:schemeClr val="accent1">
+                <a:shade val="50000"/>
+              </a:schemeClr>
+            </a:lnRef>
+            <a:fillRef idx="1">
+              <a:schemeClr val="accent1"/>
+            </a:fillRef>
+            <a:effectRef idx="0">
+              <a:schemeClr val="accent1"/>
+            </a:effectRef>
+            <a:fontRef idx="minor">
+              <a:schemeClr val="lt1"/>
+            </a:fontRef>
+          </p:style>
+          <p:txBody>
+            <a:bodyPr rtlCol="0" anchor="ctr"/>
+            <a:lstStyle/>
+            <a:p>
+              <a:pPr algn="ctr"/>
+              <a:endParaRPr lang="en-US"/>
+            </a:p>
+          </p:txBody>
+        </p:sp>
+        <p:sp>
+          <p:nvSpPr>
+            <p:cNvPr id="60" name="Oval 59">
+              <a:extLst>
+                <a:ext uri="{FF2B5EF4-FFF2-40B4-BE49-F238E27FC236}">
+                  <a16:creationId xmlns:a16="http://schemas.microsoft.com/office/drawing/2014/main" id="{1A674076-06DD-48E3-A501-1AC3A0CA671F}"/>
+                </a:ext>
+              </a:extLst>
+            </p:cNvPr>
+            <p:cNvSpPr/>
+            <p:nvPr/>
+          </p:nvSpPr>
+          <p:spPr>
+            <a:xfrm rot="5400000">
+              <a:off x="4888648" y="5139476"/>
+              <a:ext cx="930663" cy="1339052"/>
+            </a:xfrm>
+            <a:prstGeom prst="ellipse">
+              <a:avLst/>
+            </a:prstGeom>
+            <a:noFill/>
+            <a:ln w="38100">
+              <a:solidFill>
+                <a:srgbClr val="00B0F0"/>
+              </a:solidFill>
+            </a:ln>
+          </p:spPr>
+          <p:style>
+            <a:lnRef idx="2">
+              <a:schemeClr val="accent1">
+                <a:shade val="50000"/>
+              </a:schemeClr>
+            </a:lnRef>
+            <a:fillRef idx="1">
+              <a:schemeClr val="accent1"/>
+            </a:fillRef>
+            <a:effectRef idx="0">
+              <a:schemeClr val="accent1"/>
+            </a:effectRef>
+            <a:fontRef idx="minor">
+              <a:schemeClr val="lt1"/>
+            </a:fontRef>
+          </p:style>
+          <p:txBody>
+            <a:bodyPr rtlCol="0" anchor="ctr"/>
+            <a:lstStyle/>
+            <a:p>
+              <a:pPr algn="ctr"/>
+              <a:endParaRPr lang="en-US"/>
+            </a:p>
+          </p:txBody>
+        </p:sp>
+        <p:sp>
+          <p:nvSpPr>
+            <p:cNvPr id="61" name="Oval 60">
+              <a:extLst>
+                <a:ext uri="{FF2B5EF4-FFF2-40B4-BE49-F238E27FC236}">
+                  <a16:creationId xmlns:a16="http://schemas.microsoft.com/office/drawing/2014/main" id="{96DA2951-4D87-43A5-84E2-76AAAA5C5A28}"/>
+                </a:ext>
+              </a:extLst>
+            </p:cNvPr>
+            <p:cNvSpPr/>
+            <p:nvPr/>
+          </p:nvSpPr>
+          <p:spPr>
+            <a:xfrm rot="5400000">
+              <a:off x="8343921" y="5178476"/>
+              <a:ext cx="930663" cy="1339052"/>
+            </a:xfrm>
+            <a:prstGeom prst="ellipse">
+              <a:avLst/>
+            </a:prstGeom>
+            <a:noFill/>
+            <a:ln w="38100">
+              <a:solidFill>
+                <a:srgbClr val="FF0000"/>
+              </a:solidFill>
+            </a:ln>
+          </p:spPr>
+          <p:style>
+            <a:lnRef idx="2">
+              <a:schemeClr val="accent1">
+                <a:shade val="50000"/>
+              </a:schemeClr>
+            </a:lnRef>
+            <a:fillRef idx="1">
+              <a:schemeClr val="accent1"/>
+            </a:fillRef>
+            <a:effectRef idx="0">
+              <a:schemeClr val="accent1"/>
+            </a:effectRef>
+            <a:fontRef idx="minor">
+              <a:schemeClr val="lt1"/>
+            </a:fontRef>
+          </p:style>
+          <p:txBody>
+            <a:bodyPr rtlCol="0" anchor="ctr"/>
+            <a:lstStyle/>
+            <a:p>
+              <a:pPr algn="ctr"/>
+              <a:endParaRPr lang="en-US"/>
+            </a:p>
+          </p:txBody>
+        </p:sp>
+      </p:grpSp>
+      <p:graphicFrame>
+        <p:nvGraphicFramePr>
+          <p:cNvPr id="4" name="Table 3">
+            <a:extLst>
+              <a:ext uri="{FF2B5EF4-FFF2-40B4-BE49-F238E27FC236}">
+                <a16:creationId xmlns:a16="http://schemas.microsoft.com/office/drawing/2014/main" id="{BED8EDCB-F373-4C7C-9ACB-68BB891EB6A5}"/>
+              </a:ext>
+            </a:extLst>
+          </p:cNvPr>
+          <p:cNvGraphicFramePr>
+            <a:graphicFrameLocks noGrp="1"/>
+          </p:cNvGraphicFramePr>
+          <p:nvPr>
+            <p:extLst>
+              <p:ext uri="{D42A27DB-BD31-4B8C-83A1-F6EECF244321}">
+                <p14:modId xmlns:p14="http://schemas.microsoft.com/office/powerpoint/2010/main" val="4165995877"/>
+              </p:ext>
+            </p:extLst>
+          </p:nvPr>
+        </p:nvGraphicFramePr>
+        <p:xfrm>
+          <a:off x="2874486" y="5221359"/>
+          <a:ext cx="4755909" cy="1483360"/>
+        </p:xfrm>
+        <a:graphic>
+          <a:graphicData uri="http://schemas.openxmlformats.org/drawingml/2006/table">
+            <a:tbl>
+              <a:tblPr firstRow="1" bandRow="1">
+                <a:tableStyleId>{073A0DAA-6AF3-43AB-8588-CEC1D06C72B9}</a:tableStyleId>
+              </a:tblPr>
+              <a:tblGrid>
+                <a:gridCol w="1585303">
+                  <a:extLst>
+                    <a:ext uri="{9D8B030D-6E8A-4147-A177-3AD203B41FA5}">
+                      <a16:colId xmlns:a16="http://schemas.microsoft.com/office/drawing/2014/main" val="3289445541"/>
+                    </a:ext>
+                  </a:extLst>
+                </a:gridCol>
+                <a:gridCol w="1585303">
+                  <a:extLst>
+                    <a:ext uri="{9D8B030D-6E8A-4147-A177-3AD203B41FA5}">
+                      <a16:colId xmlns:a16="http://schemas.microsoft.com/office/drawing/2014/main" val="2031057407"/>
+                    </a:ext>
+                  </a:extLst>
+                </a:gridCol>
+                <a:gridCol w="1585303">
+                  <a:extLst>
+                    <a:ext uri="{9D8B030D-6E8A-4147-A177-3AD203B41FA5}">
+                      <a16:colId xmlns:a16="http://schemas.microsoft.com/office/drawing/2014/main" val="151027937"/>
+                    </a:ext>
+                  </a:extLst>
+                </a:gridCol>
+              </a:tblGrid>
+              <a:tr h="370840">
+                <a:tc>
+                  <a:txBody>
+                    <a:bodyPr/>
+                    <a:lstStyle/>
+                    <a:p>
+                      <a:pPr algn="ctr"/>
+                      <a:r>
+                        <a:rPr lang="en-AU" dirty="0"/>
+                        <a:t>Hypothesis</a:t>
+                      </a:r>
+                      <a:endParaRPr lang="en-US" dirty="0"/>
+                    </a:p>
+                  </a:txBody>
+                  <a:tcPr/>
+                </a:tc>
+                <a:tc>
+                  <a:txBody>
+                    <a:bodyPr/>
+                    <a:lstStyle/>
+                    <a:p>
+                      <a:pPr algn="ctr"/>
+                      <a:r>
+                        <a:rPr lang="en-AU" dirty="0"/>
+                        <a:t>Alpha scale</a:t>
+                      </a:r>
+                      <a:endParaRPr lang="en-US" dirty="0"/>
+                    </a:p>
+                  </a:txBody>
+                  <a:tcPr/>
+                </a:tc>
+                <a:tc>
+                  <a:txBody>
+                    <a:bodyPr/>
+                    <a:lstStyle/>
+                    <a:p>
+                      <a:pPr algn="ctr"/>
+                      <a:r>
+                        <a:rPr lang="en-AU" dirty="0"/>
+                        <a:t>Gamma scale</a:t>
+                      </a:r>
+                      <a:endParaRPr lang="en-US" dirty="0"/>
+                    </a:p>
+                  </a:txBody>
+                  <a:tcPr/>
+                </a:tc>
+                <a:extLst>
+                  <a:ext uri="{0D108BD9-81ED-4DB2-BD59-A6C34878D82A}">
+                    <a16:rowId xmlns:a16="http://schemas.microsoft.com/office/drawing/2014/main" val="1604598689"/>
+                  </a:ext>
+                </a:extLst>
+              </a:tr>
+              <a:tr h="370840">
+                <a:tc>
+                  <a:txBody>
+                    <a:bodyPr/>
+                    <a:lstStyle/>
+                    <a:p>
+                      <a:pPr algn="ctr"/>
+                      <a:r>
+                        <a:rPr lang="en-AU" sz="1400" dirty="0"/>
+                        <a:t>SAD</a:t>
+                      </a:r>
+                      <a:endParaRPr lang="en-US" sz="1400" dirty="0"/>
+                    </a:p>
+                  </a:txBody>
+                  <a:tcPr/>
+                </a:tc>
+                <a:tc>
+                  <a:txBody>
+                    <a:bodyPr/>
+                    <a:lstStyle/>
+                    <a:p>
+                      <a:r>
+                        <a:rPr lang="en-AU" sz="1400" dirty="0"/>
+                        <a:t>Little support</a:t>
+                      </a:r>
+                      <a:endParaRPr lang="en-US" sz="1400" dirty="0"/>
+                    </a:p>
+                  </a:txBody>
+                  <a:tcPr/>
+                </a:tc>
+                <a:tc>
+                  <a:txBody>
+                    <a:bodyPr/>
+                    <a:lstStyle/>
+                    <a:p>
+                      <a:r>
+                        <a:rPr lang="en-AU" sz="1400" dirty="0"/>
+                        <a:t>Moderate support</a:t>
+                      </a:r>
+                      <a:endParaRPr lang="en-US" sz="1400" dirty="0"/>
+                    </a:p>
+                  </a:txBody>
+                  <a:tcPr/>
+                </a:tc>
+                <a:extLst>
+                  <a:ext uri="{0D108BD9-81ED-4DB2-BD59-A6C34878D82A}">
+                    <a16:rowId xmlns:a16="http://schemas.microsoft.com/office/drawing/2014/main" val="2048073028"/>
+                  </a:ext>
+                </a:extLst>
+              </a:tr>
+              <a:tr h="370840">
+                <a:tc>
+                  <a:txBody>
+                    <a:bodyPr/>
+                    <a:lstStyle/>
+                    <a:p>
+                      <a:pPr algn="ctr"/>
+                      <a:r>
+                        <a:rPr lang="en-AU" sz="1400" dirty="0"/>
+                        <a:t>N</a:t>
+                      </a:r>
+                      <a:endParaRPr lang="en-US" sz="1400" dirty="0"/>
+                    </a:p>
+                  </a:txBody>
+                  <a:tcPr/>
+                </a:tc>
+                <a:tc>
+                  <a:txBody>
+                    <a:bodyPr/>
+                    <a:lstStyle/>
+                    <a:p>
+                      <a:r>
+                        <a:rPr lang="en-AU" sz="1400" dirty="0"/>
+                        <a:t>Strong support</a:t>
+                      </a:r>
+                      <a:endParaRPr lang="en-US" sz="1400" dirty="0"/>
+                    </a:p>
+                  </a:txBody>
+                  <a:tcPr/>
+                </a:tc>
+                <a:tc>
+                  <a:txBody>
+                    <a:bodyPr/>
+                    <a:lstStyle/>
+                    <a:p>
+                      <a:r>
+                        <a:rPr lang="en-AU" sz="1400" dirty="0"/>
+                        <a:t>Strong support</a:t>
+                      </a:r>
+                      <a:endParaRPr lang="en-US" sz="1400" dirty="0"/>
+                    </a:p>
+                  </a:txBody>
+                  <a:tcPr/>
+                </a:tc>
+                <a:extLst>
+                  <a:ext uri="{0D108BD9-81ED-4DB2-BD59-A6C34878D82A}">
+                    <a16:rowId xmlns:a16="http://schemas.microsoft.com/office/drawing/2014/main" val="1485295109"/>
+                  </a:ext>
+                </a:extLst>
+              </a:tr>
+              <a:tr h="370840">
+                <a:tc>
+                  <a:txBody>
+                    <a:bodyPr/>
+                    <a:lstStyle/>
+                    <a:p>
+                      <a:pPr algn="ctr"/>
+                      <a:r>
+                        <a:rPr lang="en-AU" sz="1400" dirty="0"/>
+                        <a:t>aggregation</a:t>
+                      </a:r>
+                      <a:endParaRPr lang="en-US" sz="1400" dirty="0"/>
+                    </a:p>
+                  </a:txBody>
+                  <a:tcPr/>
+                </a:tc>
+                <a:tc>
+                  <a:txBody>
+                    <a:bodyPr/>
+                    <a:lstStyle/>
+                    <a:p>
+                      <a:r>
+                        <a:rPr lang="en-AU" sz="1400" dirty="0"/>
+                        <a:t>No support</a:t>
+                      </a:r>
+                      <a:endParaRPr lang="en-US" sz="1400" dirty="0"/>
+                    </a:p>
+                  </a:txBody>
+                  <a:tcPr/>
+                </a:tc>
+                <a:tc>
+                  <a:txBody>
+                    <a:bodyPr/>
+                    <a:lstStyle/>
+                    <a:p>
+                      <a:r>
+                        <a:rPr lang="en-AU" sz="1400" dirty="0"/>
+                        <a:t>No support</a:t>
+                      </a:r>
+                      <a:endParaRPr lang="en-US" sz="1400" dirty="0"/>
+                    </a:p>
+                  </a:txBody>
+                  <a:tcPr/>
+                </a:tc>
+                <a:extLst>
+                  <a:ext uri="{0D108BD9-81ED-4DB2-BD59-A6C34878D82A}">
+                    <a16:rowId xmlns:a16="http://schemas.microsoft.com/office/drawing/2014/main" val="1055237482"/>
+                  </a:ext>
+                </a:extLst>
+              </a:tr>
+            </a:tbl>
+          </a:graphicData>
+        </a:graphic>
+      </p:graphicFrame>
+      <p:grpSp>
+        <p:nvGrpSpPr>
+          <p:cNvPr id="20" name="Group 19">
+            <a:extLst>
+              <a:ext uri="{FF2B5EF4-FFF2-40B4-BE49-F238E27FC236}">
+                <a16:creationId xmlns:a16="http://schemas.microsoft.com/office/drawing/2014/main" id="{E3D84A19-B085-4975-9E02-CC32590D7B91}"/>
+              </a:ext>
+            </a:extLst>
+          </p:cNvPr>
+          <p:cNvGrpSpPr/>
+          <p:nvPr/>
+        </p:nvGrpSpPr>
+        <p:grpSpPr>
+          <a:xfrm>
+            <a:off x="1460483" y="1143223"/>
+            <a:ext cx="2811555" cy="708253"/>
+            <a:chOff x="1788160" y="2194560"/>
+            <a:chExt cx="2811555" cy="708253"/>
+          </a:xfrm>
+        </p:grpSpPr>
+        <p:grpSp>
+          <p:nvGrpSpPr>
+            <p:cNvPr id="18" name="Group 17">
+              <a:extLst>
+                <a:ext uri="{FF2B5EF4-FFF2-40B4-BE49-F238E27FC236}">
+                  <a16:creationId xmlns:a16="http://schemas.microsoft.com/office/drawing/2014/main" id="{FBB2A410-9542-48B5-A045-408E6A01FCD2}"/>
+                </a:ext>
+              </a:extLst>
+            </p:cNvPr>
+            <p:cNvGrpSpPr/>
+            <p:nvPr/>
+          </p:nvGrpSpPr>
+          <p:grpSpPr>
+            <a:xfrm>
+              <a:off x="1797157" y="2283144"/>
+              <a:ext cx="2705382" cy="577081"/>
+              <a:chOff x="1797157" y="2283144"/>
+              <a:chExt cx="2705382" cy="577081"/>
+            </a:xfrm>
+          </p:grpSpPr>
+          <p:sp>
+            <p:nvSpPr>
+              <p:cNvPr id="15" name="TextBox 14">
+                <a:extLst>
+                  <a:ext uri="{FF2B5EF4-FFF2-40B4-BE49-F238E27FC236}">
+                    <a16:creationId xmlns:a16="http://schemas.microsoft.com/office/drawing/2014/main" id="{2601E2FE-57D8-43BC-A617-4BA0D4E3461E}"/>
+                  </a:ext>
+                </a:extLst>
+              </p:cNvPr>
+              <p:cNvSpPr txBox="1"/>
+              <p:nvPr/>
+            </p:nvSpPr>
+            <p:spPr>
+              <a:xfrm>
+                <a:off x="1797157" y="2283144"/>
+                <a:ext cx="1141606" cy="577081"/>
+              </a:xfrm>
+              <a:prstGeom prst="rect">
+                <a:avLst/>
+              </a:prstGeom>
+              <a:noFill/>
+            </p:spPr>
+            <p:txBody>
+              <a:bodyPr wrap="square" rtlCol="0">
+                <a:spAutoFit/>
+              </a:bodyPr>
+              <a:lstStyle/>
+              <a:p>
+                <a:pPr algn="ctr"/>
+                <a:r>
+                  <a:rPr lang="en-AU" sz="1050" dirty="0"/>
+                  <a:t>Homogenous </a:t>
+                </a:r>
+              </a:p>
+              <a:p>
+                <a:pPr algn="ctr"/>
+                <a:r>
+                  <a:rPr lang="en-AU" sz="1050" dirty="0"/>
+                  <a:t>Natural  environments</a:t>
+                </a:r>
+                <a:endParaRPr lang="en-US" sz="1050" dirty="0"/>
+              </a:p>
+            </p:txBody>
+          </p:sp>
+          <p:sp>
+            <p:nvSpPr>
+              <p:cNvPr id="16" name="Arrow: Right 15">
+                <a:extLst>
+                  <a:ext uri="{FF2B5EF4-FFF2-40B4-BE49-F238E27FC236}">
+                    <a16:creationId xmlns:a16="http://schemas.microsoft.com/office/drawing/2014/main" id="{297E2A02-3935-4631-86C4-6402021A00E0}"/>
+                  </a:ext>
+                </a:extLst>
+              </p:cNvPr>
+              <p:cNvSpPr/>
+              <p:nvPr/>
+            </p:nvSpPr>
+            <p:spPr>
+              <a:xfrm>
+                <a:off x="2947760" y="2547943"/>
+                <a:ext cx="368703" cy="107645"/>
+              </a:xfrm>
+              <a:prstGeom prst="rightArrow">
+                <a:avLst/>
+              </a:prstGeom>
+              <a:solidFill>
+                <a:schemeClr val="tx1"/>
+              </a:solidFill>
+              <a:ln>
+                <a:solidFill>
+                  <a:schemeClr val="tx1"/>
+                </a:solidFill>
+              </a:ln>
+            </p:spPr>
+            <p:style>
+              <a:lnRef idx="2">
+                <a:schemeClr val="accent1">
+                  <a:shade val="50000"/>
+                </a:schemeClr>
+              </a:lnRef>
+              <a:fillRef idx="1">
+                <a:schemeClr val="accent1"/>
+              </a:fillRef>
+              <a:effectRef idx="0">
+                <a:schemeClr val="accent1"/>
+              </a:effectRef>
+              <a:fontRef idx="minor">
+                <a:schemeClr val="lt1"/>
+              </a:fontRef>
+            </p:style>
+            <p:txBody>
+              <a:bodyPr rtlCol="0" anchor="ctr"/>
+              <a:lstStyle/>
+              <a:p>
+                <a:pPr algn="ctr"/>
+                <a:endParaRPr lang="en-US"/>
+              </a:p>
+            </p:txBody>
+          </p:sp>
+          <p:sp>
+            <p:nvSpPr>
+              <p:cNvPr id="17" name="TextBox 16">
+                <a:extLst>
+                  <a:ext uri="{FF2B5EF4-FFF2-40B4-BE49-F238E27FC236}">
+                    <a16:creationId xmlns:a16="http://schemas.microsoft.com/office/drawing/2014/main" id="{73E6C325-C31E-476F-A6D0-71116884D218}"/>
+                  </a:ext>
+                </a:extLst>
+              </p:cNvPr>
+              <p:cNvSpPr txBox="1"/>
+              <p:nvPr/>
+            </p:nvSpPr>
+            <p:spPr>
+              <a:xfrm>
+                <a:off x="3475329" y="2443679"/>
+                <a:ext cx="1027210" cy="253916"/>
+              </a:xfrm>
+              <a:prstGeom prst="rect">
+                <a:avLst/>
+              </a:prstGeom>
+              <a:noFill/>
+            </p:spPr>
+            <p:txBody>
+              <a:bodyPr wrap="square" rtlCol="0">
+                <a:spAutoFit/>
+              </a:bodyPr>
+              <a:lstStyle/>
+              <a:p>
+                <a:r>
+                  <a:rPr lang="en-AU" sz="1050" dirty="0"/>
+                  <a:t>Specialists only</a:t>
+                </a:r>
+                <a:endParaRPr lang="en-US" sz="1050" dirty="0"/>
+              </a:p>
+            </p:txBody>
+          </p:sp>
+        </p:grpSp>
+        <p:sp>
+          <p:nvSpPr>
+            <p:cNvPr id="19" name="Rectangle 18">
+              <a:extLst>
+                <a:ext uri="{FF2B5EF4-FFF2-40B4-BE49-F238E27FC236}">
+                  <a16:creationId xmlns:a16="http://schemas.microsoft.com/office/drawing/2014/main" id="{637B2259-F0EB-4404-8517-5EC6697C168B}"/>
+                </a:ext>
+              </a:extLst>
+            </p:cNvPr>
+            <p:cNvSpPr/>
+            <p:nvPr/>
+          </p:nvSpPr>
+          <p:spPr>
+            <a:xfrm>
+              <a:off x="1788160" y="2194560"/>
+              <a:ext cx="2811555" cy="708253"/>
+            </a:xfrm>
+            <a:prstGeom prst="rect">
+              <a:avLst/>
+            </a:prstGeom>
+            <a:noFill/>
+            <a:ln w="38100">
+              <a:solidFill>
+                <a:srgbClr val="00B050"/>
+              </a:solidFill>
+            </a:ln>
+          </p:spPr>
+          <p:style>
+            <a:lnRef idx="2">
+              <a:schemeClr val="accent1">
+                <a:shade val="50000"/>
+              </a:schemeClr>
+            </a:lnRef>
+            <a:fillRef idx="1">
+              <a:schemeClr val="accent1"/>
+            </a:fillRef>
+            <a:effectRef idx="0">
+              <a:schemeClr val="accent1"/>
+            </a:effectRef>
+            <a:fontRef idx="minor">
+              <a:schemeClr val="lt1"/>
+            </a:fontRef>
+          </p:style>
+          <p:txBody>
+            <a:bodyPr rtlCol="0" anchor="ctr"/>
+            <a:lstStyle/>
+            <a:p>
+              <a:pPr algn="ctr"/>
+              <a:endParaRPr lang="en-US"/>
+            </a:p>
+          </p:txBody>
+        </p:sp>
+      </p:grpSp>
+      <p:grpSp>
+        <p:nvGrpSpPr>
+          <p:cNvPr id="22" name="Group 21">
+            <a:extLst>
+              <a:ext uri="{FF2B5EF4-FFF2-40B4-BE49-F238E27FC236}">
+                <a16:creationId xmlns:a16="http://schemas.microsoft.com/office/drawing/2014/main" id="{B71CE4BB-03B2-45DD-9C9F-90F3CEAB8154}"/>
+              </a:ext>
+            </a:extLst>
+          </p:cNvPr>
+          <p:cNvGrpSpPr/>
+          <p:nvPr/>
+        </p:nvGrpSpPr>
+        <p:grpSpPr>
+          <a:xfrm>
+            <a:off x="3988222" y="166231"/>
+            <a:ext cx="2811555" cy="708253"/>
+            <a:chOff x="1788160" y="2194560"/>
+            <a:chExt cx="2811555" cy="708253"/>
+          </a:xfrm>
+        </p:grpSpPr>
+        <p:grpSp>
+          <p:nvGrpSpPr>
+            <p:cNvPr id="23" name="Group 22">
+              <a:extLst>
+                <a:ext uri="{FF2B5EF4-FFF2-40B4-BE49-F238E27FC236}">
+                  <a16:creationId xmlns:a16="http://schemas.microsoft.com/office/drawing/2014/main" id="{082A41EB-8834-4C9A-BF65-E06580EE040D}"/>
+                </a:ext>
+              </a:extLst>
+            </p:cNvPr>
+            <p:cNvGrpSpPr/>
+            <p:nvPr/>
+          </p:nvGrpSpPr>
+          <p:grpSpPr>
+            <a:xfrm>
+              <a:off x="1906307" y="2328411"/>
+              <a:ext cx="2493594" cy="425967"/>
+              <a:chOff x="1906307" y="2328411"/>
+              <a:chExt cx="2493594" cy="425967"/>
+            </a:xfrm>
+          </p:grpSpPr>
+          <p:sp>
+            <p:nvSpPr>
+              <p:cNvPr id="25" name="TextBox 24">
+                <a:extLst>
+                  <a:ext uri="{FF2B5EF4-FFF2-40B4-BE49-F238E27FC236}">
+                    <a16:creationId xmlns:a16="http://schemas.microsoft.com/office/drawing/2014/main" id="{54F35547-4EB5-42FD-BC01-C3C55629F86A}"/>
+                  </a:ext>
+                </a:extLst>
+              </p:cNvPr>
+              <p:cNvSpPr txBox="1"/>
+              <p:nvPr/>
+            </p:nvSpPr>
+            <p:spPr>
+              <a:xfrm>
+                <a:off x="1906307" y="2338880"/>
+                <a:ext cx="965091" cy="415498"/>
+              </a:xfrm>
+              <a:prstGeom prst="rect">
+                <a:avLst/>
+              </a:prstGeom>
+              <a:noFill/>
+            </p:spPr>
+            <p:txBody>
+              <a:bodyPr wrap="square" rtlCol="0">
+                <a:spAutoFit/>
+              </a:bodyPr>
+              <a:lstStyle/>
+              <a:p>
+                <a:r>
+                  <a:rPr lang="en-AU" sz="1050" dirty="0"/>
+                  <a:t>Heterogenous </a:t>
+                </a:r>
+              </a:p>
+              <a:p>
+                <a:r>
+                  <a:rPr lang="en-AU" sz="1050" dirty="0"/>
+                  <a:t>environments</a:t>
+                </a:r>
+                <a:endParaRPr lang="en-US" sz="1050" dirty="0"/>
+              </a:p>
+            </p:txBody>
+          </p:sp>
+          <p:sp>
+            <p:nvSpPr>
+              <p:cNvPr id="26" name="Arrow: Right 25">
+                <a:extLst>
+                  <a:ext uri="{FF2B5EF4-FFF2-40B4-BE49-F238E27FC236}">
+                    <a16:creationId xmlns:a16="http://schemas.microsoft.com/office/drawing/2014/main" id="{982AE73B-9261-4CD4-BD79-BB068306DE92}"/>
+                  </a:ext>
+                </a:extLst>
+              </p:cNvPr>
+              <p:cNvSpPr/>
+              <p:nvPr/>
+            </p:nvSpPr>
+            <p:spPr>
+              <a:xfrm>
+                <a:off x="2909386" y="2482993"/>
+                <a:ext cx="368703" cy="107645"/>
+              </a:xfrm>
+              <a:prstGeom prst="rightArrow">
+                <a:avLst/>
+              </a:prstGeom>
+              <a:solidFill>
+                <a:schemeClr val="tx1"/>
+              </a:solidFill>
+              <a:ln>
+                <a:solidFill>
+                  <a:schemeClr val="tx1"/>
+                </a:solidFill>
+              </a:ln>
+            </p:spPr>
+            <p:style>
+              <a:lnRef idx="2">
+                <a:schemeClr val="accent1">
+                  <a:shade val="50000"/>
+                </a:schemeClr>
+              </a:lnRef>
+              <a:fillRef idx="1">
+                <a:schemeClr val="accent1"/>
+              </a:fillRef>
+              <a:effectRef idx="0">
+                <a:schemeClr val="accent1"/>
+              </a:effectRef>
+              <a:fontRef idx="minor">
+                <a:schemeClr val="lt1"/>
+              </a:fontRef>
+            </p:style>
+            <p:txBody>
+              <a:bodyPr rtlCol="0" anchor="ctr"/>
+              <a:lstStyle/>
+              <a:p>
+                <a:pPr algn="ctr"/>
+                <a:endParaRPr lang="en-US"/>
+              </a:p>
+            </p:txBody>
+          </p:sp>
+          <p:sp>
+            <p:nvSpPr>
+              <p:cNvPr id="27" name="TextBox 26">
+                <a:extLst>
+                  <a:ext uri="{FF2B5EF4-FFF2-40B4-BE49-F238E27FC236}">
+                    <a16:creationId xmlns:a16="http://schemas.microsoft.com/office/drawing/2014/main" id="{F9CA94A9-1440-4AC2-BEAA-2E0B574020CA}"/>
+                  </a:ext>
+                </a:extLst>
+              </p:cNvPr>
+              <p:cNvSpPr txBox="1"/>
+              <p:nvPr/>
+            </p:nvSpPr>
+            <p:spPr>
+              <a:xfrm>
+                <a:off x="3381795" y="2328411"/>
+                <a:ext cx="1018106" cy="415498"/>
+              </a:xfrm>
+              <a:prstGeom prst="rect">
+                <a:avLst/>
+              </a:prstGeom>
+              <a:noFill/>
+            </p:spPr>
+            <p:txBody>
+              <a:bodyPr wrap="square" rtlCol="0">
+                <a:spAutoFit/>
+              </a:bodyPr>
+              <a:lstStyle/>
+              <a:p>
+                <a:pPr algn="ctr"/>
+                <a:r>
+                  <a:rPr lang="en-AU" sz="1050" dirty="0"/>
+                  <a:t>Specialists and</a:t>
+                </a:r>
+              </a:p>
+              <a:p>
+                <a:pPr algn="ctr"/>
+                <a:r>
+                  <a:rPr lang="en-AU" sz="1050" dirty="0"/>
+                  <a:t> generalists</a:t>
+                </a:r>
+                <a:endParaRPr lang="en-US" sz="1050" dirty="0"/>
+              </a:p>
+            </p:txBody>
+          </p:sp>
+        </p:grpSp>
+        <p:sp>
+          <p:nvSpPr>
+            <p:cNvPr id="24" name="Rectangle 23">
+              <a:extLst>
+                <a:ext uri="{FF2B5EF4-FFF2-40B4-BE49-F238E27FC236}">
+                  <a16:creationId xmlns:a16="http://schemas.microsoft.com/office/drawing/2014/main" id="{A3672FB6-AE9E-4A67-9CA3-65A9B005121E}"/>
+                </a:ext>
+              </a:extLst>
+            </p:cNvPr>
+            <p:cNvSpPr/>
+            <p:nvPr/>
+          </p:nvSpPr>
+          <p:spPr>
+            <a:xfrm>
+              <a:off x="1788160" y="2194560"/>
+              <a:ext cx="2811555" cy="708253"/>
+            </a:xfrm>
+            <a:prstGeom prst="rect">
+              <a:avLst/>
+            </a:prstGeom>
+            <a:noFill/>
+            <a:ln w="38100">
+              <a:solidFill>
+                <a:srgbClr val="00B0F0"/>
+              </a:solidFill>
+            </a:ln>
+          </p:spPr>
+          <p:style>
+            <a:lnRef idx="2">
+              <a:schemeClr val="accent1">
+                <a:shade val="50000"/>
+              </a:schemeClr>
+            </a:lnRef>
+            <a:fillRef idx="1">
+              <a:schemeClr val="accent1"/>
+            </a:fillRef>
+            <a:effectRef idx="0">
+              <a:schemeClr val="accent1"/>
+            </a:effectRef>
+            <a:fontRef idx="minor">
+              <a:schemeClr val="lt1"/>
+            </a:fontRef>
+          </p:style>
+          <p:txBody>
+            <a:bodyPr rtlCol="0" anchor="ctr"/>
+            <a:lstStyle/>
+            <a:p>
+              <a:pPr algn="ctr"/>
+              <a:endParaRPr lang="en-US"/>
+            </a:p>
+          </p:txBody>
+        </p:sp>
+      </p:grpSp>
+      <p:grpSp>
+        <p:nvGrpSpPr>
+          <p:cNvPr id="29" name="Group 28">
+            <a:extLst>
+              <a:ext uri="{FF2B5EF4-FFF2-40B4-BE49-F238E27FC236}">
+                <a16:creationId xmlns:a16="http://schemas.microsoft.com/office/drawing/2014/main" id="{D08F4F79-0EB7-4BDC-8C68-1473B6D1384D}"/>
+              </a:ext>
+            </a:extLst>
+          </p:cNvPr>
+          <p:cNvGrpSpPr/>
+          <p:nvPr/>
+        </p:nvGrpSpPr>
+        <p:grpSpPr>
+          <a:xfrm>
+            <a:off x="6577158" y="1142479"/>
+            <a:ext cx="2811555" cy="708253"/>
+            <a:chOff x="1788160" y="2194560"/>
+            <a:chExt cx="2811555" cy="708253"/>
+          </a:xfrm>
+        </p:grpSpPr>
+        <p:grpSp>
+          <p:nvGrpSpPr>
+            <p:cNvPr id="30" name="Group 29">
+              <a:extLst>
+                <a:ext uri="{FF2B5EF4-FFF2-40B4-BE49-F238E27FC236}">
+                  <a16:creationId xmlns:a16="http://schemas.microsoft.com/office/drawing/2014/main" id="{CC9333FC-ACFA-4D0A-96D4-68CFE89F4EAA}"/>
+                </a:ext>
+              </a:extLst>
+            </p:cNvPr>
+            <p:cNvGrpSpPr/>
+            <p:nvPr/>
+          </p:nvGrpSpPr>
+          <p:grpSpPr>
+            <a:xfrm>
+              <a:off x="1923738" y="2256561"/>
+              <a:ext cx="2467579" cy="590966"/>
+              <a:chOff x="1923738" y="2256561"/>
+              <a:chExt cx="2467579" cy="590966"/>
+            </a:xfrm>
+          </p:grpSpPr>
+          <p:sp>
+            <p:nvSpPr>
+              <p:cNvPr id="32" name="TextBox 31">
+                <a:extLst>
+                  <a:ext uri="{FF2B5EF4-FFF2-40B4-BE49-F238E27FC236}">
+                    <a16:creationId xmlns:a16="http://schemas.microsoft.com/office/drawing/2014/main" id="{649F27E5-E360-40F6-A8EA-3B9EC1C2A123}"/>
+                  </a:ext>
+                </a:extLst>
+              </p:cNvPr>
+              <p:cNvSpPr txBox="1"/>
+              <p:nvPr/>
+            </p:nvSpPr>
+            <p:spPr>
+              <a:xfrm>
+                <a:off x="1923738" y="2256561"/>
+                <a:ext cx="965091" cy="577081"/>
+              </a:xfrm>
+              <a:prstGeom prst="rect">
+                <a:avLst/>
+              </a:prstGeom>
+              <a:noFill/>
+            </p:spPr>
+            <p:txBody>
+              <a:bodyPr wrap="square" rtlCol="0">
+                <a:spAutoFit/>
+              </a:bodyPr>
+              <a:lstStyle/>
+              <a:p>
+                <a:pPr algn="ctr"/>
+                <a:r>
+                  <a:rPr lang="en-AU" sz="1050" dirty="0"/>
+                  <a:t>Homogenous urban </a:t>
+                </a:r>
+              </a:p>
+              <a:p>
+                <a:pPr algn="ctr"/>
+                <a:r>
+                  <a:rPr lang="en-AU" sz="1050" dirty="0"/>
+                  <a:t>environments</a:t>
+                </a:r>
+                <a:endParaRPr lang="en-US" sz="1050" dirty="0"/>
+              </a:p>
+            </p:txBody>
+          </p:sp>
+          <p:sp>
+            <p:nvSpPr>
+              <p:cNvPr id="33" name="Arrow: Right 32">
+                <a:extLst>
+                  <a:ext uri="{FF2B5EF4-FFF2-40B4-BE49-F238E27FC236}">
+                    <a16:creationId xmlns:a16="http://schemas.microsoft.com/office/drawing/2014/main" id="{02988CE3-0F45-4252-B093-658342AB0511}"/>
+                  </a:ext>
+                </a:extLst>
+              </p:cNvPr>
+              <p:cNvSpPr/>
+              <p:nvPr/>
+            </p:nvSpPr>
+            <p:spPr>
+              <a:xfrm>
+                <a:off x="2956475" y="2515351"/>
+                <a:ext cx="368703" cy="107645"/>
+              </a:xfrm>
+              <a:prstGeom prst="rightArrow">
+                <a:avLst/>
+              </a:prstGeom>
+              <a:solidFill>
+                <a:schemeClr val="tx1"/>
+              </a:solidFill>
+              <a:ln>
+                <a:solidFill>
+                  <a:schemeClr val="tx1"/>
+                </a:solidFill>
+              </a:ln>
+            </p:spPr>
+            <p:style>
+              <a:lnRef idx="2">
+                <a:schemeClr val="accent1">
+                  <a:shade val="50000"/>
+                </a:schemeClr>
+              </a:lnRef>
+              <a:fillRef idx="1">
+                <a:schemeClr val="accent1"/>
+              </a:fillRef>
+              <a:effectRef idx="0">
+                <a:schemeClr val="accent1"/>
+              </a:effectRef>
+              <a:fontRef idx="minor">
+                <a:schemeClr val="lt1"/>
+              </a:fontRef>
+            </p:style>
+            <p:txBody>
+              <a:bodyPr rtlCol="0" anchor="ctr"/>
+              <a:lstStyle/>
+              <a:p>
+                <a:pPr algn="ctr"/>
+                <a:endParaRPr lang="en-US"/>
+              </a:p>
+            </p:txBody>
+          </p:sp>
+          <p:sp>
+            <p:nvSpPr>
+              <p:cNvPr id="34" name="TextBox 33">
+                <a:extLst>
+                  <a:ext uri="{FF2B5EF4-FFF2-40B4-BE49-F238E27FC236}">
+                    <a16:creationId xmlns:a16="http://schemas.microsoft.com/office/drawing/2014/main" id="{562F9E43-1831-4CAB-8E5A-38723F6DFE03}"/>
+                  </a:ext>
+                </a:extLst>
+              </p:cNvPr>
+              <p:cNvSpPr txBox="1"/>
+              <p:nvPr/>
+            </p:nvSpPr>
+            <p:spPr>
+              <a:xfrm>
+                <a:off x="3426225" y="2270446"/>
+                <a:ext cx="965092" cy="577081"/>
+              </a:xfrm>
+              <a:prstGeom prst="rect">
+                <a:avLst/>
+              </a:prstGeom>
+              <a:noFill/>
+            </p:spPr>
+            <p:txBody>
+              <a:bodyPr wrap="square" rtlCol="0">
+                <a:spAutoFit/>
+              </a:bodyPr>
+              <a:lstStyle/>
+              <a:p>
+                <a:pPr algn="ctr"/>
+                <a:r>
+                  <a:rPr lang="en-AU" sz="1050" dirty="0"/>
+                  <a:t>Extreme </a:t>
+                </a:r>
+              </a:p>
+              <a:p>
+                <a:pPr algn="ctr"/>
+                <a:r>
+                  <a:rPr lang="en-AU" sz="1050" dirty="0"/>
+                  <a:t>generalists only</a:t>
+                </a:r>
+                <a:endParaRPr lang="en-US" sz="1050" dirty="0"/>
+              </a:p>
+            </p:txBody>
+          </p:sp>
+        </p:grpSp>
+        <p:sp>
+          <p:nvSpPr>
+            <p:cNvPr id="31" name="Rectangle 30">
+              <a:extLst>
+                <a:ext uri="{FF2B5EF4-FFF2-40B4-BE49-F238E27FC236}">
+                  <a16:creationId xmlns:a16="http://schemas.microsoft.com/office/drawing/2014/main" id="{60E85762-E20C-4C1B-BC56-B8B046E5D75E}"/>
+                </a:ext>
+              </a:extLst>
+            </p:cNvPr>
+            <p:cNvSpPr/>
+            <p:nvPr/>
+          </p:nvSpPr>
+          <p:spPr>
+            <a:xfrm>
+              <a:off x="1788160" y="2194560"/>
+              <a:ext cx="2811555" cy="708253"/>
+            </a:xfrm>
+            <a:prstGeom prst="rect">
+              <a:avLst/>
+            </a:prstGeom>
+            <a:noFill/>
+            <a:ln w="38100">
+              <a:solidFill>
+                <a:srgbClr val="FF0000"/>
+              </a:solidFill>
+            </a:ln>
+          </p:spPr>
+          <p:style>
+            <a:lnRef idx="2">
+              <a:schemeClr val="accent1">
+                <a:shade val="50000"/>
+              </a:schemeClr>
+            </a:lnRef>
+            <a:fillRef idx="1">
+              <a:schemeClr val="accent1"/>
+            </a:fillRef>
+            <a:effectRef idx="0">
+              <a:schemeClr val="accent1"/>
+            </a:effectRef>
+            <a:fontRef idx="minor">
+              <a:schemeClr val="lt1"/>
+            </a:fontRef>
+          </p:style>
+          <p:txBody>
+            <a:bodyPr rtlCol="0" anchor="ctr"/>
+            <a:lstStyle/>
+            <a:p>
+              <a:pPr algn="ctr"/>
+              <a:endParaRPr lang="en-US"/>
+            </a:p>
+          </p:txBody>
+        </p:sp>
+      </p:grpSp>
+      <p:grpSp>
+        <p:nvGrpSpPr>
+          <p:cNvPr id="37" name="Group 36">
+            <a:extLst>
+              <a:ext uri="{FF2B5EF4-FFF2-40B4-BE49-F238E27FC236}">
+                <a16:creationId xmlns:a16="http://schemas.microsoft.com/office/drawing/2014/main" id="{CCD443A9-52E6-4BF2-BE6F-166362441A4F}"/>
+              </a:ext>
+            </a:extLst>
+          </p:cNvPr>
+          <p:cNvGrpSpPr/>
+          <p:nvPr/>
+        </p:nvGrpSpPr>
+        <p:grpSpPr>
+          <a:xfrm>
+            <a:off x="3271974" y="1780632"/>
+            <a:ext cx="3598971" cy="2542347"/>
+            <a:chOff x="3149987" y="1687897"/>
+            <a:chExt cx="3598971" cy="2542347"/>
+          </a:xfrm>
+        </p:grpSpPr>
+        <p:grpSp>
+          <p:nvGrpSpPr>
+            <p:cNvPr id="5" name="Group 4">
+              <a:extLst>
+                <a:ext uri="{FF2B5EF4-FFF2-40B4-BE49-F238E27FC236}">
+                  <a16:creationId xmlns:a16="http://schemas.microsoft.com/office/drawing/2014/main" id="{BC825E55-C179-4EF7-96C5-3551D3EA4947}"/>
+                </a:ext>
+              </a:extLst>
+            </p:cNvPr>
+            <p:cNvGrpSpPr/>
+            <p:nvPr/>
+          </p:nvGrpSpPr>
+          <p:grpSpPr>
+            <a:xfrm>
+              <a:off x="3149987" y="1687897"/>
+              <a:ext cx="3501440" cy="2542347"/>
+              <a:chOff x="7879875" y="3977716"/>
+              <a:chExt cx="3152887" cy="2032471"/>
+            </a:xfrm>
+          </p:grpSpPr>
+          <p:sp>
+            <p:nvSpPr>
+              <p:cNvPr id="6" name="Freeform: Shape 5">
+                <a:extLst>
+                  <a:ext uri="{FF2B5EF4-FFF2-40B4-BE49-F238E27FC236}">
+                    <a16:creationId xmlns:a16="http://schemas.microsoft.com/office/drawing/2014/main" id="{E69CC4C5-80CB-4790-AA60-2A195ACC3D60}"/>
+                  </a:ext>
+                </a:extLst>
+              </p:cNvPr>
+              <p:cNvSpPr/>
+              <p:nvPr/>
+            </p:nvSpPr>
+            <p:spPr>
+              <a:xfrm>
+                <a:off x="8620839" y="4320109"/>
+                <a:ext cx="2319801" cy="802268"/>
+              </a:xfrm>
+              <a:custGeom>
+                <a:avLst/>
+                <a:gdLst>
+                  <a:gd name="connsiteX0" fmla="*/ 0 w 1400785"/>
+                  <a:gd name="connsiteY0" fmla="*/ 982850 h 1005435"/>
+                  <a:gd name="connsiteX1" fmla="*/ 238125 w 1400785"/>
+                  <a:gd name="connsiteY1" fmla="*/ 468500 h 1005435"/>
+                  <a:gd name="connsiteX2" fmla="*/ 466725 w 1400785"/>
+                  <a:gd name="connsiteY2" fmla="*/ 58925 h 1005435"/>
+                  <a:gd name="connsiteX3" fmla="*/ 733425 w 1400785"/>
+                  <a:gd name="connsiteY3" fmla="*/ 1775 h 1005435"/>
+                  <a:gd name="connsiteX4" fmla="*/ 952500 w 1400785"/>
+                  <a:gd name="connsiteY4" fmla="*/ 49400 h 1005435"/>
+                  <a:gd name="connsiteX5" fmla="*/ 1152525 w 1400785"/>
+                  <a:gd name="connsiteY5" fmla="*/ 344675 h 1005435"/>
+                  <a:gd name="connsiteX6" fmla="*/ 1362075 w 1400785"/>
+                  <a:gd name="connsiteY6" fmla="*/ 906650 h 1005435"/>
+                  <a:gd name="connsiteX7" fmla="*/ 1400175 w 1400785"/>
+                  <a:gd name="connsiteY7" fmla="*/ 1001900 h 1005435"/>
+                </a:gdLst>
+                <a:ahLst/>
+                <a:cxnLst>
+                  <a:cxn ang="0">
+                    <a:pos x="connsiteX0" y="connsiteY0"/>
+                  </a:cxn>
+                  <a:cxn ang="0">
+                    <a:pos x="connsiteX1" y="connsiteY1"/>
+                  </a:cxn>
+                  <a:cxn ang="0">
+                    <a:pos x="connsiteX2" y="connsiteY2"/>
+                  </a:cxn>
+                  <a:cxn ang="0">
+                    <a:pos x="connsiteX3" y="connsiteY3"/>
+                  </a:cxn>
+                  <a:cxn ang="0">
+                    <a:pos x="connsiteX4" y="connsiteY4"/>
+                  </a:cxn>
+                  <a:cxn ang="0">
+                    <a:pos x="connsiteX5" y="connsiteY5"/>
+                  </a:cxn>
+                  <a:cxn ang="0">
+                    <a:pos x="connsiteX6" y="connsiteY6"/>
+                  </a:cxn>
+                  <a:cxn ang="0">
+                    <a:pos x="connsiteX7" y="connsiteY7"/>
+                  </a:cxn>
+                </a:cxnLst>
+                <a:rect l="l" t="t" r="r" b="b"/>
+                <a:pathLst>
+                  <a:path w="1400785" h="1005435">
+                    <a:moveTo>
+                      <a:pt x="0" y="982850"/>
+                    </a:moveTo>
+                    <a:cubicBezTo>
+                      <a:pt x="80169" y="802668"/>
+                      <a:pt x="160338" y="622487"/>
+                      <a:pt x="238125" y="468500"/>
+                    </a:cubicBezTo>
+                    <a:cubicBezTo>
+                      <a:pt x="315912" y="314513"/>
+                      <a:pt x="384175" y="136712"/>
+                      <a:pt x="466725" y="58925"/>
+                    </a:cubicBezTo>
+                    <a:cubicBezTo>
+                      <a:pt x="549275" y="-18863"/>
+                      <a:pt x="652463" y="3362"/>
+                      <a:pt x="733425" y="1775"/>
+                    </a:cubicBezTo>
+                    <a:cubicBezTo>
+                      <a:pt x="814387" y="188"/>
+                      <a:pt x="882650" y="-7750"/>
+                      <a:pt x="952500" y="49400"/>
+                    </a:cubicBezTo>
+                    <a:cubicBezTo>
+                      <a:pt x="1022350" y="106550"/>
+                      <a:pt x="1084263" y="201800"/>
+                      <a:pt x="1152525" y="344675"/>
+                    </a:cubicBezTo>
+                    <a:cubicBezTo>
+                      <a:pt x="1220787" y="487550"/>
+                      <a:pt x="1320800" y="797112"/>
+                      <a:pt x="1362075" y="906650"/>
+                    </a:cubicBezTo>
+                    <a:cubicBezTo>
+                      <a:pt x="1403350" y="1016188"/>
+                      <a:pt x="1401762" y="1009044"/>
+                      <a:pt x="1400175" y="1001900"/>
+                    </a:cubicBezTo>
+                  </a:path>
+                </a:pathLst>
+              </a:custGeom>
+              <a:noFill/>
+              <a:ln w="28575">
+                <a:solidFill>
+                  <a:schemeClr val="tx1"/>
+                </a:solidFill>
+              </a:ln>
+            </p:spPr>
+            <p:style>
+              <a:lnRef idx="2">
+                <a:schemeClr val="accent1">
+                  <a:shade val="50000"/>
+                </a:schemeClr>
+              </a:lnRef>
+              <a:fillRef idx="1">
+                <a:schemeClr val="accent1"/>
+              </a:fillRef>
+              <a:effectRef idx="0">
+                <a:schemeClr val="accent1"/>
+              </a:effectRef>
+              <a:fontRef idx="minor">
+                <a:schemeClr val="lt1"/>
+              </a:fontRef>
+            </p:style>
+            <p:txBody>
+              <a:bodyPr rtlCol="0" anchor="ctr"/>
+              <a:lstStyle/>
+              <a:p>
+                <a:pPr algn="ctr"/>
+                <a:endParaRPr lang="en-US" dirty="0"/>
+              </a:p>
+            </p:txBody>
+          </p:sp>
+          <p:grpSp>
+            <p:nvGrpSpPr>
+              <p:cNvPr id="7" name="Group 6">
+                <a:extLst>
+                  <a:ext uri="{FF2B5EF4-FFF2-40B4-BE49-F238E27FC236}">
+                    <a16:creationId xmlns:a16="http://schemas.microsoft.com/office/drawing/2014/main" id="{0E50D9DD-4DD7-4432-B37D-09D210E0DBE0}"/>
+                  </a:ext>
+                </a:extLst>
+              </p:cNvPr>
+              <p:cNvGrpSpPr/>
+              <p:nvPr/>
+            </p:nvGrpSpPr>
+            <p:grpSpPr>
+              <a:xfrm>
+                <a:off x="7879875" y="3977716"/>
+                <a:ext cx="3152887" cy="2032471"/>
+                <a:chOff x="6181044" y="925263"/>
+                <a:chExt cx="3152887" cy="2032471"/>
+              </a:xfrm>
+            </p:grpSpPr>
+            <p:grpSp>
+              <p:nvGrpSpPr>
+                <p:cNvPr id="8" name="Group 7">
+                  <a:extLst>
+                    <a:ext uri="{FF2B5EF4-FFF2-40B4-BE49-F238E27FC236}">
+                      <a16:creationId xmlns:a16="http://schemas.microsoft.com/office/drawing/2014/main" id="{16015CBE-A00A-42A8-AA46-56B27AFDA840}"/>
+                    </a:ext>
+                  </a:extLst>
+                </p:cNvPr>
+                <p:cNvGrpSpPr/>
+                <p:nvPr/>
+              </p:nvGrpSpPr>
+              <p:grpSpPr>
+                <a:xfrm>
+                  <a:off x="6181044" y="925263"/>
+                  <a:ext cx="3152887" cy="1697703"/>
+                  <a:chOff x="6242334" y="1008265"/>
+                  <a:chExt cx="1858031" cy="1158446"/>
+                </a:xfrm>
+              </p:grpSpPr>
+              <p:cxnSp>
+                <p:nvCxnSpPr>
+                  <p:cNvPr id="10" name="Straight Arrow Connector 9">
+                    <a:extLst>
+                      <a:ext uri="{FF2B5EF4-FFF2-40B4-BE49-F238E27FC236}">
+                        <a16:creationId xmlns:a16="http://schemas.microsoft.com/office/drawing/2014/main" id="{704F3908-C7DE-4F89-9EDC-458AC0F1D35D}"/>
+                      </a:ext>
+                    </a:extLst>
+                  </p:cNvPr>
+                  <p:cNvCxnSpPr>
+                    <a:cxnSpLocks/>
+                  </p:cNvCxnSpPr>
+                  <p:nvPr/>
+                </p:nvCxnSpPr>
+                <p:spPr>
+                  <a:xfrm>
+                    <a:off x="6564796" y="2162551"/>
+                    <a:ext cx="1535569" cy="0"/>
+                  </a:xfrm>
+                  <a:prstGeom prst="straightConnector1">
+                    <a:avLst/>
+                  </a:prstGeom>
+                  <a:ln w="28575">
+                    <a:solidFill>
+                      <a:schemeClr val="tx1"/>
+                    </a:solidFill>
+                    <a:headEnd type="none" w="med" len="med"/>
+                    <a:tailEnd type="none" w="med" len="med"/>
+                  </a:ln>
+                </p:spPr>
+                <p:style>
+                  <a:lnRef idx="1">
+                    <a:schemeClr val="accent1"/>
+                  </a:lnRef>
+                  <a:fillRef idx="0">
+                    <a:schemeClr val="accent1"/>
+                  </a:fillRef>
+                  <a:effectRef idx="0">
+                    <a:schemeClr val="accent1"/>
+                  </a:effectRef>
+                  <a:fontRef idx="minor">
+                    <a:schemeClr val="tx1"/>
+                  </a:fontRef>
+                </p:style>
+              </p:cxnSp>
+              <p:cxnSp>
+                <p:nvCxnSpPr>
+                  <p:cNvPr id="11" name="Straight Arrow Connector 10">
+                    <a:extLst>
+                      <a:ext uri="{FF2B5EF4-FFF2-40B4-BE49-F238E27FC236}">
+                        <a16:creationId xmlns:a16="http://schemas.microsoft.com/office/drawing/2014/main" id="{289DC8CD-D16E-4A14-8FC6-E550E736B594}"/>
+                      </a:ext>
+                    </a:extLst>
+                  </p:cNvPr>
+                  <p:cNvCxnSpPr>
+                    <a:cxnSpLocks/>
+                  </p:cNvCxnSpPr>
+                  <p:nvPr/>
+                </p:nvCxnSpPr>
+                <p:spPr>
+                  <a:xfrm flipH="1" flipV="1">
+                    <a:off x="6556814" y="1162177"/>
+                    <a:ext cx="3828" cy="1004534"/>
+                  </a:xfrm>
+                  <a:prstGeom prst="straightConnector1">
+                    <a:avLst/>
+                  </a:prstGeom>
+                  <a:ln w="28575">
+                    <a:solidFill>
+                      <a:schemeClr val="tx1"/>
+                    </a:solidFill>
+                    <a:headEnd type="none" w="med" len="med"/>
+                    <a:tailEnd type="none" w="med" len="med"/>
+                  </a:ln>
+                </p:spPr>
+                <p:style>
+                  <a:lnRef idx="1">
+                    <a:schemeClr val="accent1"/>
+                  </a:lnRef>
+                  <a:fillRef idx="0">
+                    <a:schemeClr val="accent1"/>
+                  </a:fillRef>
+                  <a:effectRef idx="0">
+                    <a:schemeClr val="accent1"/>
+                  </a:effectRef>
+                  <a:fontRef idx="minor">
+                    <a:schemeClr val="tx1"/>
+                  </a:fontRef>
+                </p:style>
+              </p:cxnSp>
+              <p:sp>
+                <p:nvSpPr>
+                  <p:cNvPr id="12" name="TextBox 11">
+                    <a:extLst>
+                      <a:ext uri="{FF2B5EF4-FFF2-40B4-BE49-F238E27FC236}">
+                        <a16:creationId xmlns:a16="http://schemas.microsoft.com/office/drawing/2014/main" id="{B8C4DEE6-17D1-4BA3-B797-9759947EB1AD}"/>
+                      </a:ext>
+                    </a:extLst>
+                  </p:cNvPr>
+                  <p:cNvSpPr txBox="1"/>
+                  <p:nvPr/>
+                </p:nvSpPr>
+                <p:spPr>
+                  <a:xfrm rot="16200000">
+                    <a:off x="5994349" y="1256250"/>
+                    <a:ext cx="772969" cy="276999"/>
+                  </a:xfrm>
+                  <a:prstGeom prst="rect">
+                    <a:avLst/>
+                  </a:prstGeom>
+                  <a:noFill/>
+                  <a:ln>
+                    <a:noFill/>
+                    <a:headEnd type="none" w="med" len="med"/>
+                    <a:tailEnd type="none" w="med" len="med"/>
+                  </a:ln>
+                </p:spPr>
+                <p:txBody>
+                  <a:bodyPr wrap="none" rtlCol="0">
+                    <a:spAutoFit/>
+                  </a:bodyPr>
+                  <a:lstStyle/>
+                  <a:p>
+                    <a:r>
+                      <a:rPr lang="en-US" sz="1200" dirty="0">
+                        <a:latin typeface="Arial" panose="020B0604020202020204" pitchFamily="34" charset="0"/>
+                        <a:cs typeface="Arial" panose="020B0604020202020204" pitchFamily="34" charset="0"/>
+                      </a:rPr>
+                      <a:t>Diversity</a:t>
+                    </a:r>
+                  </a:p>
+                </p:txBody>
+              </p:sp>
+            </p:grpSp>
+            <p:sp>
+              <p:nvSpPr>
+                <p:cNvPr id="9" name="TextBox 8">
+                  <a:extLst>
+                    <a:ext uri="{FF2B5EF4-FFF2-40B4-BE49-F238E27FC236}">
+                      <a16:creationId xmlns:a16="http://schemas.microsoft.com/office/drawing/2014/main" id="{8D118249-4DBC-4879-8D9D-49A855879C4C}"/>
+                    </a:ext>
+                  </a:extLst>
+                </p:cNvPr>
+                <p:cNvSpPr txBox="1"/>
+                <p:nvPr/>
+              </p:nvSpPr>
+              <p:spPr>
+                <a:xfrm>
+                  <a:off x="7283898" y="2680735"/>
+                  <a:ext cx="1598515" cy="276999"/>
+                </a:xfrm>
+                <a:prstGeom prst="rect">
+                  <a:avLst/>
+                </a:prstGeom>
+                <a:noFill/>
+                <a:ln>
+                  <a:noFill/>
+                  <a:headEnd type="none" w="med" len="med"/>
+                  <a:tailEnd type="none" w="med" len="med"/>
+                </a:ln>
+              </p:spPr>
+              <p:txBody>
+                <a:bodyPr wrap="none" rtlCol="0">
+                  <a:spAutoFit/>
+                </a:bodyPr>
+                <a:lstStyle/>
+                <a:p>
+                  <a:r>
+                    <a:rPr lang="en-US" sz="1200" dirty="0">
+                      <a:latin typeface="Arial" panose="020B0604020202020204" pitchFamily="34" charset="0"/>
+                      <a:cs typeface="Arial" panose="020B0604020202020204" pitchFamily="34" charset="0"/>
+                    </a:rPr>
+                    <a:t>Modification gradient</a:t>
+                  </a:r>
+                </a:p>
+              </p:txBody>
+            </p:sp>
+          </p:grpSp>
+        </p:grpSp>
+        <p:sp>
+          <p:nvSpPr>
+            <p:cNvPr id="59" name="Oval 58">
+              <a:extLst>
+                <a:ext uri="{FF2B5EF4-FFF2-40B4-BE49-F238E27FC236}">
+                  <a16:creationId xmlns:a16="http://schemas.microsoft.com/office/drawing/2014/main" id="{7A09A170-F278-4ABD-B247-11A7D7BA73B1}"/>
+                </a:ext>
+              </a:extLst>
+            </p:cNvPr>
+            <p:cNvSpPr/>
+            <p:nvPr/>
+          </p:nvSpPr>
+          <p:spPr>
+            <a:xfrm>
+              <a:off x="3792585" y="2476075"/>
+              <a:ext cx="694115" cy="759739"/>
+            </a:xfrm>
+            <a:prstGeom prst="ellipse">
+              <a:avLst/>
+            </a:prstGeom>
+            <a:noFill/>
+            <a:ln w="38100">
+              <a:solidFill>
+                <a:srgbClr val="00B050"/>
+              </a:solidFill>
+            </a:ln>
+          </p:spPr>
+          <p:style>
+            <a:lnRef idx="2">
+              <a:schemeClr val="accent1">
+                <a:shade val="50000"/>
+              </a:schemeClr>
+            </a:lnRef>
+            <a:fillRef idx="1">
+              <a:schemeClr val="accent1"/>
+            </a:fillRef>
+            <a:effectRef idx="0">
+              <a:schemeClr val="accent1"/>
+            </a:effectRef>
+            <a:fontRef idx="minor">
+              <a:schemeClr val="lt1"/>
+            </a:fontRef>
+          </p:style>
+          <p:txBody>
+            <a:bodyPr rtlCol="0" anchor="ctr"/>
+            <a:lstStyle/>
+            <a:p>
+              <a:pPr algn="ctr"/>
+              <a:endParaRPr lang="en-US"/>
+            </a:p>
+          </p:txBody>
+        </p:sp>
+        <p:sp>
+          <p:nvSpPr>
+            <p:cNvPr id="76" name="Oval 75">
+              <a:extLst>
+                <a:ext uri="{FF2B5EF4-FFF2-40B4-BE49-F238E27FC236}">
+                  <a16:creationId xmlns:a16="http://schemas.microsoft.com/office/drawing/2014/main" id="{75411870-776C-46FF-9CDC-EB9493EA76BF}"/>
+                </a:ext>
+              </a:extLst>
+            </p:cNvPr>
+            <p:cNvSpPr/>
+            <p:nvPr/>
+          </p:nvSpPr>
+          <p:spPr>
+            <a:xfrm>
+              <a:off x="4923714" y="1788241"/>
+              <a:ext cx="694115" cy="759739"/>
+            </a:xfrm>
+            <a:prstGeom prst="ellipse">
+              <a:avLst/>
+            </a:prstGeom>
+            <a:noFill/>
+            <a:ln w="38100">
+              <a:solidFill>
+                <a:srgbClr val="00B0F0"/>
+              </a:solidFill>
+            </a:ln>
+          </p:spPr>
+          <p:style>
+            <a:lnRef idx="2">
+              <a:schemeClr val="accent1">
+                <a:shade val="50000"/>
+              </a:schemeClr>
+            </a:lnRef>
+            <a:fillRef idx="1">
+              <a:schemeClr val="accent1"/>
+            </a:fillRef>
+            <a:effectRef idx="0">
+              <a:schemeClr val="accent1"/>
+            </a:effectRef>
+            <a:fontRef idx="minor">
+              <a:schemeClr val="lt1"/>
+            </a:fontRef>
+          </p:style>
+          <p:txBody>
+            <a:bodyPr rtlCol="0" anchor="ctr"/>
+            <a:lstStyle/>
+            <a:p>
+              <a:pPr algn="ctr"/>
+              <a:endParaRPr lang="en-US"/>
+            </a:p>
+          </p:txBody>
+        </p:sp>
+        <p:sp>
+          <p:nvSpPr>
+            <p:cNvPr id="77" name="Oval 76">
+              <a:extLst>
+                <a:ext uri="{FF2B5EF4-FFF2-40B4-BE49-F238E27FC236}">
+                  <a16:creationId xmlns:a16="http://schemas.microsoft.com/office/drawing/2014/main" id="{06ABCA37-1F1F-44DB-ADE3-C939104A9256}"/>
+                </a:ext>
+              </a:extLst>
+            </p:cNvPr>
+            <p:cNvSpPr/>
+            <p:nvPr/>
+          </p:nvSpPr>
+          <p:spPr>
+            <a:xfrm>
+              <a:off x="6054843" y="2489808"/>
+              <a:ext cx="694115" cy="759739"/>
+            </a:xfrm>
+            <a:prstGeom prst="ellipse">
+              <a:avLst/>
+            </a:prstGeom>
+            <a:noFill/>
+            <a:ln w="38100">
+              <a:solidFill>
+                <a:srgbClr val="FF0000"/>
+              </a:solidFill>
+            </a:ln>
+          </p:spPr>
+          <p:style>
+            <a:lnRef idx="2">
+              <a:schemeClr val="accent1">
+                <a:shade val="50000"/>
+              </a:schemeClr>
+            </a:lnRef>
+            <a:fillRef idx="1">
+              <a:schemeClr val="accent1"/>
+            </a:fillRef>
+            <a:effectRef idx="0">
+              <a:schemeClr val="accent1"/>
+            </a:effectRef>
+            <a:fontRef idx="minor">
+              <a:schemeClr val="lt1"/>
+            </a:fontRef>
+          </p:style>
+          <p:txBody>
+            <a:bodyPr rtlCol="0" anchor="ctr"/>
+            <a:lstStyle/>
+            <a:p>
+              <a:pPr algn="ctr"/>
+              <a:endParaRPr lang="en-US"/>
+            </a:p>
+          </p:txBody>
+        </p:sp>
+      </p:grpSp>
+    </p:spTree>
+    <p:extLst>
+      <p:ext uri="{BB962C8B-B14F-4D97-AF65-F5344CB8AC3E}">
+        <p14:creationId xmlns:p14="http://schemas.microsoft.com/office/powerpoint/2010/main" val="1924185166"/>
+      </p:ext>
+    </p:extLst>
+  </p:cSld>
+  <p:clrMapOvr>
+    <a:masterClrMapping/>
+  </p:clrMapOvr>
+</p:sld>
+</file>
+
+<file path=ppt/slides/slide4.xml><?xml version="1.0" encoding="utf-8"?>
 <p:sld xmlns:a="http://schemas.openxmlformats.org/drawingml/2006/main" xmlns:r="http://schemas.openxmlformats.org/officeDocument/2006/relationships" xmlns:p="http://schemas.openxmlformats.org/presentationml/2006/main">
   <p:cSld>
     <p:spTree>

--- a/Figures/Figure_4 stuff.pptx
+++ b/Figures/Figure_4 stuff.pptx
@@ -8,7 +8,9 @@
     <p:sldId id="256" r:id="rId2"/>
     <p:sldId id="257" r:id="rId3"/>
     <p:sldId id="259" r:id="rId4"/>
-    <p:sldId id="258" r:id="rId5"/>
+    <p:sldId id="260" r:id="rId5"/>
+    <p:sldId id="261" r:id="rId6"/>
+    <p:sldId id="258" r:id="rId7"/>
   </p:sldIdLst>
   <p:sldSz cx="12192000" cy="6858000"/>
   <p:notesSz cx="6858000" cy="9144000"/>
@@ -262,7 +264,7 @@
           <a:p>
             <a:fld id="{DA0DD2D3-C15B-4332-819D-E2F7B9035237}" type="datetimeFigureOut">
               <a:rPr lang="en-US" smtClean="0"/>
-              <a:t>10/12/2021</a:t>
+              <a:t>12/16/2021</a:t>
             </a:fld>
             <a:endParaRPr lang="en-US"/>
           </a:p>
@@ -460,7 +462,7 @@
           <a:p>
             <a:fld id="{DA0DD2D3-C15B-4332-819D-E2F7B9035237}" type="datetimeFigureOut">
               <a:rPr lang="en-US" smtClean="0"/>
-              <a:t>10/12/2021</a:t>
+              <a:t>12/16/2021</a:t>
             </a:fld>
             <a:endParaRPr lang="en-US"/>
           </a:p>
@@ -668,7 +670,7 @@
           <a:p>
             <a:fld id="{DA0DD2D3-C15B-4332-819D-E2F7B9035237}" type="datetimeFigureOut">
               <a:rPr lang="en-US" smtClean="0"/>
-              <a:t>10/12/2021</a:t>
+              <a:t>12/16/2021</a:t>
             </a:fld>
             <a:endParaRPr lang="en-US"/>
           </a:p>
@@ -866,7 +868,7 @@
           <a:p>
             <a:fld id="{DA0DD2D3-C15B-4332-819D-E2F7B9035237}" type="datetimeFigureOut">
               <a:rPr lang="en-US" smtClean="0"/>
-              <a:t>10/12/2021</a:t>
+              <a:t>12/16/2021</a:t>
             </a:fld>
             <a:endParaRPr lang="en-US"/>
           </a:p>
@@ -1141,7 +1143,7 @@
           <a:p>
             <a:fld id="{DA0DD2D3-C15B-4332-819D-E2F7B9035237}" type="datetimeFigureOut">
               <a:rPr lang="en-US" smtClean="0"/>
-              <a:t>10/12/2021</a:t>
+              <a:t>12/16/2021</a:t>
             </a:fld>
             <a:endParaRPr lang="en-US"/>
           </a:p>
@@ -1406,7 +1408,7 @@
           <a:p>
             <a:fld id="{DA0DD2D3-C15B-4332-819D-E2F7B9035237}" type="datetimeFigureOut">
               <a:rPr lang="en-US" smtClean="0"/>
-              <a:t>10/12/2021</a:t>
+              <a:t>12/16/2021</a:t>
             </a:fld>
             <a:endParaRPr lang="en-US"/>
           </a:p>
@@ -1818,7 +1820,7 @@
           <a:p>
             <a:fld id="{DA0DD2D3-C15B-4332-819D-E2F7B9035237}" type="datetimeFigureOut">
               <a:rPr lang="en-US" smtClean="0"/>
-              <a:t>10/12/2021</a:t>
+              <a:t>12/16/2021</a:t>
             </a:fld>
             <a:endParaRPr lang="en-US"/>
           </a:p>
@@ -1959,7 +1961,7 @@
           <a:p>
             <a:fld id="{DA0DD2D3-C15B-4332-819D-E2F7B9035237}" type="datetimeFigureOut">
               <a:rPr lang="en-US" smtClean="0"/>
-              <a:t>10/12/2021</a:t>
+              <a:t>12/16/2021</a:t>
             </a:fld>
             <a:endParaRPr lang="en-US"/>
           </a:p>
@@ -2072,7 +2074,7 @@
           <a:p>
             <a:fld id="{DA0DD2D3-C15B-4332-819D-E2F7B9035237}" type="datetimeFigureOut">
               <a:rPr lang="en-US" smtClean="0"/>
-              <a:t>10/12/2021</a:t>
+              <a:t>12/16/2021</a:t>
             </a:fld>
             <a:endParaRPr lang="en-US"/>
           </a:p>
@@ -2383,7 +2385,7 @@
           <a:p>
             <a:fld id="{DA0DD2D3-C15B-4332-819D-E2F7B9035237}" type="datetimeFigureOut">
               <a:rPr lang="en-US" smtClean="0"/>
-              <a:t>10/12/2021</a:t>
+              <a:t>12/16/2021</a:t>
             </a:fld>
             <a:endParaRPr lang="en-US"/>
           </a:p>
@@ -2671,7 +2673,7 @@
           <a:p>
             <a:fld id="{DA0DD2D3-C15B-4332-819D-E2F7B9035237}" type="datetimeFigureOut">
               <a:rPr lang="en-US" smtClean="0"/>
-              <a:t>10/12/2021</a:t>
+              <a:t>12/16/2021</a:t>
             </a:fld>
             <a:endParaRPr lang="en-US"/>
           </a:p>
@@ -2912,7 +2914,7 @@
           <a:p>
             <a:fld id="{DA0DD2D3-C15B-4332-819D-E2F7B9035237}" type="datetimeFigureOut">
               <a:rPr lang="en-US" smtClean="0"/>
-              <a:t>10/12/2021</a:t>
+              <a:t>12/16/2021</a:t>
             </a:fld>
             <a:endParaRPr lang="en-US"/>
           </a:p>
@@ -12322,6 +12324,596 @@
           <a:chExt cx="0" cy="0"/>
         </a:xfrm>
       </p:grpSpPr>
+      <p:graphicFrame>
+        <p:nvGraphicFramePr>
+          <p:cNvPr id="4" name="Table 3">
+            <a:extLst>
+              <a:ext uri="{FF2B5EF4-FFF2-40B4-BE49-F238E27FC236}">
+                <a16:creationId xmlns:a16="http://schemas.microsoft.com/office/drawing/2014/main" id="{7B494420-DDA0-4E1F-AF48-12F23E6D117C}"/>
+              </a:ext>
+            </a:extLst>
+          </p:cNvPr>
+          <p:cNvGraphicFramePr>
+            <a:graphicFrameLocks noGrp="1"/>
+          </p:cNvGraphicFramePr>
+          <p:nvPr>
+            <p:extLst>
+              <p:ext uri="{D42A27DB-BD31-4B8C-83A1-F6EECF244321}">
+                <p14:modId xmlns:p14="http://schemas.microsoft.com/office/powerpoint/2010/main" val="2555256524"/>
+              </p:ext>
+            </p:extLst>
+          </p:nvPr>
+        </p:nvGraphicFramePr>
+        <p:xfrm>
+          <a:off x="1716246" y="1971040"/>
+          <a:ext cx="6777513" cy="2519680"/>
+        </p:xfrm>
+        <a:graphic>
+          <a:graphicData uri="http://schemas.openxmlformats.org/drawingml/2006/table">
+            <a:tbl>
+              <a:tblPr firstRow="1" bandRow="1">
+                <a:tableStyleId>{073A0DAA-6AF3-43AB-8588-CEC1D06C72B9}</a:tableStyleId>
+              </a:tblPr>
+              <a:tblGrid>
+                <a:gridCol w="2259171">
+                  <a:extLst>
+                    <a:ext uri="{9D8B030D-6E8A-4147-A177-3AD203B41FA5}">
+                      <a16:colId xmlns:a16="http://schemas.microsoft.com/office/drawing/2014/main" val="3289445541"/>
+                    </a:ext>
+                  </a:extLst>
+                </a:gridCol>
+                <a:gridCol w="2259171">
+                  <a:extLst>
+                    <a:ext uri="{9D8B030D-6E8A-4147-A177-3AD203B41FA5}">
+                      <a16:colId xmlns:a16="http://schemas.microsoft.com/office/drawing/2014/main" val="2031057407"/>
+                    </a:ext>
+                  </a:extLst>
+                </a:gridCol>
+                <a:gridCol w="2259171">
+                  <a:extLst>
+                    <a:ext uri="{9D8B030D-6E8A-4147-A177-3AD203B41FA5}">
+                      <a16:colId xmlns:a16="http://schemas.microsoft.com/office/drawing/2014/main" val="151027937"/>
+                    </a:ext>
+                  </a:extLst>
+                </a:gridCol>
+              </a:tblGrid>
+              <a:tr h="629920">
+                <a:tc>
+                  <a:txBody>
+                    <a:bodyPr/>
+                    <a:lstStyle/>
+                    <a:p>
+                      <a:pPr algn="ctr"/>
+                      <a:r>
+                        <a:rPr lang="en-AU" dirty="0"/>
+                        <a:t>Hypothesis</a:t>
+                      </a:r>
+                      <a:endParaRPr lang="en-US" dirty="0"/>
+                    </a:p>
+                  </a:txBody>
+                  <a:tcPr/>
+                </a:tc>
+                <a:tc>
+                  <a:txBody>
+                    <a:bodyPr/>
+                    <a:lstStyle/>
+                    <a:p>
+                      <a:pPr algn="ctr"/>
+                      <a:r>
+                        <a:rPr lang="en-AU" dirty="0"/>
+                        <a:t>Alpha scale</a:t>
+                      </a:r>
+                      <a:endParaRPr lang="en-US" dirty="0"/>
+                    </a:p>
+                  </a:txBody>
+                  <a:tcPr/>
+                </a:tc>
+                <a:tc>
+                  <a:txBody>
+                    <a:bodyPr/>
+                    <a:lstStyle/>
+                    <a:p>
+                      <a:pPr algn="ctr"/>
+                      <a:r>
+                        <a:rPr lang="en-AU" dirty="0"/>
+                        <a:t>Gamma scale</a:t>
+                      </a:r>
+                      <a:endParaRPr lang="en-US" dirty="0"/>
+                    </a:p>
+                  </a:txBody>
+                  <a:tcPr/>
+                </a:tc>
+                <a:extLst>
+                  <a:ext uri="{0D108BD9-81ED-4DB2-BD59-A6C34878D82A}">
+                    <a16:rowId xmlns:a16="http://schemas.microsoft.com/office/drawing/2014/main" val="1604598689"/>
+                  </a:ext>
+                </a:extLst>
+              </a:tr>
+              <a:tr h="629920">
+                <a:tc>
+                  <a:txBody>
+                    <a:bodyPr/>
+                    <a:lstStyle/>
+                    <a:p>
+                      <a:pPr algn="ctr"/>
+                      <a:r>
+                        <a:rPr lang="en-US" sz="1400" dirty="0">
+                          <a:latin typeface="Arial" panose="020B0604020202020204" pitchFamily="34" charset="0"/>
+                          <a:cs typeface="Arial" panose="020B0604020202020204" pitchFamily="34" charset="0"/>
+                        </a:rPr>
+                        <a:t>Species abundance distribution</a:t>
+                      </a:r>
+                    </a:p>
+                  </a:txBody>
+                  <a:tcPr/>
+                </a:tc>
+                <a:tc>
+                  <a:txBody>
+                    <a:bodyPr/>
+                    <a:lstStyle/>
+                    <a:p>
+                      <a:r>
+                        <a:rPr lang="en-AU" sz="1400" dirty="0"/>
+                        <a:t>Little support</a:t>
+                      </a:r>
+                      <a:endParaRPr lang="en-US" sz="1400" dirty="0"/>
+                    </a:p>
+                  </a:txBody>
+                  <a:tcPr/>
+                </a:tc>
+                <a:tc>
+                  <a:txBody>
+                    <a:bodyPr/>
+                    <a:lstStyle/>
+                    <a:p>
+                      <a:r>
+                        <a:rPr lang="en-AU" sz="1400" dirty="0"/>
+                        <a:t>Moderate support</a:t>
+                      </a:r>
+                      <a:endParaRPr lang="en-US" sz="1400" dirty="0"/>
+                    </a:p>
+                  </a:txBody>
+                  <a:tcPr/>
+                </a:tc>
+                <a:extLst>
+                  <a:ext uri="{0D108BD9-81ED-4DB2-BD59-A6C34878D82A}">
+                    <a16:rowId xmlns:a16="http://schemas.microsoft.com/office/drawing/2014/main" val="2048073028"/>
+                  </a:ext>
+                </a:extLst>
+              </a:tr>
+              <a:tr h="629920">
+                <a:tc>
+                  <a:txBody>
+                    <a:bodyPr/>
+                    <a:lstStyle/>
+                    <a:p>
+                      <a:pPr algn="ctr"/>
+                      <a:r>
+                        <a:rPr lang="en-US" sz="1400" dirty="0">
+                          <a:latin typeface="Arial" panose="020B0604020202020204" pitchFamily="34" charset="0"/>
+                          <a:cs typeface="Arial" panose="020B0604020202020204" pitchFamily="34" charset="0"/>
+                        </a:rPr>
+                        <a:t>Number of individuals</a:t>
+                      </a:r>
+                    </a:p>
+                  </a:txBody>
+                  <a:tcPr/>
+                </a:tc>
+                <a:tc>
+                  <a:txBody>
+                    <a:bodyPr/>
+                    <a:lstStyle/>
+                    <a:p>
+                      <a:r>
+                        <a:rPr lang="en-AU" sz="1400" dirty="0"/>
+                        <a:t>Strong support</a:t>
+                      </a:r>
+                      <a:endParaRPr lang="en-US" sz="1400" dirty="0"/>
+                    </a:p>
+                  </a:txBody>
+                  <a:tcPr/>
+                </a:tc>
+                <a:tc>
+                  <a:txBody>
+                    <a:bodyPr/>
+                    <a:lstStyle/>
+                    <a:p>
+                      <a:r>
+                        <a:rPr lang="en-AU" sz="1400" dirty="0"/>
+                        <a:t>Strong support</a:t>
+                      </a:r>
+                      <a:endParaRPr lang="en-US" sz="1400" dirty="0"/>
+                    </a:p>
+                  </a:txBody>
+                  <a:tcPr/>
+                </a:tc>
+                <a:extLst>
+                  <a:ext uri="{0D108BD9-81ED-4DB2-BD59-A6C34878D82A}">
+                    <a16:rowId xmlns:a16="http://schemas.microsoft.com/office/drawing/2014/main" val="1485295109"/>
+                  </a:ext>
+                </a:extLst>
+              </a:tr>
+              <a:tr h="629920">
+                <a:tc>
+                  <a:txBody>
+                    <a:bodyPr/>
+                    <a:lstStyle/>
+                    <a:p>
+                      <a:pPr algn="ctr"/>
+                      <a:r>
+                        <a:rPr lang="en-US" sz="1400" dirty="0">
+                          <a:latin typeface="Arial" panose="020B0604020202020204" pitchFamily="34" charset="0"/>
+                          <a:cs typeface="Arial" panose="020B0604020202020204" pitchFamily="34" charset="0"/>
+                        </a:rPr>
+                        <a:t>Spatial arrangement of conspecific individuals</a:t>
+                      </a:r>
+                    </a:p>
+                  </a:txBody>
+                  <a:tcPr/>
+                </a:tc>
+                <a:tc>
+                  <a:txBody>
+                    <a:bodyPr/>
+                    <a:lstStyle/>
+                    <a:p>
+                      <a:r>
+                        <a:rPr lang="en-AU" sz="1400" dirty="0"/>
+                        <a:t>No support</a:t>
+                      </a:r>
+                      <a:endParaRPr lang="en-US" sz="1400" dirty="0"/>
+                    </a:p>
+                  </a:txBody>
+                  <a:tcPr/>
+                </a:tc>
+                <a:tc>
+                  <a:txBody>
+                    <a:bodyPr/>
+                    <a:lstStyle/>
+                    <a:p>
+                      <a:r>
+                        <a:rPr lang="en-AU" sz="1400" dirty="0"/>
+                        <a:t>No support</a:t>
+                      </a:r>
+                      <a:endParaRPr lang="en-US" sz="1400" dirty="0"/>
+                    </a:p>
+                  </a:txBody>
+                  <a:tcPr/>
+                </a:tc>
+                <a:extLst>
+                  <a:ext uri="{0D108BD9-81ED-4DB2-BD59-A6C34878D82A}">
+                    <a16:rowId xmlns:a16="http://schemas.microsoft.com/office/drawing/2014/main" val="1055237482"/>
+                  </a:ext>
+                </a:extLst>
+              </a:tr>
+            </a:tbl>
+          </a:graphicData>
+        </a:graphic>
+      </p:graphicFrame>
+    </p:spTree>
+    <p:extLst>
+      <p:ext uri="{BB962C8B-B14F-4D97-AF65-F5344CB8AC3E}">
+        <p14:creationId xmlns:p14="http://schemas.microsoft.com/office/powerpoint/2010/main" val="2837001922"/>
+      </p:ext>
+    </p:extLst>
+  </p:cSld>
+  <p:clrMapOvr>
+    <a:masterClrMapping/>
+  </p:clrMapOvr>
+</p:sld>
+</file>
+
+<file path=ppt/slides/slide5.xml><?xml version="1.0" encoding="utf-8"?>
+<p:sld xmlns:a="http://schemas.openxmlformats.org/drawingml/2006/main" xmlns:r="http://schemas.openxmlformats.org/officeDocument/2006/relationships" xmlns:p="http://schemas.openxmlformats.org/presentationml/2006/main">
+  <p:cSld>
+    <p:spTree>
+      <p:nvGrpSpPr>
+        <p:cNvPr id="1" name=""/>
+        <p:cNvGrpSpPr/>
+        <p:nvPr/>
+      </p:nvGrpSpPr>
+      <p:grpSpPr>
+        <a:xfrm>
+          <a:off x="0" y="0"/>
+          <a:ext cx="0" cy="0"/>
+          <a:chOff x="0" y="0"/>
+          <a:chExt cx="0" cy="0"/>
+        </a:xfrm>
+      </p:grpSpPr>
+      <p:graphicFrame>
+        <p:nvGraphicFramePr>
+          <p:cNvPr id="4" name="Table 3">
+            <a:extLst>
+              <a:ext uri="{FF2B5EF4-FFF2-40B4-BE49-F238E27FC236}">
+                <a16:creationId xmlns:a16="http://schemas.microsoft.com/office/drawing/2014/main" id="{7B494420-DDA0-4E1F-AF48-12F23E6D117C}"/>
+              </a:ext>
+            </a:extLst>
+          </p:cNvPr>
+          <p:cNvGraphicFramePr>
+            <a:graphicFrameLocks noGrp="1"/>
+          </p:cNvGraphicFramePr>
+          <p:nvPr>
+            <p:extLst>
+              <p:ext uri="{D42A27DB-BD31-4B8C-83A1-F6EECF244321}">
+                <p14:modId xmlns:p14="http://schemas.microsoft.com/office/powerpoint/2010/main" val="2683052535"/>
+              </p:ext>
+            </p:extLst>
+          </p:nvPr>
+        </p:nvGraphicFramePr>
+        <p:xfrm>
+          <a:off x="1716246" y="1971040"/>
+          <a:ext cx="6777513" cy="2519680"/>
+        </p:xfrm>
+        <a:graphic>
+          <a:graphicData uri="http://schemas.openxmlformats.org/drawingml/2006/table">
+            <a:tbl>
+              <a:tblPr firstRow="1" bandRow="1">
+                <a:tableStyleId>{073A0DAA-6AF3-43AB-8588-CEC1D06C72B9}</a:tableStyleId>
+              </a:tblPr>
+              <a:tblGrid>
+                <a:gridCol w="2259171">
+                  <a:extLst>
+                    <a:ext uri="{9D8B030D-6E8A-4147-A177-3AD203B41FA5}">
+                      <a16:colId xmlns:a16="http://schemas.microsoft.com/office/drawing/2014/main" val="3289445541"/>
+                    </a:ext>
+                  </a:extLst>
+                </a:gridCol>
+                <a:gridCol w="2259171">
+                  <a:extLst>
+                    <a:ext uri="{9D8B030D-6E8A-4147-A177-3AD203B41FA5}">
+                      <a16:colId xmlns:a16="http://schemas.microsoft.com/office/drawing/2014/main" val="2031057407"/>
+                    </a:ext>
+                  </a:extLst>
+                </a:gridCol>
+                <a:gridCol w="2259171">
+                  <a:extLst>
+                    <a:ext uri="{9D8B030D-6E8A-4147-A177-3AD203B41FA5}">
+                      <a16:colId xmlns:a16="http://schemas.microsoft.com/office/drawing/2014/main" val="151027937"/>
+                    </a:ext>
+                  </a:extLst>
+                </a:gridCol>
+              </a:tblGrid>
+              <a:tr h="629920">
+                <a:tc>
+                  <a:txBody>
+                    <a:bodyPr/>
+                    <a:lstStyle/>
+                    <a:p>
+                      <a:pPr algn="ctr"/>
+                      <a:r>
+                        <a:rPr lang="en-AU" dirty="0"/>
+                        <a:t>Hypothesis</a:t>
+                      </a:r>
+                      <a:endParaRPr lang="en-US" dirty="0"/>
+                    </a:p>
+                  </a:txBody>
+                  <a:tcPr/>
+                </a:tc>
+                <a:tc>
+                  <a:txBody>
+                    <a:bodyPr/>
+                    <a:lstStyle/>
+                    <a:p>
+                      <a:pPr algn="ctr"/>
+                      <a:r>
+                        <a:rPr lang="en-AU" dirty="0"/>
+                        <a:t>Alpha scale</a:t>
+                      </a:r>
+                      <a:endParaRPr lang="en-US" dirty="0"/>
+                    </a:p>
+                  </a:txBody>
+                  <a:tcPr/>
+                </a:tc>
+                <a:tc>
+                  <a:txBody>
+                    <a:bodyPr/>
+                    <a:lstStyle/>
+                    <a:p>
+                      <a:pPr algn="ctr"/>
+                      <a:r>
+                        <a:rPr lang="en-AU" dirty="0"/>
+                        <a:t>Gamma scale</a:t>
+                      </a:r>
+                      <a:endParaRPr lang="en-US" dirty="0"/>
+                    </a:p>
+                  </a:txBody>
+                  <a:tcPr/>
+                </a:tc>
+                <a:extLst>
+                  <a:ext uri="{0D108BD9-81ED-4DB2-BD59-A6C34878D82A}">
+                    <a16:rowId xmlns:a16="http://schemas.microsoft.com/office/drawing/2014/main" val="1604598689"/>
+                  </a:ext>
+                </a:extLst>
+              </a:tr>
+              <a:tr h="629920">
+                <a:tc>
+                  <a:txBody>
+                    <a:bodyPr/>
+                    <a:lstStyle/>
+                    <a:p>
+                      <a:pPr algn="ctr"/>
+                      <a:r>
+                        <a:rPr lang="en-US" sz="1400" dirty="0">
+                          <a:latin typeface="Arial" panose="020B0604020202020204" pitchFamily="34" charset="0"/>
+                          <a:cs typeface="Arial" panose="020B0604020202020204" pitchFamily="34" charset="0"/>
+                        </a:rPr>
+                        <a:t>Number of individuals</a:t>
+                      </a:r>
+                    </a:p>
+                  </a:txBody>
+                  <a:tcPr/>
+                </a:tc>
+                <a:tc>
+                  <a:txBody>
+                    <a:bodyPr/>
+                    <a:lstStyle/>
+                    <a:p>
+                      <a:r>
+                        <a:rPr lang="en-AU" sz="1400" dirty="0"/>
+                        <a:t>Strong support</a:t>
+                      </a:r>
+                      <a:endParaRPr lang="en-US" sz="1400" dirty="0"/>
+                    </a:p>
+                  </a:txBody>
+                  <a:tcPr/>
+                </a:tc>
+                <a:tc>
+                  <a:txBody>
+                    <a:bodyPr/>
+                    <a:lstStyle/>
+                    <a:p>
+                      <a:r>
+                        <a:rPr lang="en-AU" sz="1400" dirty="0"/>
+                        <a:t>Strong support</a:t>
+                      </a:r>
+                      <a:endParaRPr lang="en-US" sz="1400" dirty="0"/>
+                    </a:p>
+                  </a:txBody>
+                  <a:tcPr/>
+                </a:tc>
+                <a:extLst>
+                  <a:ext uri="{0D108BD9-81ED-4DB2-BD59-A6C34878D82A}">
+                    <a16:rowId xmlns:a16="http://schemas.microsoft.com/office/drawing/2014/main" val="4161136627"/>
+                  </a:ext>
+                </a:extLst>
+              </a:tr>
+              <a:tr h="629920">
+                <a:tc>
+                  <a:txBody>
+                    <a:bodyPr/>
+                    <a:lstStyle/>
+                    <a:p>
+                      <a:pPr algn="ctr"/>
+                      <a:r>
+                        <a:rPr lang="en-US" sz="1400" dirty="0">
+                          <a:latin typeface="Arial" panose="020B0604020202020204" pitchFamily="34" charset="0"/>
+                          <a:cs typeface="Arial" panose="020B0604020202020204" pitchFamily="34" charset="0"/>
+                        </a:rPr>
+                        <a:t>Species abundance distribution</a:t>
+                      </a:r>
+                    </a:p>
+                  </a:txBody>
+                  <a:tcPr/>
+                </a:tc>
+                <a:tc>
+                  <a:txBody>
+                    <a:bodyPr/>
+                    <a:lstStyle/>
+                    <a:p>
+                      <a:r>
+                        <a:rPr lang="en-AU" sz="1400" dirty="0"/>
+                        <a:t>Little support</a:t>
+                      </a:r>
+                      <a:endParaRPr lang="en-US" sz="1400" dirty="0"/>
+                    </a:p>
+                  </a:txBody>
+                  <a:tcPr/>
+                </a:tc>
+                <a:tc>
+                  <a:txBody>
+                    <a:bodyPr/>
+                    <a:lstStyle/>
+                    <a:p>
+                      <a:r>
+                        <a:rPr lang="en-AU" sz="1400" dirty="0"/>
+                        <a:t>Moderate support</a:t>
+                      </a:r>
+                      <a:endParaRPr lang="en-US" sz="1400" dirty="0"/>
+                    </a:p>
+                  </a:txBody>
+                  <a:tcPr/>
+                </a:tc>
+                <a:extLst>
+                  <a:ext uri="{0D108BD9-81ED-4DB2-BD59-A6C34878D82A}">
+                    <a16:rowId xmlns:a16="http://schemas.microsoft.com/office/drawing/2014/main" val="2048073028"/>
+                  </a:ext>
+                </a:extLst>
+              </a:tr>
+              <a:tr h="629920">
+                <a:tc>
+                  <a:txBody>
+                    <a:bodyPr/>
+                    <a:lstStyle/>
+                    <a:p>
+                      <a:pPr algn="ctr"/>
+                      <a:r>
+                        <a:rPr lang="en-US" sz="1400" dirty="0">
+                          <a:latin typeface="Arial" panose="020B0604020202020204" pitchFamily="34" charset="0"/>
+                          <a:cs typeface="Arial" panose="020B0604020202020204" pitchFamily="34" charset="0"/>
+                        </a:rPr>
+                        <a:t>Spatial arrangement of conspecific individuals</a:t>
+                      </a:r>
+                    </a:p>
+                  </a:txBody>
+                  <a:tcPr/>
+                </a:tc>
+                <a:tc>
+                  <a:txBody>
+                    <a:bodyPr/>
+                    <a:lstStyle/>
+                    <a:p>
+                      <a:r>
+                        <a:rPr lang="en-AU" sz="1400" dirty="0"/>
+                        <a:t>No support</a:t>
+                      </a:r>
+                      <a:endParaRPr lang="en-US" sz="1400" dirty="0"/>
+                    </a:p>
+                  </a:txBody>
+                  <a:tcPr/>
+                </a:tc>
+                <a:tc>
+                  <a:txBody>
+                    <a:bodyPr/>
+                    <a:lstStyle/>
+                    <a:p>
+                      <a:r>
+                        <a:rPr lang="en-AU" sz="1400" dirty="0"/>
+                        <a:t>No support</a:t>
+                      </a:r>
+                      <a:endParaRPr lang="en-US" sz="1400" dirty="0"/>
+                    </a:p>
+                  </a:txBody>
+                  <a:tcPr/>
+                </a:tc>
+                <a:extLst>
+                  <a:ext uri="{0D108BD9-81ED-4DB2-BD59-A6C34878D82A}">
+                    <a16:rowId xmlns:a16="http://schemas.microsoft.com/office/drawing/2014/main" val="1055237482"/>
+                  </a:ext>
+                </a:extLst>
+              </a:tr>
+            </a:tbl>
+          </a:graphicData>
+        </a:graphic>
+      </p:graphicFrame>
+    </p:spTree>
+    <p:extLst>
+      <p:ext uri="{BB962C8B-B14F-4D97-AF65-F5344CB8AC3E}">
+        <p14:creationId xmlns:p14="http://schemas.microsoft.com/office/powerpoint/2010/main" val="1152710100"/>
+      </p:ext>
+    </p:extLst>
+  </p:cSld>
+  <p:clrMapOvr>
+    <a:masterClrMapping/>
+  </p:clrMapOvr>
+</p:sld>
+</file>
+
+<file path=ppt/slides/slide6.xml><?xml version="1.0" encoding="utf-8"?>
+<p:sld xmlns:a="http://schemas.openxmlformats.org/drawingml/2006/main" xmlns:r="http://schemas.openxmlformats.org/officeDocument/2006/relationships" xmlns:p="http://schemas.openxmlformats.org/presentationml/2006/main">
+  <p:cSld>
+    <p:spTree>
+      <p:nvGrpSpPr>
+        <p:cNvPr id="1" name=""/>
+        <p:cNvGrpSpPr/>
+        <p:nvPr/>
+      </p:nvGrpSpPr>
+      <p:grpSpPr>
+        <a:xfrm>
+          <a:off x="0" y="0"/>
+          <a:ext cx="0" cy="0"/>
+          <a:chOff x="0" y="0"/>
+          <a:chExt cx="0" cy="0"/>
+        </a:xfrm>
+      </p:grpSpPr>
       <p:grpSp>
         <p:nvGrpSpPr>
           <p:cNvPr id="20" name="Group 19">
